--- a/Lecture 12/lecture12.pptx
+++ b/Lecture 12/lecture12.pptx
@@ -6,10 +6,10 @@
     <p:sldMasterId id="2147483650" r:id="rId2"/>
   </p:sldMasterIdLst>
   <p:notesMasterIdLst>
-    <p:notesMasterId r:id="rId55"/>
+    <p:notesMasterId r:id="rId57"/>
   </p:notesMasterIdLst>
   <p:handoutMasterIdLst>
-    <p:handoutMasterId r:id="rId56"/>
+    <p:handoutMasterId r:id="rId58"/>
   </p:handoutMasterIdLst>
   <p:sldIdLst>
     <p:sldId id="309" r:id="rId3"/>
@@ -53,17 +53,19 @@
     <p:sldId id="470" r:id="rId41"/>
     <p:sldId id="471" r:id="rId42"/>
     <p:sldId id="438" r:id="rId43"/>
-    <p:sldId id="457" r:id="rId44"/>
-    <p:sldId id="421" r:id="rId45"/>
-    <p:sldId id="440" r:id="rId46"/>
-    <p:sldId id="422" r:id="rId47"/>
-    <p:sldId id="423" r:id="rId48"/>
-    <p:sldId id="424" r:id="rId49"/>
-    <p:sldId id="425" r:id="rId50"/>
-    <p:sldId id="453" r:id="rId51"/>
-    <p:sldId id="454" r:id="rId52"/>
-    <p:sldId id="460" r:id="rId53"/>
-    <p:sldId id="461" r:id="rId54"/>
+    <p:sldId id="484" r:id="rId44"/>
+    <p:sldId id="485" r:id="rId45"/>
+    <p:sldId id="457" r:id="rId46"/>
+    <p:sldId id="421" r:id="rId47"/>
+    <p:sldId id="440" r:id="rId48"/>
+    <p:sldId id="422" r:id="rId49"/>
+    <p:sldId id="423" r:id="rId50"/>
+    <p:sldId id="424" r:id="rId51"/>
+    <p:sldId id="425" r:id="rId52"/>
+    <p:sldId id="453" r:id="rId53"/>
+    <p:sldId id="454" r:id="rId54"/>
+    <p:sldId id="460" r:id="rId55"/>
+    <p:sldId id="461" r:id="rId56"/>
   </p:sldIdLst>
   <p:sldSz cx="12192000" cy="6858000"/>
   <p:notesSz cx="6858000" cy="9144000"/>
@@ -164,7 +166,7 @@
   </p:defaultTextStyle>
   <p:extLst>
     <p:ext uri="{EFAFB233-063F-42B5-8137-9DF3F51BA10A}">
-      <p15:sldGuideLst xmlns:p15="http://schemas.microsoft.com/office/powerpoint/2012/main">
+      <p15:sldGuideLst xmlns:p15="http://schemas.microsoft.com/office/powerpoint/2012/main" xmlns="">
         <p15:guide id="1" orient="horz" pos="2160" userDrawn="1">
           <p15:clr>
             <a:srgbClr val="A4A3A4"/>
@@ -178,7 +180,7 @@
       </p15:sldGuideLst>
     </p:ext>
     <p:ext uri="{2D200454-40CA-4A62-9FC3-DE9A4176ACB9}">
-      <p15:notesGuideLst xmlns:p15="http://schemas.microsoft.com/office/powerpoint/2012/main">
+      <p15:notesGuideLst xmlns:p15="http://schemas.microsoft.com/office/powerpoint/2012/main" xmlns="">
         <p15:guide id="1" orient="horz" pos="2880">
           <p15:clr>
             <a:srgbClr val="A4A3A4"/>
@@ -3654,9 +3656,10 @@
         <a:lstStyle/>
         <a:p>
           <a:r>
-            <a:rPr lang="en-US" sz="1200" dirty="0"/>
-            <a:t>Object</a:t>
+            <a:rPr lang="en-US" sz="1200" dirty="0" smtClean="0"/>
+            <a:t>Object (everything comes from this, i.e. a “genesis” object)</a:t>
           </a:r>
+          <a:endParaRPr lang="en-US" sz="1200" dirty="0"/>
         </a:p>
       </dgm:t>
     </dgm:pt>
@@ -4093,6 +4096,13 @@
         </dgm:presLayoutVars>
       </dgm:prSet>
       <dgm:spPr/>
+      <dgm:t>
+        <a:bodyPr/>
+        <a:lstStyle/>
+        <a:p>
+          <a:endParaRPr lang="en-US"/>
+        </a:p>
+      </dgm:t>
     </dgm:pt>
     <dgm:pt modelId="{7773FCBD-6A0B-4C23-8A42-BE6E24623A59}" type="pres">
       <dgm:prSet presAssocID="{24809E60-BDF7-48A4-830B-B313E87F1F12}" presName="parentLin" presStyleCnt="0"/>
@@ -4101,6 +4111,13 @@
     <dgm:pt modelId="{7EBFFAEF-57F4-4B6B-BBF5-103E39AA7317}" type="pres">
       <dgm:prSet presAssocID="{24809E60-BDF7-48A4-830B-B313E87F1F12}" presName="parentLeftMargin" presStyleLbl="node1" presStyleIdx="0" presStyleCnt="3"/>
       <dgm:spPr/>
+      <dgm:t>
+        <a:bodyPr/>
+        <a:lstStyle/>
+        <a:p>
+          <a:endParaRPr lang="en-US"/>
+        </a:p>
+      </dgm:t>
     </dgm:pt>
     <dgm:pt modelId="{3CF6C686-D16A-4B9D-9BFC-ED5BEF651291}" type="pres">
       <dgm:prSet presAssocID="{24809E60-BDF7-48A4-830B-B313E87F1F12}" presName="parentText" presStyleLbl="node1" presStyleIdx="0" presStyleCnt="3">
@@ -4110,6 +4127,13 @@
         </dgm:presLayoutVars>
       </dgm:prSet>
       <dgm:spPr/>
+      <dgm:t>
+        <a:bodyPr/>
+        <a:lstStyle/>
+        <a:p>
+          <a:endParaRPr lang="en-US"/>
+        </a:p>
+      </dgm:t>
     </dgm:pt>
     <dgm:pt modelId="{FAE6BA30-061C-4F79-89E7-B174165328DC}" type="pres">
       <dgm:prSet presAssocID="{24809E60-BDF7-48A4-830B-B313E87F1F12}" presName="negativeSpace" presStyleCnt="0"/>
@@ -4122,6 +4146,13 @@
         </dgm:presLayoutVars>
       </dgm:prSet>
       <dgm:spPr/>
+      <dgm:t>
+        <a:bodyPr/>
+        <a:lstStyle/>
+        <a:p>
+          <a:endParaRPr lang="en-US"/>
+        </a:p>
+      </dgm:t>
     </dgm:pt>
     <dgm:pt modelId="{C907A851-2004-47DD-86DE-34D866278133}" type="pres">
       <dgm:prSet presAssocID="{0638D816-95C4-4991-AE0F-6F2D48D3B19C}" presName="spaceBetweenRectangles" presStyleCnt="0"/>
@@ -4134,6 +4165,13 @@
     <dgm:pt modelId="{6EA33CF4-E95D-4CFD-9E21-729819558CB3}" type="pres">
       <dgm:prSet presAssocID="{0E331DD1-8A32-4B2C-BC79-B81A1F9E1B6D}" presName="parentLeftMargin" presStyleLbl="node1" presStyleIdx="0" presStyleCnt="3"/>
       <dgm:spPr/>
+      <dgm:t>
+        <a:bodyPr/>
+        <a:lstStyle/>
+        <a:p>
+          <a:endParaRPr lang="en-US"/>
+        </a:p>
+      </dgm:t>
     </dgm:pt>
     <dgm:pt modelId="{7BA5E4CA-B29A-4C08-AD2A-BEFE1E0F502D}" type="pres">
       <dgm:prSet presAssocID="{0E331DD1-8A32-4B2C-BC79-B81A1F9E1B6D}" presName="parentText" presStyleLbl="node1" presStyleIdx="1" presStyleCnt="3">
@@ -4143,6 +4181,13 @@
         </dgm:presLayoutVars>
       </dgm:prSet>
       <dgm:spPr/>
+      <dgm:t>
+        <a:bodyPr/>
+        <a:lstStyle/>
+        <a:p>
+          <a:endParaRPr lang="en-US"/>
+        </a:p>
+      </dgm:t>
     </dgm:pt>
     <dgm:pt modelId="{90190C9B-6786-41F9-9A0E-8400D2017E0F}" type="pres">
       <dgm:prSet presAssocID="{0E331DD1-8A32-4B2C-BC79-B81A1F9E1B6D}" presName="negativeSpace" presStyleCnt="0"/>
@@ -4155,6 +4200,13 @@
         </dgm:presLayoutVars>
       </dgm:prSet>
       <dgm:spPr/>
+      <dgm:t>
+        <a:bodyPr/>
+        <a:lstStyle/>
+        <a:p>
+          <a:endParaRPr lang="en-US"/>
+        </a:p>
+      </dgm:t>
     </dgm:pt>
     <dgm:pt modelId="{9FF36C65-5BF6-4DCA-B2A4-CBD266A4E6FE}" type="pres">
       <dgm:prSet presAssocID="{3604CAA9-BEEE-4B1C-A4BC-ED61903A0AE8}" presName="spaceBetweenRectangles" presStyleCnt="0"/>
@@ -4167,6 +4219,13 @@
     <dgm:pt modelId="{44EF216F-5C44-4553-95A9-0FBC780A762A}" type="pres">
       <dgm:prSet presAssocID="{18CFD28C-E176-4BCA-8EAF-5598846B1DC3}" presName="parentLeftMargin" presStyleLbl="node1" presStyleIdx="1" presStyleCnt="3"/>
       <dgm:spPr/>
+      <dgm:t>
+        <a:bodyPr/>
+        <a:lstStyle/>
+        <a:p>
+          <a:endParaRPr lang="en-US"/>
+        </a:p>
+      </dgm:t>
     </dgm:pt>
     <dgm:pt modelId="{CE738099-1EF0-4806-96F7-41D9C7104E75}" type="pres">
       <dgm:prSet presAssocID="{18CFD28C-E176-4BCA-8EAF-5598846B1DC3}" presName="parentText" presStyleLbl="node1" presStyleIdx="2" presStyleCnt="3">
@@ -4176,6 +4235,13 @@
         </dgm:presLayoutVars>
       </dgm:prSet>
       <dgm:spPr/>
+      <dgm:t>
+        <a:bodyPr/>
+        <a:lstStyle/>
+        <a:p>
+          <a:endParaRPr lang="en-US"/>
+        </a:p>
+      </dgm:t>
     </dgm:pt>
     <dgm:pt modelId="{3B424C83-CC33-48E9-B9F0-32F5B39084C7}" type="pres">
       <dgm:prSet presAssocID="{18CFD28C-E176-4BCA-8EAF-5598846B1DC3}" presName="negativeSpace" presStyleCnt="0"/>
@@ -4188,49 +4254,56 @@
         </dgm:presLayoutVars>
       </dgm:prSet>
       <dgm:spPr/>
+      <dgm:t>
+        <a:bodyPr/>
+        <a:lstStyle/>
+        <a:p>
+          <a:endParaRPr lang="en-US"/>
+        </a:p>
+      </dgm:t>
     </dgm:pt>
   </dgm:ptLst>
   <dgm:cxnLst>
+    <dgm:cxn modelId="{4E38C838-832D-438F-93F1-639BA77CE6AA}" type="presOf" srcId="{C9B6D410-F444-419B-BBD4-A1E8EDE01240}" destId="{8426CA77-72B7-4388-B6CA-1DCDAEF9ED56}" srcOrd="0" destOrd="1" presId="urn:microsoft.com/office/officeart/2005/8/layout/list1"/>
+    <dgm:cxn modelId="{6F6B1FD8-9353-4366-8EB3-3DAA60CC6491}" type="presOf" srcId="{0E331DD1-8A32-4B2C-BC79-B81A1F9E1B6D}" destId="{6EA33CF4-E95D-4CFD-9E21-729819558CB3}" srcOrd="0" destOrd="0" presId="urn:microsoft.com/office/officeart/2005/8/layout/list1"/>
+    <dgm:cxn modelId="{CCF98ECB-88FD-4332-8596-B80241DA642C}" srcId="{18CFD28C-E176-4BCA-8EAF-5598846B1DC3}" destId="{9869DFFB-DE16-4ADF-9CFD-F96B14D48FA7}" srcOrd="4" destOrd="0" parTransId="{97BAE1ED-271B-4FAC-AAF4-A423B0C19BAF}" sibTransId="{981B2DBF-8751-486D-93F9-44695B3A945F}"/>
+    <dgm:cxn modelId="{E1D4C545-2612-4C00-89ED-E9C2A01861E8}" type="presOf" srcId="{FCADE2F5-7116-4A33-B23B-29A22510E155}" destId="{D4EECFD8-17D6-4080-AA2D-13C1CE3C4A23}" srcOrd="0" destOrd="3" presId="urn:microsoft.com/office/officeart/2005/8/layout/list1"/>
+    <dgm:cxn modelId="{B84C7537-0512-405D-8F5D-938A4585CD2C}" srcId="{18CFD28C-E176-4BCA-8EAF-5598846B1DC3}" destId="{7E85822E-5E69-41C4-AF3D-BBECE924162A}" srcOrd="5" destOrd="0" parTransId="{E6D5EB2F-6B37-48E6-981C-A244A25FBAAF}" sibTransId="{A598FEB1-5D56-4F85-810D-266A4CCA3280}"/>
+    <dgm:cxn modelId="{5D4C09FB-A0E9-472D-BFEC-63BA451E317F}" type="presOf" srcId="{D8DB53F4-D064-4A3B-B8BF-DD3187FF3761}" destId="{D4EECFD8-17D6-4080-AA2D-13C1CE3C4A23}" srcOrd="0" destOrd="0" presId="urn:microsoft.com/office/officeart/2005/8/layout/list1"/>
+    <dgm:cxn modelId="{6B2852AC-ED9F-4B77-BE6F-A017654B365E}" type="presOf" srcId="{B71DE2DC-2EAC-4220-B2B5-7182D0A966CE}" destId="{D4EECFD8-17D6-4080-AA2D-13C1CE3C4A23}" srcOrd="0" destOrd="1" presId="urn:microsoft.com/office/officeart/2005/8/layout/list1"/>
+    <dgm:cxn modelId="{4DCA3A73-991A-4B07-BBFB-74195C97CF28}" srcId="{24809E60-BDF7-48A4-830B-B313E87F1F12}" destId="{3FDF052B-1BF4-4D76-961C-0AD0D5ECE769}" srcOrd="1" destOrd="0" parTransId="{B118BACB-BA99-453A-825E-B6A01636ADDB}" sibTransId="{51B01395-D83C-45E4-998B-1FFB1F3D1DCA}"/>
+    <dgm:cxn modelId="{4D4121FF-073C-4D32-B126-EF50F552DFA0}" type="presOf" srcId="{2E0BFDDB-CF50-4072-9C97-9CB221DEAE2B}" destId="{07819B4A-0026-4F49-A167-8497AACCF314}" srcOrd="0" destOrd="5" presId="urn:microsoft.com/office/officeart/2005/8/layout/list1"/>
+    <dgm:cxn modelId="{D63719D4-AA96-4945-A32F-D4DB411C05BD}" type="presOf" srcId="{D0DF493F-25F9-47A8-95FB-18B22EA7A0DE}" destId="{07819B4A-0026-4F49-A167-8497AACCF314}" srcOrd="0" destOrd="4" presId="urn:microsoft.com/office/officeart/2005/8/layout/list1"/>
+    <dgm:cxn modelId="{B0381184-370E-49E6-A7C6-9A44156AD057}" type="presOf" srcId="{0E331DD1-8A32-4B2C-BC79-B81A1F9E1B6D}" destId="{7BA5E4CA-B29A-4C08-AD2A-BEFE1E0F502D}" srcOrd="1" destOrd="0" presId="urn:microsoft.com/office/officeart/2005/8/layout/list1"/>
+    <dgm:cxn modelId="{1711B12C-01B3-4A46-AD8D-BD47BC431B1C}" type="presOf" srcId="{18CFD28C-E176-4BCA-8EAF-5598846B1DC3}" destId="{44EF216F-5C44-4553-95A9-0FBC780A762A}" srcOrd="0" destOrd="0" presId="urn:microsoft.com/office/officeart/2005/8/layout/list1"/>
+    <dgm:cxn modelId="{C429CD5F-AA60-4237-9505-3B3E31397E16}" srcId="{18CFD28C-E176-4BCA-8EAF-5598846B1DC3}" destId="{D8DB53F4-D064-4A3B-B8BF-DD3187FF3761}" srcOrd="0" destOrd="0" parTransId="{57824440-A5C1-4F5B-9F8A-426A074319E9}" sibTransId="{9EB76918-912C-44B9-AE65-712BDBCAC3C7}"/>
+    <dgm:cxn modelId="{3BDDB982-0E15-4060-9D3A-938800648479}" srcId="{24809E60-BDF7-48A4-830B-B313E87F1F12}" destId="{D0DF493F-25F9-47A8-95FB-18B22EA7A0DE}" srcOrd="4" destOrd="0" parTransId="{2CC202C2-0B76-4E8E-A341-B6B815BD4A4C}" sibTransId="{210FF3CA-6469-4F45-BC34-741A21A1B7FF}"/>
+    <dgm:cxn modelId="{C73B0A5C-5602-4910-B7F1-E76DBD702952}" srcId="{18CFD28C-E176-4BCA-8EAF-5598846B1DC3}" destId="{D18AA35A-8B70-4DEA-A9B9-1FFBE782468C}" srcOrd="2" destOrd="0" parTransId="{8EAD9751-CA10-4D3A-92AE-59A810053CE9}" sibTransId="{949FA9E1-E6E9-446B-9B05-05F05FEE8841}"/>
+    <dgm:cxn modelId="{328AC0F6-DE00-422A-B27B-C89F1FDFF36F}" srcId="{24809E60-BDF7-48A4-830B-B313E87F1F12}" destId="{59EFFEFA-D552-42A6-8D7B-7E315D493C0A}" srcOrd="3" destOrd="0" parTransId="{37B7FBBE-2F15-43EC-8C4F-4A07231525CA}" sibTransId="{D1B5D63E-3DF3-4079-A4FB-B96CF591A7F9}"/>
+    <dgm:cxn modelId="{49B9C692-4769-45AA-B729-9531E80B76A4}" type="presOf" srcId="{3FDF052B-1BF4-4D76-961C-0AD0D5ECE769}" destId="{07819B4A-0026-4F49-A167-8497AACCF314}" srcOrd="0" destOrd="1" presId="urn:microsoft.com/office/officeart/2005/8/layout/list1"/>
+    <dgm:cxn modelId="{D7AB4F33-9060-45EF-B248-57D833F89DF2}" srcId="{0E331DD1-8A32-4B2C-BC79-B81A1F9E1B6D}" destId="{8155F14D-50E1-4E95-9391-A8D08C2805C5}" srcOrd="0" destOrd="0" parTransId="{95F3E293-1561-4390-9DEA-87E15FCA5B14}" sibTransId="{8679057D-5D8F-4972-84FE-FE80F014084C}"/>
+    <dgm:cxn modelId="{BEF42E4C-EA43-4ECD-B72D-02769323BC63}" type="presOf" srcId="{5E92868D-8302-49B3-9CD1-0727C69E1057}" destId="{8426CA77-72B7-4388-B6CA-1DCDAEF9ED56}" srcOrd="0" destOrd="2" presId="urn:microsoft.com/office/officeart/2005/8/layout/list1"/>
+    <dgm:cxn modelId="{386FB0F6-2499-4324-9EDD-3CD2019B5DD8}" type="presOf" srcId="{8155F14D-50E1-4E95-9391-A8D08C2805C5}" destId="{8426CA77-72B7-4388-B6CA-1DCDAEF9ED56}" srcOrd="0" destOrd="0" presId="urn:microsoft.com/office/officeart/2005/8/layout/list1"/>
+    <dgm:cxn modelId="{53702FB1-B08C-4079-996B-D7ADEFFCF1D3}" type="presOf" srcId="{24809E60-BDF7-48A4-830B-B313E87F1F12}" destId="{3CF6C686-D16A-4B9D-9BFC-ED5BEF651291}" srcOrd="1" destOrd="0" presId="urn:microsoft.com/office/officeart/2005/8/layout/list1"/>
+    <dgm:cxn modelId="{F040298C-2C51-45C1-A54E-993594916CD2}" srcId="{0E331DD1-8A32-4B2C-BC79-B81A1F9E1B6D}" destId="{C9B6D410-F444-419B-BBD4-A1E8EDE01240}" srcOrd="1" destOrd="0" parTransId="{25CE67F1-ADDB-443B-BD39-A219CCFE08CD}" sibTransId="{F246A6CE-BF4A-4326-8810-119BEB4683EC}"/>
+    <dgm:cxn modelId="{4B104C2C-3BDA-4D72-B897-288B0C4B96E0}" srcId="{0E331DD1-8A32-4B2C-BC79-B81A1F9E1B6D}" destId="{5E92868D-8302-49B3-9CD1-0727C69E1057}" srcOrd="2" destOrd="0" parTransId="{C1AE51A4-410A-4374-8335-6E0A7977CC3B}" sibTransId="{33B01B39-FBB3-4719-AA79-136418281384}"/>
+    <dgm:cxn modelId="{B4CCC956-5A76-48BB-AA58-8C841C0F1A14}" srcId="{24809E60-BDF7-48A4-830B-B313E87F1F12}" destId="{B474F6FC-520A-443F-BB00-C7A666DFDDC6}" srcOrd="0" destOrd="0" parTransId="{51918FFD-D536-467D-A94B-E89DB09C8BD6}" sibTransId="{D03382C5-2B21-45B0-ADC4-CA5704D7CA50}"/>
+    <dgm:cxn modelId="{22DB2249-457B-4B7B-9960-18D732E55923}" type="presOf" srcId="{68318E4A-91F5-4C33-B95D-E7E9B6B55C70}" destId="{6C06DFE0-BD4A-4207-AE36-EBD14D4B0A35}" srcOrd="0" destOrd="0" presId="urn:microsoft.com/office/officeart/2005/8/layout/list1"/>
+    <dgm:cxn modelId="{59845B59-137D-462D-AF4F-1752F0CA827D}" type="presOf" srcId="{24809E60-BDF7-48A4-830B-B313E87F1F12}" destId="{7EBFFAEF-57F4-4B6B-BBF5-103E39AA7317}" srcOrd="0" destOrd="0" presId="urn:microsoft.com/office/officeart/2005/8/layout/list1"/>
+    <dgm:cxn modelId="{1B5A1D9F-E415-4766-97C6-EF7AB270D888}" srcId="{68318E4A-91F5-4C33-B95D-E7E9B6B55C70}" destId="{18CFD28C-E176-4BCA-8EAF-5598846B1DC3}" srcOrd="2" destOrd="0" parTransId="{A7F0E019-9FDA-4A3F-8473-913AF2604C42}" sibTransId="{10BD8C77-FB97-4EF0-9D2B-02B295F4A36B}"/>
+    <dgm:cxn modelId="{C2691CCE-32C9-4966-A367-7F9A19C5D623}" type="presOf" srcId="{7E85822E-5E69-41C4-AF3D-BBECE924162A}" destId="{D4EECFD8-17D6-4080-AA2D-13C1CE3C4A23}" srcOrd="0" destOrd="5" presId="urn:microsoft.com/office/officeart/2005/8/layout/list1"/>
+    <dgm:cxn modelId="{E459BDEA-A1CD-450C-91E8-35F4A9C998DA}" srcId="{24809E60-BDF7-48A4-830B-B313E87F1F12}" destId="{2E0BFDDB-CF50-4072-9C97-9CB221DEAE2B}" srcOrd="5" destOrd="0" parTransId="{0710D890-95DE-40E7-89E5-855F79F61267}" sibTransId="{992E99B0-016F-4BA2-A2D0-0DD516624333}"/>
+    <dgm:cxn modelId="{824E7AAA-139D-457F-8DB2-AC02ACCA294F}" type="presOf" srcId="{9869DFFB-DE16-4ADF-9CFD-F96B14D48FA7}" destId="{D4EECFD8-17D6-4080-AA2D-13C1CE3C4A23}" srcOrd="0" destOrd="4" presId="urn:microsoft.com/office/officeart/2005/8/layout/list1"/>
     <dgm:cxn modelId="{AF9D4C0D-BAB4-4F6B-AC27-33FDFB9A3169}" srcId="{24809E60-BDF7-48A4-830B-B313E87F1F12}" destId="{8F417638-0D65-47C8-9E7D-273031C0CEC1}" srcOrd="2" destOrd="0" parTransId="{79F98C2F-03A2-4873-9930-59D78C918BDE}" sibTransId="{94047EF0-83A6-4C79-93D5-FDC5D9F72113}"/>
+    <dgm:cxn modelId="{33DDC37A-735E-4698-B295-F224737FA084}" type="presOf" srcId="{8F417638-0D65-47C8-9E7D-273031C0CEC1}" destId="{07819B4A-0026-4F49-A167-8497AACCF314}" srcOrd="0" destOrd="2" presId="urn:microsoft.com/office/officeart/2005/8/layout/list1"/>
+    <dgm:cxn modelId="{AF8AD6F4-792C-4CB6-A8DB-D5849A7E4A8B}" type="presOf" srcId="{18CFD28C-E176-4BCA-8EAF-5598846B1DC3}" destId="{CE738099-1EF0-4806-96F7-41D9C7104E75}" srcOrd="1" destOrd="0" presId="urn:microsoft.com/office/officeart/2005/8/layout/list1"/>
     <dgm:cxn modelId="{3EF8A41B-79E8-4D8B-BC88-9F79D71E5FD0}" srcId="{18CFD28C-E176-4BCA-8EAF-5598846B1DC3}" destId="{FCADE2F5-7116-4A33-B23B-29A22510E155}" srcOrd="3" destOrd="0" parTransId="{AEC11EF4-5E8A-4A79-A32D-2742C1115C58}" sibTransId="{4E3D431B-4C73-4CCA-BF2B-1DBEB88C65F5}"/>
-    <dgm:cxn modelId="{4B104C2C-3BDA-4D72-B897-288B0C4B96E0}" srcId="{0E331DD1-8A32-4B2C-BC79-B81A1F9E1B6D}" destId="{5E92868D-8302-49B3-9CD1-0727C69E1057}" srcOrd="2" destOrd="0" parTransId="{C1AE51A4-410A-4374-8335-6E0A7977CC3B}" sibTransId="{33B01B39-FBB3-4719-AA79-136418281384}"/>
-    <dgm:cxn modelId="{1711B12C-01B3-4A46-AD8D-BD47BC431B1C}" type="presOf" srcId="{18CFD28C-E176-4BCA-8EAF-5598846B1DC3}" destId="{44EF216F-5C44-4553-95A9-0FBC780A762A}" srcOrd="0" destOrd="0" presId="urn:microsoft.com/office/officeart/2005/8/layout/list1"/>
-    <dgm:cxn modelId="{D7AB4F33-9060-45EF-B248-57D833F89DF2}" srcId="{0E331DD1-8A32-4B2C-BC79-B81A1F9E1B6D}" destId="{8155F14D-50E1-4E95-9391-A8D08C2805C5}" srcOrd="0" destOrd="0" parTransId="{95F3E293-1561-4390-9DEA-87E15FCA5B14}" sibTransId="{8679057D-5D8F-4972-84FE-FE80F014084C}"/>
-    <dgm:cxn modelId="{B84C7537-0512-405D-8F5D-938A4585CD2C}" srcId="{18CFD28C-E176-4BCA-8EAF-5598846B1DC3}" destId="{7E85822E-5E69-41C4-AF3D-BBECE924162A}" srcOrd="5" destOrd="0" parTransId="{E6D5EB2F-6B37-48E6-981C-A244A25FBAAF}" sibTransId="{A598FEB1-5D56-4F85-810D-266A4CCA3280}"/>
-    <dgm:cxn modelId="{4E38C838-832D-438F-93F1-639BA77CE6AA}" type="presOf" srcId="{C9B6D410-F444-419B-BBD4-A1E8EDE01240}" destId="{8426CA77-72B7-4388-B6CA-1DCDAEF9ED56}" srcOrd="0" destOrd="1" presId="urn:microsoft.com/office/officeart/2005/8/layout/list1"/>
+    <dgm:cxn modelId="{2301FB9C-086B-491A-8DEC-8B53CCE67AB8}" type="presOf" srcId="{59EFFEFA-D552-42A6-8D7B-7E315D493C0A}" destId="{07819B4A-0026-4F49-A167-8497AACCF314}" srcOrd="0" destOrd="3" presId="urn:microsoft.com/office/officeart/2005/8/layout/list1"/>
+    <dgm:cxn modelId="{99872F7B-7CC7-471A-B443-55F4EEF72B29}" srcId="{18CFD28C-E176-4BCA-8EAF-5598846B1DC3}" destId="{B71DE2DC-2EAC-4220-B2B5-7182D0A966CE}" srcOrd="1" destOrd="0" parTransId="{E1C2E783-89C5-4797-A9AE-1C44CED37335}" sibTransId="{74EDEE5E-DC16-4575-9383-BF29D037D640}"/>
     <dgm:cxn modelId="{6BE7703F-3E15-444D-A076-AA01124AC564}" type="presOf" srcId="{B474F6FC-520A-443F-BB00-C7A666DFDDC6}" destId="{07819B4A-0026-4F49-A167-8497AACCF314}" srcOrd="0" destOrd="0" presId="urn:microsoft.com/office/officeart/2005/8/layout/list1"/>
+    <dgm:cxn modelId="{258B6DC6-B793-4C4D-B264-C1FE9F33D24F}" type="presOf" srcId="{D18AA35A-8B70-4DEA-A9B9-1FFBE782468C}" destId="{D4EECFD8-17D6-4080-AA2D-13C1CE3C4A23}" srcOrd="0" destOrd="2" presId="urn:microsoft.com/office/officeart/2005/8/layout/list1"/>
     <dgm:cxn modelId="{609F1740-F94F-4175-A5E5-86CE4CFEA986}" srcId="{68318E4A-91F5-4C33-B95D-E7E9B6B55C70}" destId="{24809E60-BDF7-48A4-830B-B313E87F1F12}" srcOrd="0" destOrd="0" parTransId="{14A3FDAD-CF88-4099-9749-94D99ED9286F}" sibTransId="{0638D816-95C4-4991-AE0F-6F2D48D3B19C}"/>
-    <dgm:cxn modelId="{C73B0A5C-5602-4910-B7F1-E76DBD702952}" srcId="{18CFD28C-E176-4BCA-8EAF-5598846B1DC3}" destId="{D18AA35A-8B70-4DEA-A9B9-1FFBE782468C}" srcOrd="2" destOrd="0" parTransId="{8EAD9751-CA10-4D3A-92AE-59A810053CE9}" sibTransId="{949FA9E1-E6E9-446B-9B05-05F05FEE8841}"/>
-    <dgm:cxn modelId="{C429CD5F-AA60-4237-9505-3B3E31397E16}" srcId="{18CFD28C-E176-4BCA-8EAF-5598846B1DC3}" destId="{D8DB53F4-D064-4A3B-B8BF-DD3187FF3761}" srcOrd="0" destOrd="0" parTransId="{57824440-A5C1-4F5B-9F8A-426A074319E9}" sibTransId="{9EB76918-912C-44B9-AE65-712BDBCAC3C7}"/>
-    <dgm:cxn modelId="{E1D4C545-2612-4C00-89ED-E9C2A01861E8}" type="presOf" srcId="{FCADE2F5-7116-4A33-B23B-29A22510E155}" destId="{D4EECFD8-17D6-4080-AA2D-13C1CE3C4A23}" srcOrd="0" destOrd="3" presId="urn:microsoft.com/office/officeart/2005/8/layout/list1"/>
-    <dgm:cxn modelId="{22DB2249-457B-4B7B-9960-18D732E55923}" type="presOf" srcId="{68318E4A-91F5-4C33-B95D-E7E9B6B55C70}" destId="{6C06DFE0-BD4A-4207-AE36-EBD14D4B0A35}" srcOrd="0" destOrd="0" presId="urn:microsoft.com/office/officeart/2005/8/layout/list1"/>
-    <dgm:cxn modelId="{BEF42E4C-EA43-4ECD-B72D-02769323BC63}" type="presOf" srcId="{5E92868D-8302-49B3-9CD1-0727C69E1057}" destId="{8426CA77-72B7-4388-B6CA-1DCDAEF9ED56}" srcOrd="0" destOrd="2" presId="urn:microsoft.com/office/officeart/2005/8/layout/list1"/>
-    <dgm:cxn modelId="{4DCA3A73-991A-4B07-BBFB-74195C97CF28}" srcId="{24809E60-BDF7-48A4-830B-B313E87F1F12}" destId="{3FDF052B-1BF4-4D76-961C-0AD0D5ECE769}" srcOrd="1" destOrd="0" parTransId="{B118BACB-BA99-453A-825E-B6A01636ADDB}" sibTransId="{51B01395-D83C-45E4-998B-1FFB1F3D1DCA}"/>
-    <dgm:cxn modelId="{B4CCC956-5A76-48BB-AA58-8C841C0F1A14}" srcId="{24809E60-BDF7-48A4-830B-B313E87F1F12}" destId="{B474F6FC-520A-443F-BB00-C7A666DFDDC6}" srcOrd="0" destOrd="0" parTransId="{51918FFD-D536-467D-A94B-E89DB09C8BD6}" sibTransId="{D03382C5-2B21-45B0-ADC4-CA5704D7CA50}"/>
-    <dgm:cxn modelId="{59845B59-137D-462D-AF4F-1752F0CA827D}" type="presOf" srcId="{24809E60-BDF7-48A4-830B-B313E87F1F12}" destId="{7EBFFAEF-57F4-4B6B-BBF5-103E39AA7317}" srcOrd="0" destOrd="0" presId="urn:microsoft.com/office/officeart/2005/8/layout/list1"/>
     <dgm:cxn modelId="{2704C459-3A63-4FA7-B742-C1C3F55FD173}" srcId="{68318E4A-91F5-4C33-B95D-E7E9B6B55C70}" destId="{0E331DD1-8A32-4B2C-BC79-B81A1F9E1B6D}" srcOrd="1" destOrd="0" parTransId="{66C78848-756D-4B9A-B7F3-8A7C7F6C0647}" sibTransId="{3604CAA9-BEEE-4B1C-A4BC-ED61903A0AE8}"/>
-    <dgm:cxn modelId="{33DDC37A-735E-4698-B295-F224737FA084}" type="presOf" srcId="{8F417638-0D65-47C8-9E7D-273031C0CEC1}" destId="{07819B4A-0026-4F49-A167-8497AACCF314}" srcOrd="0" destOrd="2" presId="urn:microsoft.com/office/officeart/2005/8/layout/list1"/>
-    <dgm:cxn modelId="{99872F7B-7CC7-471A-B443-55F4EEF72B29}" srcId="{18CFD28C-E176-4BCA-8EAF-5598846B1DC3}" destId="{B71DE2DC-2EAC-4220-B2B5-7182D0A966CE}" srcOrd="1" destOrd="0" parTransId="{E1C2E783-89C5-4797-A9AE-1C44CED37335}" sibTransId="{74EDEE5E-DC16-4575-9383-BF29D037D640}"/>
-    <dgm:cxn modelId="{3BDDB982-0E15-4060-9D3A-938800648479}" srcId="{24809E60-BDF7-48A4-830B-B313E87F1F12}" destId="{D0DF493F-25F9-47A8-95FB-18B22EA7A0DE}" srcOrd="4" destOrd="0" parTransId="{2CC202C2-0B76-4E8E-A341-B6B815BD4A4C}" sibTransId="{210FF3CA-6469-4F45-BC34-741A21A1B7FF}"/>
-    <dgm:cxn modelId="{B0381184-370E-49E6-A7C6-9A44156AD057}" type="presOf" srcId="{0E331DD1-8A32-4B2C-BC79-B81A1F9E1B6D}" destId="{7BA5E4CA-B29A-4C08-AD2A-BEFE1E0F502D}" srcOrd="1" destOrd="0" presId="urn:microsoft.com/office/officeart/2005/8/layout/list1"/>
-    <dgm:cxn modelId="{F040298C-2C51-45C1-A54E-993594916CD2}" srcId="{0E331DD1-8A32-4B2C-BC79-B81A1F9E1B6D}" destId="{C9B6D410-F444-419B-BBD4-A1E8EDE01240}" srcOrd="1" destOrd="0" parTransId="{25CE67F1-ADDB-443B-BD39-A219CCFE08CD}" sibTransId="{F246A6CE-BF4A-4326-8810-119BEB4683EC}"/>
-    <dgm:cxn modelId="{49B9C692-4769-45AA-B729-9531E80B76A4}" type="presOf" srcId="{3FDF052B-1BF4-4D76-961C-0AD0D5ECE769}" destId="{07819B4A-0026-4F49-A167-8497AACCF314}" srcOrd="0" destOrd="1" presId="urn:microsoft.com/office/officeart/2005/8/layout/list1"/>
-    <dgm:cxn modelId="{2301FB9C-086B-491A-8DEC-8B53CCE67AB8}" type="presOf" srcId="{59EFFEFA-D552-42A6-8D7B-7E315D493C0A}" destId="{07819B4A-0026-4F49-A167-8497AACCF314}" srcOrd="0" destOrd="3" presId="urn:microsoft.com/office/officeart/2005/8/layout/list1"/>
-    <dgm:cxn modelId="{1B5A1D9F-E415-4766-97C6-EF7AB270D888}" srcId="{68318E4A-91F5-4C33-B95D-E7E9B6B55C70}" destId="{18CFD28C-E176-4BCA-8EAF-5598846B1DC3}" srcOrd="2" destOrd="0" parTransId="{A7F0E019-9FDA-4A3F-8473-913AF2604C42}" sibTransId="{10BD8C77-FB97-4EF0-9D2B-02B295F4A36B}"/>
-    <dgm:cxn modelId="{824E7AAA-139D-457F-8DB2-AC02ACCA294F}" type="presOf" srcId="{9869DFFB-DE16-4ADF-9CFD-F96B14D48FA7}" destId="{D4EECFD8-17D6-4080-AA2D-13C1CE3C4A23}" srcOrd="0" destOrd="4" presId="urn:microsoft.com/office/officeart/2005/8/layout/list1"/>
-    <dgm:cxn modelId="{6B2852AC-ED9F-4B77-BE6F-A017654B365E}" type="presOf" srcId="{B71DE2DC-2EAC-4220-B2B5-7182D0A966CE}" destId="{D4EECFD8-17D6-4080-AA2D-13C1CE3C4A23}" srcOrd="0" destOrd="1" presId="urn:microsoft.com/office/officeart/2005/8/layout/list1"/>
-    <dgm:cxn modelId="{53702FB1-B08C-4079-996B-D7ADEFFCF1D3}" type="presOf" srcId="{24809E60-BDF7-48A4-830B-B313E87F1F12}" destId="{3CF6C686-D16A-4B9D-9BFC-ED5BEF651291}" srcOrd="1" destOrd="0" presId="urn:microsoft.com/office/officeart/2005/8/layout/list1"/>
-    <dgm:cxn modelId="{258B6DC6-B793-4C4D-B264-C1FE9F33D24F}" type="presOf" srcId="{D18AA35A-8B70-4DEA-A9B9-1FFBE782468C}" destId="{D4EECFD8-17D6-4080-AA2D-13C1CE3C4A23}" srcOrd="0" destOrd="2" presId="urn:microsoft.com/office/officeart/2005/8/layout/list1"/>
-    <dgm:cxn modelId="{CCF98ECB-88FD-4332-8596-B80241DA642C}" srcId="{18CFD28C-E176-4BCA-8EAF-5598846B1DC3}" destId="{9869DFFB-DE16-4ADF-9CFD-F96B14D48FA7}" srcOrd="4" destOrd="0" parTransId="{97BAE1ED-271B-4FAC-AAF4-A423B0C19BAF}" sibTransId="{981B2DBF-8751-486D-93F9-44695B3A945F}"/>
-    <dgm:cxn modelId="{C2691CCE-32C9-4966-A367-7F9A19C5D623}" type="presOf" srcId="{7E85822E-5E69-41C4-AF3D-BBECE924162A}" destId="{D4EECFD8-17D6-4080-AA2D-13C1CE3C4A23}" srcOrd="0" destOrd="5" presId="urn:microsoft.com/office/officeart/2005/8/layout/list1"/>
-    <dgm:cxn modelId="{D63719D4-AA96-4945-A32F-D4DB411C05BD}" type="presOf" srcId="{D0DF493F-25F9-47A8-95FB-18B22EA7A0DE}" destId="{07819B4A-0026-4F49-A167-8497AACCF314}" srcOrd="0" destOrd="4" presId="urn:microsoft.com/office/officeart/2005/8/layout/list1"/>
-    <dgm:cxn modelId="{6F6B1FD8-9353-4366-8EB3-3DAA60CC6491}" type="presOf" srcId="{0E331DD1-8A32-4B2C-BC79-B81A1F9E1B6D}" destId="{6EA33CF4-E95D-4CFD-9E21-729819558CB3}" srcOrd="0" destOrd="0" presId="urn:microsoft.com/office/officeart/2005/8/layout/list1"/>
-    <dgm:cxn modelId="{E459BDEA-A1CD-450C-91E8-35F4A9C998DA}" srcId="{24809E60-BDF7-48A4-830B-B313E87F1F12}" destId="{2E0BFDDB-CF50-4072-9C97-9CB221DEAE2B}" srcOrd="5" destOrd="0" parTransId="{0710D890-95DE-40E7-89E5-855F79F61267}" sibTransId="{992E99B0-016F-4BA2-A2D0-0DD516624333}"/>
-    <dgm:cxn modelId="{AF8AD6F4-792C-4CB6-A8DB-D5849A7E4A8B}" type="presOf" srcId="{18CFD28C-E176-4BCA-8EAF-5598846B1DC3}" destId="{CE738099-1EF0-4806-96F7-41D9C7104E75}" srcOrd="1" destOrd="0" presId="urn:microsoft.com/office/officeart/2005/8/layout/list1"/>
-    <dgm:cxn modelId="{386FB0F6-2499-4324-9EDD-3CD2019B5DD8}" type="presOf" srcId="{8155F14D-50E1-4E95-9391-A8D08C2805C5}" destId="{8426CA77-72B7-4388-B6CA-1DCDAEF9ED56}" srcOrd="0" destOrd="0" presId="urn:microsoft.com/office/officeart/2005/8/layout/list1"/>
-    <dgm:cxn modelId="{328AC0F6-DE00-422A-B27B-C89F1FDFF36F}" srcId="{24809E60-BDF7-48A4-830B-B313E87F1F12}" destId="{59EFFEFA-D552-42A6-8D7B-7E315D493C0A}" srcOrd="3" destOrd="0" parTransId="{37B7FBBE-2F15-43EC-8C4F-4A07231525CA}" sibTransId="{D1B5D63E-3DF3-4079-A4FB-B96CF591A7F9}"/>
-    <dgm:cxn modelId="{5D4C09FB-A0E9-472D-BFEC-63BA451E317F}" type="presOf" srcId="{D8DB53F4-D064-4A3B-B8BF-DD3187FF3761}" destId="{D4EECFD8-17D6-4080-AA2D-13C1CE3C4A23}" srcOrd="0" destOrd="0" presId="urn:microsoft.com/office/officeart/2005/8/layout/list1"/>
-    <dgm:cxn modelId="{4D4121FF-073C-4D32-B126-EF50F552DFA0}" type="presOf" srcId="{2E0BFDDB-CF50-4072-9C97-9CB221DEAE2B}" destId="{07819B4A-0026-4F49-A167-8497AACCF314}" srcOrd="0" destOrd="5" presId="urn:microsoft.com/office/officeart/2005/8/layout/list1"/>
     <dgm:cxn modelId="{1F400502-563F-4AEA-B274-C7AE455E8693}" type="presParOf" srcId="{6C06DFE0-BD4A-4207-AE36-EBD14D4B0A35}" destId="{7773FCBD-6A0B-4C23-8A42-BE6E24623A59}" srcOrd="0" destOrd="0" presId="urn:microsoft.com/office/officeart/2005/8/layout/list1"/>
     <dgm:cxn modelId="{A8686875-1581-492E-A0C4-6BEA8AF334E7}" type="presParOf" srcId="{7773FCBD-6A0B-4C23-8A42-BE6E24623A59}" destId="{7EBFFAEF-57F4-4B6B-BBF5-103E39AA7317}" srcOrd="0" destOrd="0" presId="urn:microsoft.com/office/officeart/2005/8/layout/list1"/>
     <dgm:cxn modelId="{790357CE-605C-49DB-A9F2-717562B9A1D7}" type="presParOf" srcId="{7773FCBD-6A0B-4C23-8A42-BE6E24623A59}" destId="{3CF6C686-D16A-4B9D-9BFC-ED5BEF651291}" srcOrd="1" destOrd="0" presId="urn:microsoft.com/office/officeart/2005/8/layout/list1"/>
@@ -4290,6 +4363,10 @@
           <a:br>
             <a:rPr lang="en-US" sz="1400" dirty="0"/>
           </a:br>
+          <a:r>
+            <a:rPr lang="en-US" sz="1400" dirty="0"/>
+            <a:t/>
+          </a:r>
           <a:br>
             <a:rPr lang="en-US" sz="1400" dirty="0"/>
           </a:br>
@@ -4339,6 +4416,10 @@
           <a:br>
             <a:rPr lang="en-US" sz="1400" dirty="0"/>
           </a:br>
+          <a:r>
+            <a:rPr lang="en-US" sz="1400" dirty="0"/>
+            <a:t/>
+          </a:r>
           <a:br>
             <a:rPr lang="en-US" sz="1400" dirty="0"/>
           </a:br>
@@ -4424,6 +4505,10 @@
           <a:br>
             <a:rPr lang="en-US" sz="1400" dirty="0"/>
           </a:br>
+          <a:r>
+            <a:rPr lang="en-US" sz="1400" dirty="0"/>
+            <a:t/>
+          </a:r>
           <a:br>
             <a:rPr lang="en-US" sz="1400" dirty="0"/>
           </a:br>
@@ -4793,6 +4878,13 @@
         </dgm:presLayoutVars>
       </dgm:prSet>
       <dgm:spPr/>
+      <dgm:t>
+        <a:bodyPr/>
+        <a:lstStyle/>
+        <a:p>
+          <a:endParaRPr lang="en-US"/>
+        </a:p>
+      </dgm:t>
     </dgm:pt>
     <dgm:pt modelId="{93C7E914-A59A-40B8-AD78-300E652FBA60}" type="pres">
       <dgm:prSet presAssocID="{24809E60-BDF7-48A4-830B-B313E87F1F12}" presName="compNode" presStyleCnt="0"/>
@@ -4801,10 +4893,24 @@
     <dgm:pt modelId="{3D8C15B4-FC07-446C-91FF-CB8D9BFB8E3C}" type="pres">
       <dgm:prSet presAssocID="{24809E60-BDF7-48A4-830B-B313E87F1F12}" presName="aNode" presStyleLbl="bgShp" presStyleIdx="0" presStyleCnt="3"/>
       <dgm:spPr/>
+      <dgm:t>
+        <a:bodyPr/>
+        <a:lstStyle/>
+        <a:p>
+          <a:endParaRPr lang="en-US"/>
+        </a:p>
+      </dgm:t>
     </dgm:pt>
     <dgm:pt modelId="{A36EE8A7-A3DF-476B-952A-198067F0E009}" type="pres">
       <dgm:prSet presAssocID="{24809E60-BDF7-48A4-830B-B313E87F1F12}" presName="textNode" presStyleLbl="bgShp" presStyleIdx="0" presStyleCnt="3"/>
       <dgm:spPr/>
+      <dgm:t>
+        <a:bodyPr/>
+        <a:lstStyle/>
+        <a:p>
+          <a:endParaRPr lang="en-US"/>
+        </a:p>
+      </dgm:t>
     </dgm:pt>
     <dgm:pt modelId="{E3599C4C-697F-4E34-8F0B-F53D60F2EEB5}" type="pres">
       <dgm:prSet presAssocID="{24809E60-BDF7-48A4-830B-B313E87F1F12}" presName="compChildNode" presStyleCnt="0"/>
@@ -4821,6 +4927,13 @@
         </dgm:presLayoutVars>
       </dgm:prSet>
       <dgm:spPr/>
+      <dgm:t>
+        <a:bodyPr/>
+        <a:lstStyle/>
+        <a:p>
+          <a:endParaRPr lang="en-US"/>
+        </a:p>
+      </dgm:t>
     </dgm:pt>
     <dgm:pt modelId="{A60758E6-58A8-4866-84D8-45D8DC6E94DD}" type="pres">
       <dgm:prSet presAssocID="{B474F6FC-520A-443F-BB00-C7A666DFDDC6}" presName="aSpace2" presStyleCnt="0"/>
@@ -4833,6 +4946,13 @@
         </dgm:presLayoutVars>
       </dgm:prSet>
       <dgm:spPr/>
+      <dgm:t>
+        <a:bodyPr/>
+        <a:lstStyle/>
+        <a:p>
+          <a:endParaRPr lang="en-US"/>
+        </a:p>
+      </dgm:t>
     </dgm:pt>
     <dgm:pt modelId="{DF2137B2-BA09-41B1-BB7E-36DCAEABAA6C}" type="pres">
       <dgm:prSet presAssocID="{972538BF-1F9B-4590-A7F7-97A125D1384A}" presName="aSpace2" presStyleCnt="0"/>
@@ -4845,6 +4965,13 @@
         </dgm:presLayoutVars>
       </dgm:prSet>
       <dgm:spPr/>
+      <dgm:t>
+        <a:bodyPr/>
+        <a:lstStyle/>
+        <a:p>
+          <a:endParaRPr lang="en-US"/>
+        </a:p>
+      </dgm:t>
     </dgm:pt>
     <dgm:pt modelId="{3B185AAD-0061-4837-990D-31F4747A09CE}" type="pres">
       <dgm:prSet presAssocID="{B3728F87-7027-492A-BC5D-55F73AC0D962}" presName="aSpace2" presStyleCnt="0"/>
@@ -4857,6 +4984,13 @@
         </dgm:presLayoutVars>
       </dgm:prSet>
       <dgm:spPr/>
+      <dgm:t>
+        <a:bodyPr/>
+        <a:lstStyle/>
+        <a:p>
+          <a:endParaRPr lang="en-US"/>
+        </a:p>
+      </dgm:t>
     </dgm:pt>
     <dgm:pt modelId="{E4A4162F-2C8D-4FA4-A83C-207CB8669023}" type="pres">
       <dgm:prSet presAssocID="{E633FA9F-1A0C-454A-9FE3-2B5D385A6E90}" presName="aSpace2" presStyleCnt="0"/>
@@ -4869,6 +5003,13 @@
         </dgm:presLayoutVars>
       </dgm:prSet>
       <dgm:spPr/>
+      <dgm:t>
+        <a:bodyPr/>
+        <a:lstStyle/>
+        <a:p>
+          <a:endParaRPr lang="en-US"/>
+        </a:p>
+      </dgm:t>
     </dgm:pt>
     <dgm:pt modelId="{855C3EB3-9797-4C9E-A79B-D2AF09D02231}" type="pres">
       <dgm:prSet presAssocID="{24809E60-BDF7-48A4-830B-B313E87F1F12}" presName="aSpace" presStyleCnt="0"/>
@@ -4881,10 +5022,24 @@
     <dgm:pt modelId="{E14B11F8-FA07-4859-8E1B-8816EF74DE6A}" type="pres">
       <dgm:prSet presAssocID="{0E331DD1-8A32-4B2C-BC79-B81A1F9E1B6D}" presName="aNode" presStyleLbl="bgShp" presStyleIdx="1" presStyleCnt="3"/>
       <dgm:spPr/>
+      <dgm:t>
+        <a:bodyPr/>
+        <a:lstStyle/>
+        <a:p>
+          <a:endParaRPr lang="en-US"/>
+        </a:p>
+      </dgm:t>
     </dgm:pt>
     <dgm:pt modelId="{29E03687-4052-4751-BEBE-E688688F4B79}" type="pres">
       <dgm:prSet presAssocID="{0E331DD1-8A32-4B2C-BC79-B81A1F9E1B6D}" presName="textNode" presStyleLbl="bgShp" presStyleIdx="1" presStyleCnt="3"/>
       <dgm:spPr/>
+      <dgm:t>
+        <a:bodyPr/>
+        <a:lstStyle/>
+        <a:p>
+          <a:endParaRPr lang="en-US"/>
+        </a:p>
+      </dgm:t>
     </dgm:pt>
     <dgm:pt modelId="{17C2BBC9-2221-4082-839A-9952D636F28D}" type="pres">
       <dgm:prSet presAssocID="{0E331DD1-8A32-4B2C-BC79-B81A1F9E1B6D}" presName="compChildNode" presStyleCnt="0"/>
@@ -4901,6 +5056,13 @@
         </dgm:presLayoutVars>
       </dgm:prSet>
       <dgm:spPr/>
+      <dgm:t>
+        <a:bodyPr/>
+        <a:lstStyle/>
+        <a:p>
+          <a:endParaRPr lang="en-US"/>
+        </a:p>
+      </dgm:t>
     </dgm:pt>
     <dgm:pt modelId="{2443BC84-F1C5-4BDA-BAAF-C1BC6A8D4429}" type="pres">
       <dgm:prSet presAssocID="{8155F14D-50E1-4E95-9391-A8D08C2805C5}" presName="aSpace2" presStyleCnt="0"/>
@@ -4913,6 +5075,13 @@
         </dgm:presLayoutVars>
       </dgm:prSet>
       <dgm:spPr/>
+      <dgm:t>
+        <a:bodyPr/>
+        <a:lstStyle/>
+        <a:p>
+          <a:endParaRPr lang="en-US"/>
+        </a:p>
+      </dgm:t>
     </dgm:pt>
     <dgm:pt modelId="{1EDB9533-6DE6-4888-BDFC-F9BC7E77585E}" type="pres">
       <dgm:prSet presAssocID="{BCE228CB-25BC-4FD3-B748-A73B4A136343}" presName="aSpace2" presStyleCnt="0"/>
@@ -4925,6 +5094,13 @@
         </dgm:presLayoutVars>
       </dgm:prSet>
       <dgm:spPr/>
+      <dgm:t>
+        <a:bodyPr/>
+        <a:lstStyle/>
+        <a:p>
+          <a:endParaRPr lang="en-US"/>
+        </a:p>
+      </dgm:t>
     </dgm:pt>
     <dgm:pt modelId="{08088DF3-2917-485E-B405-1A5C9CEA5300}" type="pres">
       <dgm:prSet presAssocID="{7AE0AB87-247C-4E15-8039-64AC555B4135}" presName="aSpace2" presStyleCnt="0"/>
@@ -4937,6 +5113,13 @@
         </dgm:presLayoutVars>
       </dgm:prSet>
       <dgm:spPr/>
+      <dgm:t>
+        <a:bodyPr/>
+        <a:lstStyle/>
+        <a:p>
+          <a:endParaRPr lang="en-US"/>
+        </a:p>
+      </dgm:t>
     </dgm:pt>
     <dgm:pt modelId="{22A5B74E-DDF3-4F0A-9B37-CFD02E036E33}" type="pres">
       <dgm:prSet presAssocID="{0E331DD1-8A32-4B2C-BC79-B81A1F9E1B6D}" presName="aSpace" presStyleCnt="0"/>
@@ -4949,10 +5132,24 @@
     <dgm:pt modelId="{40149FAA-AC1B-4867-B005-C27102EBDC68}" type="pres">
       <dgm:prSet presAssocID="{18CFD28C-E176-4BCA-8EAF-5598846B1DC3}" presName="aNode" presStyleLbl="bgShp" presStyleIdx="2" presStyleCnt="3"/>
       <dgm:spPr/>
+      <dgm:t>
+        <a:bodyPr/>
+        <a:lstStyle/>
+        <a:p>
+          <a:endParaRPr lang="en-US"/>
+        </a:p>
+      </dgm:t>
     </dgm:pt>
     <dgm:pt modelId="{D91453D8-E656-4229-A015-39EE0C7E6CE5}" type="pres">
       <dgm:prSet presAssocID="{18CFD28C-E176-4BCA-8EAF-5598846B1DC3}" presName="textNode" presStyleLbl="bgShp" presStyleIdx="2" presStyleCnt="3"/>
       <dgm:spPr/>
+      <dgm:t>
+        <a:bodyPr/>
+        <a:lstStyle/>
+        <a:p>
+          <a:endParaRPr lang="en-US"/>
+        </a:p>
+      </dgm:t>
     </dgm:pt>
     <dgm:pt modelId="{80042783-D65B-41C7-9608-93A34C1635D0}" type="pres">
       <dgm:prSet presAssocID="{18CFD28C-E176-4BCA-8EAF-5598846B1DC3}" presName="compChildNode" presStyleCnt="0"/>
@@ -4969,39 +5166,46 @@
         </dgm:presLayoutVars>
       </dgm:prSet>
       <dgm:spPr/>
+      <dgm:t>
+        <a:bodyPr/>
+        <a:lstStyle/>
+        <a:p>
+          <a:endParaRPr lang="en-US"/>
+        </a:p>
+      </dgm:t>
     </dgm:pt>
   </dgm:ptLst>
   <dgm:cxnLst>
+    <dgm:cxn modelId="{1AC3103E-D341-49E5-B0AA-E12D9D242D3C}" type="presOf" srcId="{46AD09CE-0838-4E87-8F99-6E9692722F45}" destId="{A5E6A474-2F9A-4745-82D4-7653E135EAD7}" srcOrd="0" destOrd="0" presId="urn:microsoft.com/office/officeart/2005/8/layout/lProcess2"/>
+    <dgm:cxn modelId="{2CD84DED-C5E8-40B0-82F8-54ACE666760C}" type="presOf" srcId="{B474F6FC-520A-443F-BB00-C7A666DFDDC6}" destId="{6C13078C-3728-4E69-A79E-53CE925FC60D}" srcOrd="0" destOrd="0" presId="urn:microsoft.com/office/officeart/2005/8/layout/lProcess2"/>
+    <dgm:cxn modelId="{2E12DFBD-A5F9-4699-AA3B-8FF19AF205FE}" type="presOf" srcId="{0E331DD1-8A32-4B2C-BC79-B81A1F9E1B6D}" destId="{29E03687-4052-4751-BEBE-E688688F4B79}" srcOrd="1" destOrd="0" presId="urn:microsoft.com/office/officeart/2005/8/layout/lProcess2"/>
     <dgm:cxn modelId="{DC57AB07-9293-4F19-ABE1-0F95E45ABEBF}" type="presOf" srcId="{BCE228CB-25BC-4FD3-B748-A73B4A136343}" destId="{49360E5F-2D07-4B79-B5CF-5C428D933B12}" srcOrd="0" destOrd="0" presId="urn:microsoft.com/office/officeart/2005/8/layout/lProcess2"/>
+    <dgm:cxn modelId="{4986F7E7-3FDD-49E1-BC93-865DFAA75548}" type="presOf" srcId="{18CFD28C-E176-4BCA-8EAF-5598846B1DC3}" destId="{D91453D8-E656-4229-A015-39EE0C7E6CE5}" srcOrd="1" destOrd="0" presId="urn:microsoft.com/office/officeart/2005/8/layout/lProcess2"/>
+    <dgm:cxn modelId="{001344E4-CDE0-4F11-B7CB-5F283B0A3F07}" type="presOf" srcId="{E633FA9F-1A0C-454A-9FE3-2B5D385A6E90}" destId="{9AC71AF1-AE00-4FEC-86BC-8DC561437B00}" srcOrd="0" destOrd="0" presId="urn:microsoft.com/office/officeart/2005/8/layout/lProcess2"/>
+    <dgm:cxn modelId="{C429CD5F-AA60-4237-9505-3B3E31397E16}" srcId="{18CFD28C-E176-4BCA-8EAF-5598846B1DC3}" destId="{D8DB53F4-D064-4A3B-B8BF-DD3187FF3761}" srcOrd="0" destOrd="0" parTransId="{57824440-A5C1-4F5B-9F8A-426A074319E9}" sibTransId="{9EB76918-912C-44B9-AE65-712BDBCAC3C7}"/>
+    <dgm:cxn modelId="{E4490E6E-A2C0-4EA2-929D-D720D9EBF5EC}" srcId="{0E331DD1-8A32-4B2C-BC79-B81A1F9E1B6D}" destId="{46AD09CE-0838-4E87-8F99-6E9692722F45}" srcOrd="3" destOrd="0" parTransId="{B02311E1-301A-4354-9008-B44FC92292C0}" sibTransId="{AF47CA6E-27C9-4A64-8F0A-B4D643E2EE74}"/>
+    <dgm:cxn modelId="{72AEDFCC-A3AE-4748-81B4-5C0E5E8E4D93}" type="presOf" srcId="{18CFD28C-E176-4BCA-8EAF-5598846B1DC3}" destId="{40149FAA-AC1B-4867-B005-C27102EBDC68}" srcOrd="0" destOrd="0" presId="urn:microsoft.com/office/officeart/2005/8/layout/lProcess2"/>
+    <dgm:cxn modelId="{49F011A6-5D7A-4FF0-BDD1-6025E4889012}" type="presOf" srcId="{D8DB53F4-D064-4A3B-B8BF-DD3187FF3761}" destId="{D9E939F8-3803-4225-BAD8-D851D53D00A1}" srcOrd="0" destOrd="0" presId="urn:microsoft.com/office/officeart/2005/8/layout/lProcess2"/>
+    <dgm:cxn modelId="{D7AB4F33-9060-45EF-B248-57D833F89DF2}" srcId="{0E331DD1-8A32-4B2C-BC79-B81A1F9E1B6D}" destId="{8155F14D-50E1-4E95-9391-A8D08C2805C5}" srcOrd="0" destOrd="0" parTransId="{95F3E293-1561-4390-9DEA-87E15FCA5B14}" sibTransId="{8679057D-5D8F-4972-84FE-FE80F014084C}"/>
+    <dgm:cxn modelId="{9CE6421B-FCD9-446B-ACB1-56C64183B4A1}" srcId="{24809E60-BDF7-48A4-830B-B313E87F1F12}" destId="{B3728F87-7027-492A-BC5D-55F73AC0D962}" srcOrd="2" destOrd="0" parTransId="{7366A48B-E436-4023-8AB4-914AD8529E7B}" sibTransId="{FE1DF34B-0FA0-4443-A3EA-30DBE6E550ED}"/>
+    <dgm:cxn modelId="{69F0F366-D4E8-4A06-8253-1900F3DEE814}" type="presOf" srcId="{24809E60-BDF7-48A4-830B-B313E87F1F12}" destId="{3D8C15B4-FC07-446C-91FF-CB8D9BFB8E3C}" srcOrd="0" destOrd="0" presId="urn:microsoft.com/office/officeart/2005/8/layout/lProcess2"/>
+    <dgm:cxn modelId="{98E663C0-E53A-4BD0-BFC6-EFDC16EB3DF4}" srcId="{24809E60-BDF7-48A4-830B-B313E87F1F12}" destId="{972538BF-1F9B-4590-A7F7-97A125D1384A}" srcOrd="1" destOrd="0" parTransId="{C4DE6878-5169-4A2F-A465-F934C3B28D24}" sibTransId="{B012D0DB-08AB-4139-9368-D4DC810D98FD}"/>
+    <dgm:cxn modelId="{D89EBAC8-9ADE-4105-9A30-53CC5FABEBF4}" type="presOf" srcId="{24809E60-BDF7-48A4-830B-B313E87F1F12}" destId="{A36EE8A7-A3DF-476B-952A-198067F0E009}" srcOrd="1" destOrd="0" presId="urn:microsoft.com/office/officeart/2005/8/layout/lProcess2"/>
+    <dgm:cxn modelId="{B4CCC956-5A76-48BB-AA58-8C841C0F1A14}" srcId="{24809E60-BDF7-48A4-830B-B313E87F1F12}" destId="{B474F6FC-520A-443F-BB00-C7A666DFDDC6}" srcOrd="0" destOrd="0" parTransId="{51918FFD-D536-467D-A94B-E89DB09C8BD6}" sibTransId="{D03382C5-2B21-45B0-ADC4-CA5704D7CA50}"/>
+    <dgm:cxn modelId="{1B5A1D9F-E415-4766-97C6-EF7AB270D888}" srcId="{68318E4A-91F5-4C33-B95D-E7E9B6B55C70}" destId="{18CFD28C-E176-4BCA-8EAF-5598846B1DC3}" srcOrd="2" destOrd="0" parTransId="{A7F0E019-9FDA-4A3F-8473-913AF2604C42}" sibTransId="{10BD8C77-FB97-4EF0-9D2B-02B295F4A36B}"/>
+    <dgm:cxn modelId="{36DA91FC-BF7F-45C8-85A4-14DC709EB2AF}" srcId="{24809E60-BDF7-48A4-830B-B313E87F1F12}" destId="{844B3DB7-6E9F-4CC5-A736-0D43F9653E9E}" srcOrd="4" destOrd="0" parTransId="{C70D00CD-34D4-49DA-96F8-AD45DC1E3427}" sibTransId="{8667D61D-0FCA-403B-AE21-44A959CA9BCD}"/>
+    <dgm:cxn modelId="{0B8CEB6A-236A-4EF7-938F-96FF1311C9A2}" type="presOf" srcId="{8155F14D-50E1-4E95-9391-A8D08C2805C5}" destId="{5170A45B-A9F0-40CF-8E4F-3236DE2CCFB2}" srcOrd="0" destOrd="0" presId="urn:microsoft.com/office/officeart/2005/8/layout/lProcess2"/>
+    <dgm:cxn modelId="{2BD1A34F-4844-401E-AFE6-E47E65D194DD}" srcId="{0E331DD1-8A32-4B2C-BC79-B81A1F9E1B6D}" destId="{7AE0AB87-247C-4E15-8039-64AC555B4135}" srcOrd="2" destOrd="0" parTransId="{E2B8A7D5-E901-450A-BF50-781C95B5EFBA}" sibTransId="{58667651-C36D-453C-8770-AD7B26720128}"/>
+    <dgm:cxn modelId="{AFEAF954-B435-4A09-B982-7561C378A502}" type="presOf" srcId="{B3728F87-7027-492A-BC5D-55F73AC0D962}" destId="{47BCDB50-6187-4728-A1A9-950E981DABB2}" srcOrd="0" destOrd="0" presId="urn:microsoft.com/office/officeart/2005/8/layout/lProcess2"/>
+    <dgm:cxn modelId="{C25B7EE5-4F77-47CD-A8C9-6ECF97976C4D}" srcId="{24809E60-BDF7-48A4-830B-B313E87F1F12}" destId="{E633FA9F-1A0C-454A-9FE3-2B5D385A6E90}" srcOrd="3" destOrd="0" parTransId="{368EA363-B113-48D4-B0F3-EF2AE8C00C81}" sibTransId="{FBD68D1E-882D-4EAD-BF20-61A91743A257}"/>
+    <dgm:cxn modelId="{C1772347-006A-4678-B6A0-461966838F92}" type="presOf" srcId="{68318E4A-91F5-4C33-B95D-E7E9B6B55C70}" destId="{A53B4891-88C1-4A72-94C4-3AB145E4A0C8}" srcOrd="0" destOrd="0" presId="urn:microsoft.com/office/officeart/2005/8/layout/lProcess2"/>
+    <dgm:cxn modelId="{D635C8C0-5C9B-4A9D-A86C-2819F17159F4}" type="presOf" srcId="{972538BF-1F9B-4590-A7F7-97A125D1384A}" destId="{EBA1B596-C156-4447-B877-38092ED28B38}" srcOrd="0" destOrd="0" presId="urn:microsoft.com/office/officeart/2005/8/layout/lProcess2"/>
+    <dgm:cxn modelId="{25302790-B035-486D-8B0E-43D0A3FC3193}" type="presOf" srcId="{0E331DD1-8A32-4B2C-BC79-B81A1F9E1B6D}" destId="{E14B11F8-FA07-4859-8E1B-8816EF74DE6A}" srcOrd="0" destOrd="0" presId="urn:microsoft.com/office/officeart/2005/8/layout/lProcess2"/>
+    <dgm:cxn modelId="{59BF4253-F948-4B75-A667-2104563B032B}" srcId="{0E331DD1-8A32-4B2C-BC79-B81A1F9E1B6D}" destId="{BCE228CB-25BC-4FD3-B748-A73B4A136343}" srcOrd="1" destOrd="0" parTransId="{07ACA9BC-7794-4FCA-AF46-07E0264F3C01}" sibTransId="{DD9D6FB7-902D-4CC7-9900-D5DEBEDC5690}"/>
+    <dgm:cxn modelId="{609F1740-F94F-4175-A5E5-86CE4CFEA986}" srcId="{68318E4A-91F5-4C33-B95D-E7E9B6B55C70}" destId="{24809E60-BDF7-48A4-830B-B313E87F1F12}" srcOrd="0" destOrd="0" parTransId="{14A3FDAD-CF88-4099-9749-94D99ED9286F}" sibTransId="{0638D816-95C4-4991-AE0F-6F2D48D3B19C}"/>
+    <dgm:cxn modelId="{74AE3CB4-19B1-46EA-A8FE-FE54F5AFE7FB}" type="presOf" srcId="{844B3DB7-6E9F-4CC5-A736-0D43F9653E9E}" destId="{67DE3A64-0E8F-47EA-9DCB-ACA439F3F6F3}" srcOrd="0" destOrd="0" presId="urn:microsoft.com/office/officeart/2005/8/layout/lProcess2"/>
     <dgm:cxn modelId="{05AF410A-73E9-490D-9F62-AC82F37C06D6}" type="presOf" srcId="{7AE0AB87-247C-4E15-8039-64AC555B4135}" destId="{609CB96C-D6C6-44FD-B7ED-58B1E194D01F}" srcOrd="0" destOrd="0" presId="urn:microsoft.com/office/officeart/2005/8/layout/lProcess2"/>
-    <dgm:cxn modelId="{9CE6421B-FCD9-446B-ACB1-56C64183B4A1}" srcId="{24809E60-BDF7-48A4-830B-B313E87F1F12}" destId="{B3728F87-7027-492A-BC5D-55F73AC0D962}" srcOrd="2" destOrd="0" parTransId="{7366A48B-E436-4023-8AB4-914AD8529E7B}" sibTransId="{FE1DF34B-0FA0-4443-A3EA-30DBE6E550ED}"/>
-    <dgm:cxn modelId="{D7AB4F33-9060-45EF-B248-57D833F89DF2}" srcId="{0E331DD1-8A32-4B2C-BC79-B81A1F9E1B6D}" destId="{8155F14D-50E1-4E95-9391-A8D08C2805C5}" srcOrd="0" destOrd="0" parTransId="{95F3E293-1561-4390-9DEA-87E15FCA5B14}" sibTransId="{8679057D-5D8F-4972-84FE-FE80F014084C}"/>
-    <dgm:cxn modelId="{1AC3103E-D341-49E5-B0AA-E12D9D242D3C}" type="presOf" srcId="{46AD09CE-0838-4E87-8F99-6E9692722F45}" destId="{A5E6A474-2F9A-4745-82D4-7653E135EAD7}" srcOrd="0" destOrd="0" presId="urn:microsoft.com/office/officeart/2005/8/layout/lProcess2"/>
-    <dgm:cxn modelId="{609F1740-F94F-4175-A5E5-86CE4CFEA986}" srcId="{68318E4A-91F5-4C33-B95D-E7E9B6B55C70}" destId="{24809E60-BDF7-48A4-830B-B313E87F1F12}" srcOrd="0" destOrd="0" parTransId="{14A3FDAD-CF88-4099-9749-94D99ED9286F}" sibTransId="{0638D816-95C4-4991-AE0F-6F2D48D3B19C}"/>
-    <dgm:cxn modelId="{C429CD5F-AA60-4237-9505-3B3E31397E16}" srcId="{18CFD28C-E176-4BCA-8EAF-5598846B1DC3}" destId="{D8DB53F4-D064-4A3B-B8BF-DD3187FF3761}" srcOrd="0" destOrd="0" parTransId="{57824440-A5C1-4F5B-9F8A-426A074319E9}" sibTransId="{9EB76918-912C-44B9-AE65-712BDBCAC3C7}"/>
-    <dgm:cxn modelId="{69F0F366-D4E8-4A06-8253-1900F3DEE814}" type="presOf" srcId="{24809E60-BDF7-48A4-830B-B313E87F1F12}" destId="{3D8C15B4-FC07-446C-91FF-CB8D9BFB8E3C}" srcOrd="0" destOrd="0" presId="urn:microsoft.com/office/officeart/2005/8/layout/lProcess2"/>
-    <dgm:cxn modelId="{C1772347-006A-4678-B6A0-461966838F92}" type="presOf" srcId="{68318E4A-91F5-4C33-B95D-E7E9B6B55C70}" destId="{A53B4891-88C1-4A72-94C4-3AB145E4A0C8}" srcOrd="0" destOrd="0" presId="urn:microsoft.com/office/officeart/2005/8/layout/lProcess2"/>
-    <dgm:cxn modelId="{0B8CEB6A-236A-4EF7-938F-96FF1311C9A2}" type="presOf" srcId="{8155F14D-50E1-4E95-9391-A8D08C2805C5}" destId="{5170A45B-A9F0-40CF-8E4F-3236DE2CCFB2}" srcOrd="0" destOrd="0" presId="urn:microsoft.com/office/officeart/2005/8/layout/lProcess2"/>
-    <dgm:cxn modelId="{E4490E6E-A2C0-4EA2-929D-D720D9EBF5EC}" srcId="{0E331DD1-8A32-4B2C-BC79-B81A1F9E1B6D}" destId="{46AD09CE-0838-4E87-8F99-6E9692722F45}" srcOrd="3" destOrd="0" parTransId="{B02311E1-301A-4354-9008-B44FC92292C0}" sibTransId="{AF47CA6E-27C9-4A64-8F0A-B4D643E2EE74}"/>
-    <dgm:cxn modelId="{2BD1A34F-4844-401E-AFE6-E47E65D194DD}" srcId="{0E331DD1-8A32-4B2C-BC79-B81A1F9E1B6D}" destId="{7AE0AB87-247C-4E15-8039-64AC555B4135}" srcOrd="2" destOrd="0" parTransId="{E2B8A7D5-E901-450A-BF50-781C95B5EFBA}" sibTransId="{58667651-C36D-453C-8770-AD7B26720128}"/>
-    <dgm:cxn modelId="{59BF4253-F948-4B75-A667-2104563B032B}" srcId="{0E331DD1-8A32-4B2C-BC79-B81A1F9E1B6D}" destId="{BCE228CB-25BC-4FD3-B748-A73B4A136343}" srcOrd="1" destOrd="0" parTransId="{07ACA9BC-7794-4FCA-AF46-07E0264F3C01}" sibTransId="{DD9D6FB7-902D-4CC7-9900-D5DEBEDC5690}"/>
-    <dgm:cxn modelId="{AFEAF954-B435-4A09-B982-7561C378A502}" type="presOf" srcId="{B3728F87-7027-492A-BC5D-55F73AC0D962}" destId="{47BCDB50-6187-4728-A1A9-950E981DABB2}" srcOrd="0" destOrd="0" presId="urn:microsoft.com/office/officeart/2005/8/layout/lProcess2"/>
-    <dgm:cxn modelId="{B4CCC956-5A76-48BB-AA58-8C841C0F1A14}" srcId="{24809E60-BDF7-48A4-830B-B313E87F1F12}" destId="{B474F6FC-520A-443F-BB00-C7A666DFDDC6}" srcOrd="0" destOrd="0" parTransId="{51918FFD-D536-467D-A94B-E89DB09C8BD6}" sibTransId="{D03382C5-2B21-45B0-ADC4-CA5704D7CA50}"/>
     <dgm:cxn modelId="{2704C459-3A63-4FA7-B742-C1C3F55FD173}" srcId="{68318E4A-91F5-4C33-B95D-E7E9B6B55C70}" destId="{0E331DD1-8A32-4B2C-BC79-B81A1F9E1B6D}" srcOrd="1" destOrd="0" parTransId="{66C78848-756D-4B9A-B7F3-8A7C7F6C0647}" sibTransId="{3604CAA9-BEEE-4B1C-A4BC-ED61903A0AE8}"/>
-    <dgm:cxn modelId="{25302790-B035-486D-8B0E-43D0A3FC3193}" type="presOf" srcId="{0E331DD1-8A32-4B2C-BC79-B81A1F9E1B6D}" destId="{E14B11F8-FA07-4859-8E1B-8816EF74DE6A}" srcOrd="0" destOrd="0" presId="urn:microsoft.com/office/officeart/2005/8/layout/lProcess2"/>
-    <dgm:cxn modelId="{1B5A1D9F-E415-4766-97C6-EF7AB270D888}" srcId="{68318E4A-91F5-4C33-B95D-E7E9B6B55C70}" destId="{18CFD28C-E176-4BCA-8EAF-5598846B1DC3}" srcOrd="2" destOrd="0" parTransId="{A7F0E019-9FDA-4A3F-8473-913AF2604C42}" sibTransId="{10BD8C77-FB97-4EF0-9D2B-02B295F4A36B}"/>
-    <dgm:cxn modelId="{49F011A6-5D7A-4FF0-BDD1-6025E4889012}" type="presOf" srcId="{D8DB53F4-D064-4A3B-B8BF-DD3187FF3761}" destId="{D9E939F8-3803-4225-BAD8-D851D53D00A1}" srcOrd="0" destOrd="0" presId="urn:microsoft.com/office/officeart/2005/8/layout/lProcess2"/>
-    <dgm:cxn modelId="{74AE3CB4-19B1-46EA-A8FE-FE54F5AFE7FB}" type="presOf" srcId="{844B3DB7-6E9F-4CC5-A736-0D43F9653E9E}" destId="{67DE3A64-0E8F-47EA-9DCB-ACA439F3F6F3}" srcOrd="0" destOrd="0" presId="urn:microsoft.com/office/officeart/2005/8/layout/lProcess2"/>
-    <dgm:cxn modelId="{2E12DFBD-A5F9-4699-AA3B-8FF19AF205FE}" type="presOf" srcId="{0E331DD1-8A32-4B2C-BC79-B81A1F9E1B6D}" destId="{29E03687-4052-4751-BEBE-E688688F4B79}" srcOrd="1" destOrd="0" presId="urn:microsoft.com/office/officeart/2005/8/layout/lProcess2"/>
-    <dgm:cxn modelId="{98E663C0-E53A-4BD0-BFC6-EFDC16EB3DF4}" srcId="{24809E60-BDF7-48A4-830B-B313E87F1F12}" destId="{972538BF-1F9B-4590-A7F7-97A125D1384A}" srcOrd="1" destOrd="0" parTransId="{C4DE6878-5169-4A2F-A465-F934C3B28D24}" sibTransId="{B012D0DB-08AB-4139-9368-D4DC810D98FD}"/>
-    <dgm:cxn modelId="{D635C8C0-5C9B-4A9D-A86C-2819F17159F4}" type="presOf" srcId="{972538BF-1F9B-4590-A7F7-97A125D1384A}" destId="{EBA1B596-C156-4447-B877-38092ED28B38}" srcOrd="0" destOrd="0" presId="urn:microsoft.com/office/officeart/2005/8/layout/lProcess2"/>
-    <dgm:cxn modelId="{D89EBAC8-9ADE-4105-9A30-53CC5FABEBF4}" type="presOf" srcId="{24809E60-BDF7-48A4-830B-B313E87F1F12}" destId="{A36EE8A7-A3DF-476B-952A-198067F0E009}" srcOrd="1" destOrd="0" presId="urn:microsoft.com/office/officeart/2005/8/layout/lProcess2"/>
-    <dgm:cxn modelId="{72AEDFCC-A3AE-4748-81B4-5C0E5E8E4D93}" type="presOf" srcId="{18CFD28C-E176-4BCA-8EAF-5598846B1DC3}" destId="{40149FAA-AC1B-4867-B005-C27102EBDC68}" srcOrd="0" destOrd="0" presId="urn:microsoft.com/office/officeart/2005/8/layout/lProcess2"/>
-    <dgm:cxn modelId="{001344E4-CDE0-4F11-B7CB-5F283B0A3F07}" type="presOf" srcId="{E633FA9F-1A0C-454A-9FE3-2B5D385A6E90}" destId="{9AC71AF1-AE00-4FEC-86BC-8DC561437B00}" srcOrd="0" destOrd="0" presId="urn:microsoft.com/office/officeart/2005/8/layout/lProcess2"/>
-    <dgm:cxn modelId="{C25B7EE5-4F77-47CD-A8C9-6ECF97976C4D}" srcId="{24809E60-BDF7-48A4-830B-B313E87F1F12}" destId="{E633FA9F-1A0C-454A-9FE3-2B5D385A6E90}" srcOrd="3" destOrd="0" parTransId="{368EA363-B113-48D4-B0F3-EF2AE8C00C81}" sibTransId="{FBD68D1E-882D-4EAD-BF20-61A91743A257}"/>
-    <dgm:cxn modelId="{4986F7E7-3FDD-49E1-BC93-865DFAA75548}" type="presOf" srcId="{18CFD28C-E176-4BCA-8EAF-5598846B1DC3}" destId="{D91453D8-E656-4229-A015-39EE0C7E6CE5}" srcOrd="1" destOrd="0" presId="urn:microsoft.com/office/officeart/2005/8/layout/lProcess2"/>
-    <dgm:cxn modelId="{2CD84DED-C5E8-40B0-82F8-54ACE666760C}" type="presOf" srcId="{B474F6FC-520A-443F-BB00-C7A666DFDDC6}" destId="{6C13078C-3728-4E69-A79E-53CE925FC60D}" srcOrd="0" destOrd="0" presId="urn:microsoft.com/office/officeart/2005/8/layout/lProcess2"/>
-    <dgm:cxn modelId="{36DA91FC-BF7F-45C8-85A4-14DC709EB2AF}" srcId="{24809E60-BDF7-48A4-830B-B313E87F1F12}" destId="{844B3DB7-6E9F-4CC5-A736-0D43F9653E9E}" srcOrd="4" destOrd="0" parTransId="{C70D00CD-34D4-49DA-96F8-AD45DC1E3427}" sibTransId="{8667D61D-0FCA-403B-AE21-44A959CA9BCD}"/>
     <dgm:cxn modelId="{5C687D2B-3E69-4C4A-88D0-C734F54A925D}" type="presParOf" srcId="{A53B4891-88C1-4A72-94C4-3AB145E4A0C8}" destId="{93C7E914-A59A-40B8-AD78-300E652FBA60}" srcOrd="0" destOrd="0" presId="urn:microsoft.com/office/officeart/2005/8/layout/lProcess2"/>
     <dgm:cxn modelId="{ACFFB061-161F-4DF6-A1AB-4A70608800B3}" type="presParOf" srcId="{93C7E914-A59A-40B8-AD78-300E652FBA60}" destId="{3D8C15B4-FC07-446C-91FF-CB8D9BFB8E3C}" srcOrd="0" destOrd="0" presId="urn:microsoft.com/office/officeart/2005/8/layout/lProcess2"/>
     <dgm:cxn modelId="{34D74BBD-114F-4630-B5D3-7AFA4EE3FE77}" type="presParOf" srcId="{93C7E914-A59A-40B8-AD78-300E652FBA60}" destId="{A36EE8A7-A3DF-476B-952A-198067F0E009}" srcOrd="1" destOrd="0" presId="urn:microsoft.com/office/officeart/2005/8/layout/lProcess2"/>
@@ -5218,10 +5422,24 @@
         </dgm:presLayoutVars>
       </dgm:prSet>
       <dgm:spPr/>
+      <dgm:t>
+        <a:bodyPr/>
+        <a:lstStyle/>
+        <a:p>
+          <a:endParaRPr lang="en-US"/>
+        </a:p>
+      </dgm:t>
     </dgm:pt>
     <dgm:pt modelId="{73BA4FF6-EF85-44EB-A40B-F8D4B1A63CA8}" type="pres">
       <dgm:prSet presAssocID="{0C3CBF86-4014-4AB1-9C02-DBA3BA021C35}" presName="centerShape" presStyleLbl="node0" presStyleIdx="0" presStyleCnt="1"/>
       <dgm:spPr/>
+      <dgm:t>
+        <a:bodyPr/>
+        <a:lstStyle/>
+        <a:p>
+          <a:endParaRPr lang="en-US"/>
+        </a:p>
+      </dgm:t>
     </dgm:pt>
     <dgm:pt modelId="{BA23FEE2-F13A-4ED9-8708-FB789BD91486}" type="pres">
       <dgm:prSet presAssocID="{F98BAB71-3D8D-482A-8292-F05BF08B8FA9}" presName="node" presStyleLbl="node1" presStyleIdx="0" presStyleCnt="3">
@@ -5230,6 +5448,13 @@
         </dgm:presLayoutVars>
       </dgm:prSet>
       <dgm:spPr/>
+      <dgm:t>
+        <a:bodyPr/>
+        <a:lstStyle/>
+        <a:p>
+          <a:endParaRPr lang="en-US"/>
+        </a:p>
+      </dgm:t>
     </dgm:pt>
     <dgm:pt modelId="{35DABE74-7309-4926-8414-A37BC66BAE5E}" type="pres">
       <dgm:prSet presAssocID="{F98BAB71-3D8D-482A-8292-F05BF08B8FA9}" presName="dummy" presStyleCnt="0"/>
@@ -5238,6 +5463,13 @@
     <dgm:pt modelId="{4419DC6B-BE9D-49A6-841D-CD654AE2F62A}" type="pres">
       <dgm:prSet presAssocID="{4B1C0FAF-C640-4928-8FC9-95511AF3792D}" presName="sibTrans" presStyleLbl="sibTrans2D1" presStyleIdx="0" presStyleCnt="3"/>
       <dgm:spPr/>
+      <dgm:t>
+        <a:bodyPr/>
+        <a:lstStyle/>
+        <a:p>
+          <a:endParaRPr lang="en-US"/>
+        </a:p>
+      </dgm:t>
     </dgm:pt>
     <dgm:pt modelId="{1BBD1DC1-DE58-4048-B8F4-77113431900F}" type="pres">
       <dgm:prSet presAssocID="{4DC9778A-372D-4E67-9333-92CC6223FABF}" presName="node" presStyleLbl="node1" presStyleIdx="1" presStyleCnt="3">
@@ -5246,6 +5478,13 @@
         </dgm:presLayoutVars>
       </dgm:prSet>
       <dgm:spPr/>
+      <dgm:t>
+        <a:bodyPr/>
+        <a:lstStyle/>
+        <a:p>
+          <a:endParaRPr lang="en-US"/>
+        </a:p>
+      </dgm:t>
     </dgm:pt>
     <dgm:pt modelId="{BF75EC92-7655-488A-ACE0-A0EFF65B0548}" type="pres">
       <dgm:prSet presAssocID="{4DC9778A-372D-4E67-9333-92CC6223FABF}" presName="dummy" presStyleCnt="0"/>
@@ -5254,6 +5493,13 @@
     <dgm:pt modelId="{A932F8D9-6F4F-4BF5-9B48-738D4C06F3E3}" type="pres">
       <dgm:prSet presAssocID="{9B8D3CFB-5184-4F13-AD31-6EB6B5CF6A79}" presName="sibTrans" presStyleLbl="sibTrans2D1" presStyleIdx="1" presStyleCnt="3"/>
       <dgm:spPr/>
+      <dgm:t>
+        <a:bodyPr/>
+        <a:lstStyle/>
+        <a:p>
+          <a:endParaRPr lang="en-US"/>
+        </a:p>
+      </dgm:t>
     </dgm:pt>
     <dgm:pt modelId="{8F58DC5D-5A50-4F2C-AA9E-BE865C2EEF96}" type="pres">
       <dgm:prSet presAssocID="{DDEF2D59-6AE5-4B6D-B390-33C47BBDCC45}" presName="node" presStyleLbl="node1" presStyleIdx="2" presStyleCnt="3">
@@ -5262,6 +5508,13 @@
         </dgm:presLayoutVars>
       </dgm:prSet>
       <dgm:spPr/>
+      <dgm:t>
+        <a:bodyPr/>
+        <a:lstStyle/>
+        <a:p>
+          <a:endParaRPr lang="en-US"/>
+        </a:p>
+      </dgm:t>
     </dgm:pt>
     <dgm:pt modelId="{310B8A22-32E3-4A11-801B-61DFC198147E}" type="pres">
       <dgm:prSet presAssocID="{DDEF2D59-6AE5-4B6D-B390-33C47BBDCC45}" presName="dummy" presStyleCnt="0"/>
@@ -5270,20 +5523,27 @@
     <dgm:pt modelId="{95130B3A-8C8E-4777-9423-B9DDC7A50C11}" type="pres">
       <dgm:prSet presAssocID="{C712FD1B-0C9B-41FB-B4AB-D6793D212C1D}" presName="sibTrans" presStyleLbl="sibTrans2D1" presStyleIdx="2" presStyleCnt="3"/>
       <dgm:spPr/>
+      <dgm:t>
+        <a:bodyPr/>
+        <a:lstStyle/>
+        <a:p>
+          <a:endParaRPr lang="en-US"/>
+        </a:p>
+      </dgm:t>
     </dgm:pt>
   </dgm:ptLst>
   <dgm:cxnLst>
+    <dgm:cxn modelId="{D28A903E-4018-46FB-8A82-D387E1ED5D09}" type="presOf" srcId="{4DC9778A-372D-4E67-9333-92CC6223FABF}" destId="{1BBD1DC1-DE58-4048-B8F4-77113431900F}" srcOrd="0" destOrd="0" presId="urn:microsoft.com/office/officeart/2005/8/layout/radial6"/>
     <dgm:cxn modelId="{8CD9290B-98D7-40EE-AB34-21D5F94AA09B}" srcId="{0C3CBF86-4014-4AB1-9C02-DBA3BA021C35}" destId="{F98BAB71-3D8D-482A-8292-F05BF08B8FA9}" srcOrd="0" destOrd="0" parTransId="{641D2C76-EFB4-4DA3-9D86-E8CA2C48CA95}" sibTransId="{4B1C0FAF-C640-4928-8FC9-95511AF3792D}"/>
+    <dgm:cxn modelId="{2EAA9F74-9AAD-4CBF-9227-44E7B50CD350}" type="presOf" srcId="{4B1C0FAF-C640-4928-8FC9-95511AF3792D}" destId="{4419DC6B-BE9D-49A6-841D-CD654AE2F62A}" srcOrd="0" destOrd="0" presId="urn:microsoft.com/office/officeart/2005/8/layout/radial6"/>
     <dgm:cxn modelId="{034C2B25-994A-4BF8-A1F1-5BAA093CB2B6}" srcId="{0C3CBF86-4014-4AB1-9C02-DBA3BA021C35}" destId="{4DC9778A-372D-4E67-9333-92CC6223FABF}" srcOrd="1" destOrd="0" parTransId="{2504D9FE-D3F2-48E6-B271-1B84445CFD20}" sibTransId="{9B8D3CFB-5184-4F13-AD31-6EB6B5CF6A79}"/>
+    <dgm:cxn modelId="{539677CE-D93F-4013-9A75-ED649295D135}" srcId="{0C3CBF86-4014-4AB1-9C02-DBA3BA021C35}" destId="{DDEF2D59-6AE5-4B6D-B390-33C47BBDCC45}" srcOrd="2" destOrd="0" parTransId="{70472878-F01D-43DA-9BE7-975FCA7CDD3F}" sibTransId="{C712FD1B-0C9B-41FB-B4AB-D6793D212C1D}"/>
+    <dgm:cxn modelId="{358E3681-F093-4A89-87B5-AD1326CC32E1}" type="presOf" srcId="{9B8D3CFB-5184-4F13-AD31-6EB6B5CF6A79}" destId="{A932F8D9-6F4F-4BF5-9B48-738D4C06F3E3}" srcOrd="0" destOrd="0" presId="urn:microsoft.com/office/officeart/2005/8/layout/radial6"/>
+    <dgm:cxn modelId="{393A64CD-FF19-464A-AFC2-7AF8622EC2C9}" srcId="{7728FA64-F6EF-4DB3-A0F8-6F48620C865A}" destId="{0C3CBF86-4014-4AB1-9C02-DBA3BA021C35}" srcOrd="0" destOrd="0" parTransId="{49D1840B-B53B-4FCA-895D-91E2F75CD14B}" sibTransId="{E6C5499F-59DB-46B0-92C3-E1A79A3293DB}"/>
+    <dgm:cxn modelId="{EF0BAA70-92C1-4F5D-90BB-0769FFDD1552}" type="presOf" srcId="{0C3CBF86-4014-4AB1-9C02-DBA3BA021C35}" destId="{73BA4FF6-EF85-44EB-A40B-F8D4B1A63CA8}" srcOrd="0" destOrd="0" presId="urn:microsoft.com/office/officeart/2005/8/layout/radial6"/>
+    <dgm:cxn modelId="{49DEB6EE-3209-4B33-BB19-A4EFCD86B481}" type="presOf" srcId="{C712FD1B-0C9B-41FB-B4AB-D6793D212C1D}" destId="{95130B3A-8C8E-4777-9423-B9DDC7A50C11}" srcOrd="0" destOrd="0" presId="urn:microsoft.com/office/officeart/2005/8/layout/radial6"/>
+    <dgm:cxn modelId="{CAED158D-7956-4B5A-9D63-FA5996C82E80}" type="presOf" srcId="{7728FA64-F6EF-4DB3-A0F8-6F48620C865A}" destId="{1D1F9960-0950-4231-91FC-F930D09074EC}" srcOrd="0" destOrd="0" presId="urn:microsoft.com/office/officeart/2005/8/layout/radial6"/>
     <dgm:cxn modelId="{A1737238-1F22-4380-9812-D097CBA0E1DB}" type="presOf" srcId="{DDEF2D59-6AE5-4B6D-B390-33C47BBDCC45}" destId="{8F58DC5D-5A50-4F2C-AA9E-BE865C2EEF96}" srcOrd="0" destOrd="0" presId="urn:microsoft.com/office/officeart/2005/8/layout/radial6"/>
-    <dgm:cxn modelId="{D28A903E-4018-46FB-8A82-D387E1ED5D09}" type="presOf" srcId="{4DC9778A-372D-4E67-9333-92CC6223FABF}" destId="{1BBD1DC1-DE58-4048-B8F4-77113431900F}" srcOrd="0" destOrd="0" presId="urn:microsoft.com/office/officeart/2005/8/layout/radial6"/>
-    <dgm:cxn modelId="{EF0BAA70-92C1-4F5D-90BB-0769FFDD1552}" type="presOf" srcId="{0C3CBF86-4014-4AB1-9C02-DBA3BA021C35}" destId="{73BA4FF6-EF85-44EB-A40B-F8D4B1A63CA8}" srcOrd="0" destOrd="0" presId="urn:microsoft.com/office/officeart/2005/8/layout/radial6"/>
-    <dgm:cxn modelId="{2EAA9F74-9AAD-4CBF-9227-44E7B50CD350}" type="presOf" srcId="{4B1C0FAF-C640-4928-8FC9-95511AF3792D}" destId="{4419DC6B-BE9D-49A6-841D-CD654AE2F62A}" srcOrd="0" destOrd="0" presId="urn:microsoft.com/office/officeart/2005/8/layout/radial6"/>
-    <dgm:cxn modelId="{358E3681-F093-4A89-87B5-AD1326CC32E1}" type="presOf" srcId="{9B8D3CFB-5184-4F13-AD31-6EB6B5CF6A79}" destId="{A932F8D9-6F4F-4BF5-9B48-738D4C06F3E3}" srcOrd="0" destOrd="0" presId="urn:microsoft.com/office/officeart/2005/8/layout/radial6"/>
-    <dgm:cxn modelId="{CAED158D-7956-4B5A-9D63-FA5996C82E80}" type="presOf" srcId="{7728FA64-F6EF-4DB3-A0F8-6F48620C865A}" destId="{1D1F9960-0950-4231-91FC-F930D09074EC}" srcOrd="0" destOrd="0" presId="urn:microsoft.com/office/officeart/2005/8/layout/radial6"/>
-    <dgm:cxn modelId="{393A64CD-FF19-464A-AFC2-7AF8622EC2C9}" srcId="{7728FA64-F6EF-4DB3-A0F8-6F48620C865A}" destId="{0C3CBF86-4014-4AB1-9C02-DBA3BA021C35}" srcOrd="0" destOrd="0" parTransId="{49D1840B-B53B-4FCA-895D-91E2F75CD14B}" sibTransId="{E6C5499F-59DB-46B0-92C3-E1A79A3293DB}"/>
-    <dgm:cxn modelId="{539677CE-D93F-4013-9A75-ED649295D135}" srcId="{0C3CBF86-4014-4AB1-9C02-DBA3BA021C35}" destId="{DDEF2D59-6AE5-4B6D-B390-33C47BBDCC45}" srcOrd="2" destOrd="0" parTransId="{70472878-F01D-43DA-9BE7-975FCA7CDD3F}" sibTransId="{C712FD1B-0C9B-41FB-B4AB-D6793D212C1D}"/>
-    <dgm:cxn modelId="{49DEB6EE-3209-4B33-BB19-A4EFCD86B481}" type="presOf" srcId="{C712FD1B-0C9B-41FB-B4AB-D6793D212C1D}" destId="{95130B3A-8C8E-4777-9423-B9DDC7A50C11}" srcOrd="0" destOrd="0" presId="urn:microsoft.com/office/officeart/2005/8/layout/radial6"/>
     <dgm:cxn modelId="{281B28F7-183A-4145-8D0F-8A3BF5895D41}" type="presOf" srcId="{F98BAB71-3D8D-482A-8292-F05BF08B8FA9}" destId="{BA23FEE2-F13A-4ED9-8708-FB789BD91486}" srcOrd="0" destOrd="0" presId="urn:microsoft.com/office/officeart/2005/8/layout/radial6"/>
     <dgm:cxn modelId="{13573C81-2D53-4629-9F07-BF65F1E8018A}" type="presParOf" srcId="{1D1F9960-0950-4231-91FC-F930D09074EC}" destId="{73BA4FF6-EF85-44EB-A40B-F8D4B1A63CA8}" srcOrd="0" destOrd="0" presId="urn:microsoft.com/office/officeart/2005/8/layout/radial6"/>
     <dgm:cxn modelId="{1B3990FB-724E-4CF5-8137-048AAA3CE65B}" type="presParOf" srcId="{1D1F9960-0950-4231-91FC-F930D09074EC}" destId="{BA23FEE2-F13A-4ED9-8708-FB789BD91486}" srcOrd="1" destOrd="0" presId="urn:microsoft.com/office/officeart/2005/8/layout/radial6"/>
@@ -5409,6 +5669,15 @@
             </a:rPr>
             <a:t>Scope</a:t>
           </a:r>
+          <a:r>
+            <a:rPr lang="en-US" sz="1400" b="0" dirty="0">
+              <a:solidFill>
+                <a:schemeClr val="bg1"/>
+              </a:solidFill>
+              <a:latin typeface="+mn-lt"/>
+            </a:rPr>
+            <a:t/>
+          </a:r>
           <a:br>
             <a:rPr lang="en-US" sz="1400" b="0" dirty="0">
               <a:solidFill>
@@ -5477,6 +5746,12 @@
               <a:latin typeface="+mn-lt"/>
             </a:rPr>
             <a:t>Scope</a:t>
+          </a:r>
+          <a:r>
+            <a:rPr lang="en-US" sz="1400" b="0" dirty="0">
+              <a:latin typeface="+mn-lt"/>
+            </a:rPr>
+            <a:t/>
           </a:r>
           <a:br>
             <a:rPr lang="en-US" sz="1400" b="0" dirty="0">
@@ -5736,6 +6011,15 @@
             </a:rPr>
             <a:t>Scope</a:t>
           </a:r>
+          <a:r>
+            <a:rPr lang="en-US" sz="1400" b="0" dirty="0">
+              <a:solidFill>
+                <a:schemeClr val="bg1"/>
+              </a:solidFill>
+              <a:latin typeface="+mn-lt"/>
+            </a:rPr>
+            <a:t/>
+          </a:r>
           <a:br>
             <a:rPr lang="en-US" sz="1400" b="0" dirty="0">
               <a:solidFill>
@@ -5897,6 +6181,13 @@
         </dgm:presLayoutVars>
       </dgm:prSet>
       <dgm:spPr/>
+      <dgm:t>
+        <a:bodyPr/>
+        <a:lstStyle/>
+        <a:p>
+          <a:endParaRPr lang="en-US"/>
+        </a:p>
+      </dgm:t>
     </dgm:pt>
     <dgm:pt modelId="{7773FCBD-6A0B-4C23-8A42-BE6E24623A59}" type="pres">
       <dgm:prSet presAssocID="{24809E60-BDF7-48A4-830B-B313E87F1F12}" presName="parentLin" presStyleCnt="0"/>
@@ -5905,6 +6196,13 @@
     <dgm:pt modelId="{7EBFFAEF-57F4-4B6B-BBF5-103E39AA7317}" type="pres">
       <dgm:prSet presAssocID="{24809E60-BDF7-48A4-830B-B313E87F1F12}" presName="parentLeftMargin" presStyleLbl="node1" presStyleIdx="0" presStyleCnt="3"/>
       <dgm:spPr/>
+      <dgm:t>
+        <a:bodyPr/>
+        <a:lstStyle/>
+        <a:p>
+          <a:endParaRPr lang="en-US"/>
+        </a:p>
+      </dgm:t>
     </dgm:pt>
     <dgm:pt modelId="{3CF6C686-D16A-4B9D-9BFC-ED5BEF651291}" type="pres">
       <dgm:prSet presAssocID="{24809E60-BDF7-48A4-830B-B313E87F1F12}" presName="parentText" presStyleLbl="node1" presStyleIdx="0" presStyleCnt="3">
@@ -5914,6 +6212,13 @@
         </dgm:presLayoutVars>
       </dgm:prSet>
       <dgm:spPr/>
+      <dgm:t>
+        <a:bodyPr/>
+        <a:lstStyle/>
+        <a:p>
+          <a:endParaRPr lang="en-US"/>
+        </a:p>
+      </dgm:t>
     </dgm:pt>
     <dgm:pt modelId="{FAE6BA30-061C-4F79-89E7-B174165328DC}" type="pres">
       <dgm:prSet presAssocID="{24809E60-BDF7-48A4-830B-B313E87F1F12}" presName="negativeSpace" presStyleCnt="0"/>
@@ -5926,6 +6231,13 @@
         </dgm:presLayoutVars>
       </dgm:prSet>
       <dgm:spPr/>
+      <dgm:t>
+        <a:bodyPr/>
+        <a:lstStyle/>
+        <a:p>
+          <a:endParaRPr lang="en-US"/>
+        </a:p>
+      </dgm:t>
     </dgm:pt>
     <dgm:pt modelId="{C907A851-2004-47DD-86DE-34D866278133}" type="pres">
       <dgm:prSet presAssocID="{0638D816-95C4-4991-AE0F-6F2D48D3B19C}" presName="spaceBetweenRectangles" presStyleCnt="0"/>
@@ -5938,6 +6250,13 @@
     <dgm:pt modelId="{6EA33CF4-E95D-4CFD-9E21-729819558CB3}" type="pres">
       <dgm:prSet presAssocID="{0E331DD1-8A32-4B2C-BC79-B81A1F9E1B6D}" presName="parentLeftMargin" presStyleLbl="node1" presStyleIdx="0" presStyleCnt="3"/>
       <dgm:spPr/>
+      <dgm:t>
+        <a:bodyPr/>
+        <a:lstStyle/>
+        <a:p>
+          <a:endParaRPr lang="en-US"/>
+        </a:p>
+      </dgm:t>
     </dgm:pt>
     <dgm:pt modelId="{7BA5E4CA-B29A-4C08-AD2A-BEFE1E0F502D}" type="pres">
       <dgm:prSet presAssocID="{0E331DD1-8A32-4B2C-BC79-B81A1F9E1B6D}" presName="parentText" presStyleLbl="node1" presStyleIdx="1" presStyleCnt="3">
@@ -5947,6 +6266,13 @@
         </dgm:presLayoutVars>
       </dgm:prSet>
       <dgm:spPr/>
+      <dgm:t>
+        <a:bodyPr/>
+        <a:lstStyle/>
+        <a:p>
+          <a:endParaRPr lang="en-US"/>
+        </a:p>
+      </dgm:t>
     </dgm:pt>
     <dgm:pt modelId="{90190C9B-6786-41F9-9A0E-8400D2017E0F}" type="pres">
       <dgm:prSet presAssocID="{0E331DD1-8A32-4B2C-BC79-B81A1F9E1B6D}" presName="negativeSpace" presStyleCnt="0"/>
@@ -5959,6 +6285,13 @@
         </dgm:presLayoutVars>
       </dgm:prSet>
       <dgm:spPr/>
+      <dgm:t>
+        <a:bodyPr/>
+        <a:lstStyle/>
+        <a:p>
+          <a:endParaRPr lang="en-US"/>
+        </a:p>
+      </dgm:t>
     </dgm:pt>
     <dgm:pt modelId="{FBE153FE-8C54-46EA-8842-6A3B6AAEDEDB}" type="pres">
       <dgm:prSet presAssocID="{3604CAA9-BEEE-4B1C-A4BC-ED61903A0AE8}" presName="spaceBetweenRectangles" presStyleCnt="0"/>
@@ -5971,6 +6304,13 @@
     <dgm:pt modelId="{049A121B-011F-432B-9961-35EC2DFEF518}" type="pres">
       <dgm:prSet presAssocID="{EB3C2E1F-82BB-4BAA-AC34-768D2A171588}" presName="parentLeftMargin" presStyleLbl="node1" presStyleIdx="1" presStyleCnt="3"/>
       <dgm:spPr/>
+      <dgm:t>
+        <a:bodyPr/>
+        <a:lstStyle/>
+        <a:p>
+          <a:endParaRPr lang="en-US"/>
+        </a:p>
+      </dgm:t>
     </dgm:pt>
     <dgm:pt modelId="{BF7C1B19-EA0E-4207-8976-F1AD8E92E433}" type="pres">
       <dgm:prSet presAssocID="{EB3C2E1F-82BB-4BAA-AC34-768D2A171588}" presName="parentText" presStyleLbl="node1" presStyleIdx="2" presStyleCnt="3">
@@ -5980,6 +6320,13 @@
         </dgm:presLayoutVars>
       </dgm:prSet>
       <dgm:spPr/>
+      <dgm:t>
+        <a:bodyPr/>
+        <a:lstStyle/>
+        <a:p>
+          <a:endParaRPr lang="en-US"/>
+        </a:p>
+      </dgm:t>
     </dgm:pt>
     <dgm:pt modelId="{7A3DE79A-77DE-463C-BD71-1F271D50E6C2}" type="pres">
       <dgm:prSet presAssocID="{EB3C2E1F-82BB-4BAA-AC34-768D2A171588}" presName="negativeSpace" presStyleCnt="0"/>
@@ -5992,31 +6339,38 @@
         </dgm:presLayoutVars>
       </dgm:prSet>
       <dgm:spPr/>
+      <dgm:t>
+        <a:bodyPr/>
+        <a:lstStyle/>
+        <a:p>
+          <a:endParaRPr lang="en-US"/>
+        </a:p>
+      </dgm:t>
     </dgm:pt>
   </dgm:ptLst>
   <dgm:cxnLst>
-    <dgm:cxn modelId="{C8368A19-2BAD-4B9A-BBF5-CEEDACF48F35}" type="presOf" srcId="{EB3C2E1F-82BB-4BAA-AC34-768D2A171588}" destId="{BF7C1B19-EA0E-4207-8976-F1AD8E92E433}" srcOrd="1" destOrd="0" presId="urn:microsoft.com/office/officeart/2005/8/layout/list1"/>
+    <dgm:cxn modelId="{CD6B1B4D-598B-4D03-90DA-CA18BDD753C2}" type="presOf" srcId="{24809E60-BDF7-48A4-830B-B313E87F1F12}" destId="{7EBFFAEF-57F4-4B6B-BBF5-103E39AA7317}" srcOrd="0" destOrd="0" presId="urn:microsoft.com/office/officeart/2005/8/layout/list1"/>
+    <dgm:cxn modelId="{B03F8CD8-AD1A-475D-865F-D0501E5FD089}" type="presOf" srcId="{68318E4A-91F5-4C33-B95D-E7E9B6B55C70}" destId="{6C06DFE0-BD4A-4207-AE36-EBD14D4B0A35}" srcOrd="0" destOrd="0" presId="urn:microsoft.com/office/officeart/2005/8/layout/list1"/>
     <dgm:cxn modelId="{F843F72A-41E4-4E0A-BB0D-1E01347DC625}" type="presOf" srcId="{B474F6FC-520A-443F-BB00-C7A666DFDDC6}" destId="{07819B4A-0026-4F49-A167-8497AACCF314}" srcOrd="0" destOrd="0" presId="urn:microsoft.com/office/officeart/2005/8/layout/list1"/>
-    <dgm:cxn modelId="{61438230-343D-465B-BF46-5BECF9BEE0DB}" type="presOf" srcId="{8155F14D-50E1-4E95-9391-A8D08C2805C5}" destId="{8426CA77-72B7-4388-B6CA-1DCDAEF9ED56}" srcOrd="0" destOrd="0" presId="urn:microsoft.com/office/officeart/2005/8/layout/list1"/>
-    <dgm:cxn modelId="{D7AB4F33-9060-45EF-B248-57D833F89DF2}" srcId="{0E331DD1-8A32-4B2C-BC79-B81A1F9E1B6D}" destId="{8155F14D-50E1-4E95-9391-A8D08C2805C5}" srcOrd="0" destOrd="0" parTransId="{95F3E293-1561-4390-9DEA-87E15FCA5B14}" sibTransId="{8679057D-5D8F-4972-84FE-FE80F014084C}"/>
+    <dgm:cxn modelId="{236C5797-14CB-4B23-8E01-67A6E4C375FE}" type="presOf" srcId="{6D8B4C2B-6664-451F-95A3-1D39C880C62A}" destId="{0F55C3C7-584A-4407-A4F1-B9D04D6B6310}" srcOrd="0" destOrd="0" presId="urn:microsoft.com/office/officeart/2005/8/layout/list1"/>
+    <dgm:cxn modelId="{D21FBAEC-E3F8-4E6D-BED6-B100835C2047}" srcId="{EB3C2E1F-82BB-4BAA-AC34-768D2A171588}" destId="{95476D36-D127-4EE4-8840-C53F17481AB6}" srcOrd="1" destOrd="0" parTransId="{C7BD28BC-C277-4829-9C31-DA0400A40711}" sibTransId="{6761BE89-BF84-4DBE-8ACF-04E953D5F9E5}"/>
+    <dgm:cxn modelId="{A6990793-904B-49CE-84F4-0F496788D330}" type="presOf" srcId="{95476D36-D127-4EE4-8840-C53F17481AB6}" destId="{0F55C3C7-584A-4407-A4F1-B9D04D6B6310}" srcOrd="0" destOrd="1" presId="urn:microsoft.com/office/officeart/2005/8/layout/list1"/>
+    <dgm:cxn modelId="{98E663C0-E53A-4BD0-BFC6-EFDC16EB3DF4}" srcId="{24809E60-BDF7-48A4-830B-B313E87F1F12}" destId="{972538BF-1F9B-4590-A7F7-97A125D1384A}" srcOrd="1" destOrd="0" parTransId="{C4DE6878-5169-4A2F-A465-F934C3B28D24}" sibTransId="{B012D0DB-08AB-4139-9368-D4DC810D98FD}"/>
     <dgm:cxn modelId="{7498F439-057F-4477-B687-C97BF0E83311}" type="presOf" srcId="{EB3C2E1F-82BB-4BAA-AC34-768D2A171588}" destId="{049A121B-011F-432B-9961-35EC2DFEF518}" srcOrd="0" destOrd="0" presId="urn:microsoft.com/office/officeart/2005/8/layout/list1"/>
-    <dgm:cxn modelId="{609F1740-F94F-4175-A5E5-86CE4CFEA986}" srcId="{68318E4A-91F5-4C33-B95D-E7E9B6B55C70}" destId="{24809E60-BDF7-48A4-830B-B313E87F1F12}" srcOrd="0" destOrd="0" parTransId="{14A3FDAD-CF88-4099-9749-94D99ED9286F}" sibTransId="{0638D816-95C4-4991-AE0F-6F2D48D3B19C}"/>
-    <dgm:cxn modelId="{1E681768-A6F6-4559-AE38-CE923AEF0C57}" type="presOf" srcId="{24809E60-BDF7-48A4-830B-B313E87F1F12}" destId="{3CF6C686-D16A-4B9D-9BFC-ED5BEF651291}" srcOrd="1" destOrd="0" presId="urn:microsoft.com/office/officeart/2005/8/layout/list1"/>
-    <dgm:cxn modelId="{CD6B1B4D-598B-4D03-90DA-CA18BDD753C2}" type="presOf" srcId="{24809E60-BDF7-48A4-830B-B313E87F1F12}" destId="{7EBFFAEF-57F4-4B6B-BBF5-103E39AA7317}" srcOrd="0" destOrd="0" presId="urn:microsoft.com/office/officeart/2005/8/layout/list1"/>
-    <dgm:cxn modelId="{59BF4253-F948-4B75-A667-2104563B032B}" srcId="{0E331DD1-8A32-4B2C-BC79-B81A1F9E1B6D}" destId="{BCE228CB-25BC-4FD3-B748-A73B4A136343}" srcOrd="1" destOrd="0" parTransId="{07ACA9BC-7794-4FCA-AF46-07E0264F3C01}" sibTransId="{DD9D6FB7-902D-4CC7-9900-D5DEBEDC5690}"/>
-    <dgm:cxn modelId="{B4CCC956-5A76-48BB-AA58-8C841C0F1A14}" srcId="{24809E60-BDF7-48A4-830B-B313E87F1F12}" destId="{B474F6FC-520A-443F-BB00-C7A666DFDDC6}" srcOrd="0" destOrd="0" parTransId="{51918FFD-D536-467D-A94B-E89DB09C8BD6}" sibTransId="{D03382C5-2B21-45B0-ADC4-CA5704D7CA50}"/>
     <dgm:cxn modelId="{2704C459-3A63-4FA7-B742-C1C3F55FD173}" srcId="{68318E4A-91F5-4C33-B95D-E7E9B6B55C70}" destId="{0E331DD1-8A32-4B2C-BC79-B81A1F9E1B6D}" srcOrd="1" destOrd="0" parTransId="{66C78848-756D-4B9A-B7F3-8A7C7F6C0647}" sibTransId="{3604CAA9-BEEE-4B1C-A4BC-ED61903A0AE8}"/>
     <dgm:cxn modelId="{1A90475A-1AD8-4B54-B913-C74E076F1C29}" type="presOf" srcId="{0E331DD1-8A32-4B2C-BC79-B81A1F9E1B6D}" destId="{7BA5E4CA-B29A-4C08-AD2A-BEFE1E0F502D}" srcOrd="1" destOrd="0" presId="urn:microsoft.com/office/officeart/2005/8/layout/list1"/>
-    <dgm:cxn modelId="{A6990793-904B-49CE-84F4-0F496788D330}" type="presOf" srcId="{95476D36-D127-4EE4-8840-C53F17481AB6}" destId="{0F55C3C7-584A-4407-A4F1-B9D04D6B6310}" srcOrd="0" destOrd="1" presId="urn:microsoft.com/office/officeart/2005/8/layout/list1"/>
-    <dgm:cxn modelId="{236C5797-14CB-4B23-8E01-67A6E4C375FE}" type="presOf" srcId="{6D8B4C2B-6664-451F-95A3-1D39C880C62A}" destId="{0F55C3C7-584A-4407-A4F1-B9D04D6B6310}" srcOrd="0" destOrd="0" presId="urn:microsoft.com/office/officeart/2005/8/layout/list1"/>
+    <dgm:cxn modelId="{5977D5BF-986C-482E-8E2B-84CD72A028D3}" srcId="{68318E4A-91F5-4C33-B95D-E7E9B6B55C70}" destId="{EB3C2E1F-82BB-4BAA-AC34-768D2A171588}" srcOrd="2" destOrd="0" parTransId="{A226FFB4-9612-484F-9BD7-A3B64F3549D3}" sibTransId="{DC85BECA-AE15-4FFE-BCED-30A2CDF1E11C}"/>
+    <dgm:cxn modelId="{B4CCC956-5A76-48BB-AA58-8C841C0F1A14}" srcId="{24809E60-BDF7-48A4-830B-B313E87F1F12}" destId="{B474F6FC-520A-443F-BB00-C7A666DFDDC6}" srcOrd="0" destOrd="0" parTransId="{51918FFD-D536-467D-A94B-E89DB09C8BD6}" sibTransId="{D03382C5-2B21-45B0-ADC4-CA5704D7CA50}"/>
+    <dgm:cxn modelId="{1E681768-A6F6-4559-AE38-CE923AEF0C57}" type="presOf" srcId="{24809E60-BDF7-48A4-830B-B313E87F1F12}" destId="{3CF6C686-D16A-4B9D-9BFC-ED5BEF651291}" srcOrd="1" destOrd="0" presId="urn:microsoft.com/office/officeart/2005/8/layout/list1"/>
+    <dgm:cxn modelId="{BED977FF-71E5-4BCC-807F-DBDEC867B628}" type="presOf" srcId="{BCE228CB-25BC-4FD3-B748-A73B4A136343}" destId="{8426CA77-72B7-4388-B6CA-1DCDAEF9ED56}" srcOrd="0" destOrd="1" presId="urn:microsoft.com/office/officeart/2005/8/layout/list1"/>
     <dgm:cxn modelId="{0A7815AB-5B2D-4B7E-8C41-C5265E6E9987}" type="presOf" srcId="{972538BF-1F9B-4590-A7F7-97A125D1384A}" destId="{07819B4A-0026-4F49-A167-8497AACCF314}" srcOrd="0" destOrd="1" presId="urn:microsoft.com/office/officeart/2005/8/layout/list1"/>
-    <dgm:cxn modelId="{5977D5BF-986C-482E-8E2B-84CD72A028D3}" srcId="{68318E4A-91F5-4C33-B95D-E7E9B6B55C70}" destId="{EB3C2E1F-82BB-4BAA-AC34-768D2A171588}" srcOrd="2" destOrd="0" parTransId="{A226FFB4-9612-484F-9BD7-A3B64F3549D3}" sibTransId="{DC85BECA-AE15-4FFE-BCED-30A2CDF1E11C}"/>
-    <dgm:cxn modelId="{98E663C0-E53A-4BD0-BFC6-EFDC16EB3DF4}" srcId="{24809E60-BDF7-48A4-830B-B313E87F1F12}" destId="{972538BF-1F9B-4590-A7F7-97A125D1384A}" srcOrd="1" destOrd="0" parTransId="{C4DE6878-5169-4A2F-A465-F934C3B28D24}" sibTransId="{B012D0DB-08AB-4139-9368-D4DC810D98FD}"/>
+    <dgm:cxn modelId="{C8368A19-2BAD-4B9A-BBF5-CEEDACF48F35}" type="presOf" srcId="{EB3C2E1F-82BB-4BAA-AC34-768D2A171588}" destId="{BF7C1B19-EA0E-4207-8976-F1AD8E92E433}" srcOrd="1" destOrd="0" presId="urn:microsoft.com/office/officeart/2005/8/layout/list1"/>
+    <dgm:cxn modelId="{61438230-343D-465B-BF46-5BECF9BEE0DB}" type="presOf" srcId="{8155F14D-50E1-4E95-9391-A8D08C2805C5}" destId="{8426CA77-72B7-4388-B6CA-1DCDAEF9ED56}" srcOrd="0" destOrd="0" presId="urn:microsoft.com/office/officeart/2005/8/layout/list1"/>
+    <dgm:cxn modelId="{609F1740-F94F-4175-A5E5-86CE4CFEA986}" srcId="{68318E4A-91F5-4C33-B95D-E7E9B6B55C70}" destId="{24809E60-BDF7-48A4-830B-B313E87F1F12}" srcOrd="0" destOrd="0" parTransId="{14A3FDAD-CF88-4099-9749-94D99ED9286F}" sibTransId="{0638D816-95C4-4991-AE0F-6F2D48D3B19C}"/>
+    <dgm:cxn modelId="{59BF4253-F948-4B75-A667-2104563B032B}" srcId="{0E331DD1-8A32-4B2C-BC79-B81A1F9E1B6D}" destId="{BCE228CB-25BC-4FD3-B748-A73B4A136343}" srcOrd="1" destOrd="0" parTransId="{07ACA9BC-7794-4FCA-AF46-07E0264F3C01}" sibTransId="{DD9D6FB7-902D-4CC7-9900-D5DEBEDC5690}"/>
+    <dgm:cxn modelId="{D7AB4F33-9060-45EF-B248-57D833F89DF2}" srcId="{0E331DD1-8A32-4B2C-BC79-B81A1F9E1B6D}" destId="{8155F14D-50E1-4E95-9391-A8D08C2805C5}" srcOrd="0" destOrd="0" parTransId="{95F3E293-1561-4390-9DEA-87E15FCA5B14}" sibTransId="{8679057D-5D8F-4972-84FE-FE80F014084C}"/>
     <dgm:cxn modelId="{6828A6D5-5F98-4D7C-ADFF-462798EF463F}" srcId="{EB3C2E1F-82BB-4BAA-AC34-768D2A171588}" destId="{6D8B4C2B-6664-451F-95A3-1D39C880C62A}" srcOrd="0" destOrd="0" parTransId="{0F8AE8D7-CC92-469E-A6B7-BDC77CC3996A}" sibTransId="{BE63EA40-92AB-4CDA-986C-167933E9E2E1}"/>
-    <dgm:cxn modelId="{B03F8CD8-AD1A-475D-865F-D0501E5FD089}" type="presOf" srcId="{68318E4A-91F5-4C33-B95D-E7E9B6B55C70}" destId="{6C06DFE0-BD4A-4207-AE36-EBD14D4B0A35}" srcOrd="0" destOrd="0" presId="urn:microsoft.com/office/officeart/2005/8/layout/list1"/>
-    <dgm:cxn modelId="{D21FBAEC-E3F8-4E6D-BED6-B100835C2047}" srcId="{EB3C2E1F-82BB-4BAA-AC34-768D2A171588}" destId="{95476D36-D127-4EE4-8840-C53F17481AB6}" srcOrd="1" destOrd="0" parTransId="{C7BD28BC-C277-4829-9C31-DA0400A40711}" sibTransId="{6761BE89-BF84-4DBE-8ACF-04E953D5F9E5}"/>
     <dgm:cxn modelId="{DB4AFCF0-BC0B-4BB4-9984-FC15F109CACB}" type="presOf" srcId="{0E331DD1-8A32-4B2C-BC79-B81A1F9E1B6D}" destId="{6EA33CF4-E95D-4CFD-9E21-729819558CB3}" srcOrd="0" destOrd="0" presId="urn:microsoft.com/office/officeart/2005/8/layout/list1"/>
-    <dgm:cxn modelId="{BED977FF-71E5-4BCC-807F-DBDEC867B628}" type="presOf" srcId="{BCE228CB-25BC-4FD3-B748-A73B4A136343}" destId="{8426CA77-72B7-4388-B6CA-1DCDAEF9ED56}" srcOrd="0" destOrd="1" presId="urn:microsoft.com/office/officeart/2005/8/layout/list1"/>
     <dgm:cxn modelId="{015C9169-F6AE-4D4A-8F46-F07806904810}" type="presParOf" srcId="{6C06DFE0-BD4A-4207-AE36-EBD14D4B0A35}" destId="{7773FCBD-6A0B-4C23-8A42-BE6E24623A59}" srcOrd="0" destOrd="0" presId="urn:microsoft.com/office/officeart/2005/8/layout/list1"/>
     <dgm:cxn modelId="{5E3CBBB5-C368-4F81-8E2C-6D77ED2C24E8}" type="presParOf" srcId="{7773FCBD-6A0B-4C23-8A42-BE6E24623A59}" destId="{7EBFFAEF-57F4-4B6B-BBF5-103E39AA7317}" srcOrd="0" destOrd="0" presId="urn:microsoft.com/office/officeart/2005/8/layout/list1"/>
     <dgm:cxn modelId="{269F2F5D-6A9C-4E50-8CCE-D6C88A402118}" type="presParOf" srcId="{7773FCBD-6A0B-4C23-8A42-BE6E24623A59}" destId="{3CF6C686-D16A-4B9D-9BFC-ED5BEF651291}" srcOrd="1" destOrd="0" presId="urn:microsoft.com/office/officeart/2005/8/layout/list1"/>
@@ -6119,12 +6473,13 @@
             <a:spcAft>
               <a:spcPct val="15000"/>
             </a:spcAft>
-            <a:buChar char="•"/>
+            <a:buChar char="••"/>
           </a:pPr>
           <a:r>
-            <a:rPr lang="en-US" sz="1200" kern="1200" dirty="0"/>
-            <a:t>Object</a:t>
+            <a:rPr lang="en-US" sz="1200" kern="1200" dirty="0" smtClean="0"/>
+            <a:t>Object (everything comes from this, i.e. a “genesis” object)</a:t>
           </a:r>
+          <a:endParaRPr lang="en-US" sz="1200" kern="1200" dirty="0"/>
         </a:p>
         <a:p>
           <a:pPr marL="114300" lvl="1" indent="-114300" algn="l" defTabSz="533400">
@@ -6137,7 +6492,7 @@
             <a:spcAft>
               <a:spcPct val="15000"/>
             </a:spcAft>
-            <a:buChar char="•"/>
+            <a:buChar char="••"/>
           </a:pPr>
           <a:r>
             <a:rPr lang="en-US" sz="1200" kern="1200" dirty="0"/>
@@ -6155,7 +6510,7 @@
             <a:spcAft>
               <a:spcPct val="15000"/>
             </a:spcAft>
-            <a:buChar char="•"/>
+            <a:buChar char="••"/>
           </a:pPr>
           <a:r>
             <a:rPr lang="en-US" sz="1200" kern="1200" dirty="0"/>
@@ -6173,7 +6528,7 @@
             <a:spcAft>
               <a:spcPct val="15000"/>
             </a:spcAft>
-            <a:buChar char="•"/>
+            <a:buChar char="••"/>
           </a:pPr>
           <a:r>
             <a:rPr lang="en-US" sz="1200" kern="1200" dirty="0"/>
@@ -6191,7 +6546,7 @@
             <a:spcAft>
               <a:spcPct val="15000"/>
             </a:spcAft>
-            <a:buChar char="•"/>
+            <a:buChar char="••"/>
           </a:pPr>
           <a:r>
             <a:rPr lang="en-US" sz="1200" kern="1200" dirty="0"/>
@@ -6209,7 +6564,7 @@
             <a:spcAft>
               <a:spcPct val="15000"/>
             </a:spcAft>
-            <a:buChar char="•"/>
+            <a:buChar char="••"/>
           </a:pPr>
           <a:r>
             <a:rPr lang="en-US" sz="1200" kern="1200" dirty="0"/>
@@ -6301,7 +6656,7 @@
         </a:bodyPr>
         <a:lstStyle/>
         <a:p>
-          <a:pPr marL="0" lvl="0" indent="0" algn="l" defTabSz="622300">
+          <a:pPr lvl="0" algn="l" defTabSz="622300">
             <a:lnSpc>
               <a:spcPct val="90000"/>
             </a:lnSpc>
@@ -6311,7 +6666,6 @@
             <a:spcAft>
               <a:spcPct val="35000"/>
             </a:spcAft>
-            <a:buNone/>
           </a:pPr>
           <a:r>
             <a:rPr lang="en-US" sz="1400" kern="1200" dirty="0"/>
@@ -6349,7 +6703,7 @@
         <a:ln w="9525" cap="flat" cmpd="sng" algn="ctr">
           <a:solidFill>
             <a:schemeClr val="accent3">
-              <a:hueOff val="-5135325"/>
+              <a:hueOff val="-5135326"/>
               <a:satOff val="43608"/>
               <a:lumOff val="6961"/>
               <a:alphaOff val="0"/>
@@ -6387,7 +6741,7 @@
             <a:spcAft>
               <a:spcPct val="15000"/>
             </a:spcAft>
-            <a:buChar char="•"/>
+            <a:buChar char="••"/>
           </a:pPr>
           <a:r>
             <a:rPr lang="en-US" sz="1200" kern="1200" dirty="0"/>
@@ -6405,7 +6759,7 @@
             <a:spcAft>
               <a:spcPct val="15000"/>
             </a:spcAft>
-            <a:buChar char="•"/>
+            <a:buChar char="••"/>
           </a:pPr>
           <a:r>
             <a:rPr lang="en-US" sz="1200" kern="1200" dirty="0"/>
@@ -6423,7 +6777,7 @@
             <a:spcAft>
               <a:spcPct val="15000"/>
             </a:spcAft>
-            <a:buChar char="•"/>
+            <a:buChar char="••"/>
           </a:pPr>
           <a:r>
             <a:rPr lang="en-US" sz="1200" kern="1200" dirty="0" err="1"/>
@@ -6454,7 +6808,7 @@
           <a:gsLst>
             <a:gs pos="0">
               <a:schemeClr val="accent3">
-                <a:hueOff val="-5135325"/>
+                <a:hueOff val="-5135326"/>
                 <a:satOff val="43608"/>
                 <a:lumOff val="6961"/>
                 <a:alphaOff val="0"/>
@@ -6464,7 +6818,7 @@
             </a:gs>
             <a:gs pos="80000">
               <a:schemeClr val="accent3">
-                <a:hueOff val="-5135325"/>
+                <a:hueOff val="-5135326"/>
                 <a:satOff val="43608"/>
                 <a:lumOff val="6961"/>
                 <a:alphaOff val="0"/>
@@ -6474,7 +6828,7 @@
             </a:gs>
             <a:gs pos="100000">
               <a:schemeClr val="accent3">
-                <a:hueOff val="-5135325"/>
+                <a:hueOff val="-5135326"/>
                 <a:satOff val="43608"/>
                 <a:lumOff val="6961"/>
                 <a:alphaOff val="0"/>
@@ -6516,7 +6870,7 @@
         </a:bodyPr>
         <a:lstStyle/>
         <a:p>
-          <a:pPr marL="0" lvl="0" indent="0" algn="l" defTabSz="622300">
+          <a:pPr lvl="0" algn="l" defTabSz="622300">
             <a:lnSpc>
               <a:spcPct val="90000"/>
             </a:lnSpc>
@@ -6526,7 +6880,6 @@
             <a:spcAft>
               <a:spcPct val="35000"/>
             </a:spcAft>
-            <a:buNone/>
           </a:pPr>
           <a:r>
             <a:rPr lang="en-US" sz="1400" kern="1200" dirty="0"/>
@@ -6564,7 +6917,7 @@
         <a:ln w="9525" cap="flat" cmpd="sng" algn="ctr">
           <a:solidFill>
             <a:schemeClr val="accent3">
-              <a:hueOff val="-10270650"/>
+              <a:hueOff val="-10270651"/>
               <a:satOff val="87217"/>
               <a:lumOff val="13922"/>
               <a:alphaOff val="0"/>
@@ -6602,7 +6955,7 @@
             <a:spcAft>
               <a:spcPct val="15000"/>
             </a:spcAft>
-            <a:buChar char="•"/>
+            <a:buChar char="••"/>
           </a:pPr>
           <a:r>
             <a:rPr lang="en-US" sz="1200" kern="1200" dirty="0"/>
@@ -6620,7 +6973,7 @@
             <a:spcAft>
               <a:spcPct val="15000"/>
             </a:spcAft>
-            <a:buChar char="•"/>
+            <a:buChar char="••"/>
           </a:pPr>
           <a:r>
             <a:rPr lang="en-US" sz="1200" kern="1200" dirty="0" err="1"/>
@@ -6639,7 +6992,7 @@
             <a:spcAft>
               <a:spcPct val="15000"/>
             </a:spcAft>
-            <a:buChar char="•"/>
+            <a:buChar char="••"/>
           </a:pPr>
           <a:r>
             <a:rPr lang="en-US" sz="1200" kern="1200" dirty="0" err="1"/>
@@ -6658,7 +7011,7 @@
             <a:spcAft>
               <a:spcPct val="15000"/>
             </a:spcAft>
-            <a:buChar char="•"/>
+            <a:buChar char="••"/>
           </a:pPr>
           <a:r>
             <a:rPr lang="en-US" sz="1200" kern="1200" dirty="0" err="1"/>
@@ -6677,7 +7030,7 @@
             <a:spcAft>
               <a:spcPct val="15000"/>
             </a:spcAft>
-            <a:buChar char="•"/>
+            <a:buChar char="••"/>
           </a:pPr>
           <a:r>
             <a:rPr lang="en-US" sz="1200" kern="1200" dirty="0" err="1"/>
@@ -6696,7 +7049,7 @@
             <a:spcAft>
               <a:spcPct val="15000"/>
             </a:spcAft>
-            <a:buChar char="•"/>
+            <a:buChar char="••"/>
           </a:pPr>
           <a:r>
             <a:rPr lang="en-US" sz="1200" kern="1200" dirty="0" err="1"/>
@@ -6727,7 +7080,7 @@
           <a:gsLst>
             <a:gs pos="0">
               <a:schemeClr val="accent3">
-                <a:hueOff val="-10270650"/>
+                <a:hueOff val="-10270651"/>
                 <a:satOff val="87217"/>
                 <a:lumOff val="13922"/>
                 <a:alphaOff val="0"/>
@@ -6737,7 +7090,7 @@
             </a:gs>
             <a:gs pos="80000">
               <a:schemeClr val="accent3">
-                <a:hueOff val="-10270650"/>
+                <a:hueOff val="-10270651"/>
                 <a:satOff val="87217"/>
                 <a:lumOff val="13922"/>
                 <a:alphaOff val="0"/>
@@ -6747,7 +7100,7 @@
             </a:gs>
             <a:gs pos="100000">
               <a:schemeClr val="accent3">
-                <a:hueOff val="-10270650"/>
+                <a:hueOff val="-10270651"/>
                 <a:satOff val="87217"/>
                 <a:lumOff val="13922"/>
                 <a:alphaOff val="0"/>
@@ -6789,7 +7142,7 @@
         </a:bodyPr>
         <a:lstStyle/>
         <a:p>
-          <a:pPr marL="0" lvl="0" indent="0" algn="l" defTabSz="622300">
+          <a:pPr lvl="0" algn="l" defTabSz="622300">
             <a:lnSpc>
               <a:spcPct val="90000"/>
             </a:lnSpc>
@@ -6799,7 +7152,6 @@
             <a:spcAft>
               <a:spcPct val="35000"/>
             </a:spcAft>
-            <a:buNone/>
           </a:pPr>
           <a:r>
             <a:rPr lang="en-US" sz="1400" kern="1200" dirty="0"/>
@@ -6877,7 +7229,7 @@
         </a:bodyPr>
         <a:lstStyle/>
         <a:p>
-          <a:pPr marL="0" lvl="0" indent="0" algn="ctr" defTabSz="622300">
+          <a:pPr lvl="0" algn="ctr" defTabSz="622300">
             <a:lnSpc>
               <a:spcPct val="90000"/>
             </a:lnSpc>
@@ -6887,7 +7239,6 @@
             <a:spcAft>
               <a:spcPct val="35000"/>
             </a:spcAft>
-            <a:buNone/>
           </a:pPr>
           <a:r>
             <a:rPr lang="en-US" sz="1400" kern="1200" dirty="0"/>
@@ -6896,6 +7247,10 @@
           <a:br>
             <a:rPr lang="en-US" sz="1400" kern="1200" dirty="0"/>
           </a:br>
+          <a:r>
+            <a:rPr lang="en-US" sz="1400" kern="1200" dirty="0"/>
+            <a:t/>
+          </a:r>
           <a:br>
             <a:rPr lang="en-US" sz="1400" kern="1200" dirty="0"/>
           </a:br>
@@ -6994,7 +7349,7 @@
         </a:bodyPr>
         <a:lstStyle/>
         <a:p>
-          <a:pPr marL="0" lvl="0" indent="0" algn="ctr" defTabSz="533400">
+          <a:pPr lvl="0" algn="ctr" defTabSz="533400">
             <a:lnSpc>
               <a:spcPct val="90000"/>
             </a:lnSpc>
@@ -7004,7 +7359,6 @@
             <a:spcAft>
               <a:spcPct val="35000"/>
             </a:spcAft>
-            <a:buNone/>
           </a:pPr>
           <a:r>
             <a:rPr lang="en-US" sz="1200" kern="1200" dirty="0"/>
@@ -7098,7 +7452,7 @@
         </a:bodyPr>
         <a:lstStyle/>
         <a:p>
-          <a:pPr marL="0" lvl="0" indent="0" algn="ctr" defTabSz="533400">
+          <a:pPr lvl="0" algn="ctr" defTabSz="533400">
             <a:lnSpc>
               <a:spcPct val="90000"/>
             </a:lnSpc>
@@ -7108,7 +7462,6 @@
             <a:spcAft>
               <a:spcPct val="35000"/>
             </a:spcAft>
-            <a:buNone/>
           </a:pPr>
           <a:r>
             <a:rPr lang="en-US" sz="1200" kern="1200" dirty="0"/>
@@ -7202,7 +7555,7 @@
         </a:bodyPr>
         <a:lstStyle/>
         <a:p>
-          <a:pPr marL="0" lvl="0" indent="0" algn="ctr" defTabSz="533400">
+          <a:pPr lvl="0" algn="ctr" defTabSz="533400">
             <a:lnSpc>
               <a:spcPct val="90000"/>
             </a:lnSpc>
@@ -7212,7 +7565,6 @@
             <a:spcAft>
               <a:spcPct val="35000"/>
             </a:spcAft>
-            <a:buNone/>
           </a:pPr>
           <a:r>
             <a:rPr lang="en-US" sz="1200" kern="1200" dirty="0"/>
@@ -7306,7 +7658,7 @@
         </a:bodyPr>
         <a:lstStyle/>
         <a:p>
-          <a:pPr marL="0" lvl="0" indent="0" algn="ctr" defTabSz="533400">
+          <a:pPr lvl="0" algn="ctr" defTabSz="533400">
             <a:lnSpc>
               <a:spcPct val="90000"/>
             </a:lnSpc>
@@ -7316,7 +7668,6 @@
             <a:spcAft>
               <a:spcPct val="35000"/>
             </a:spcAft>
-            <a:buNone/>
           </a:pPr>
           <a:r>
             <a:rPr lang="en-US" sz="1200" kern="1200" dirty="0"/>
@@ -7410,7 +7761,7 @@
         </a:bodyPr>
         <a:lstStyle/>
         <a:p>
-          <a:pPr marL="0" lvl="0" indent="0" algn="ctr" defTabSz="533400">
+          <a:pPr lvl="0" algn="ctr" defTabSz="533400">
             <a:lnSpc>
               <a:spcPct val="90000"/>
             </a:lnSpc>
@@ -7420,7 +7771,6 @@
             <a:spcAft>
               <a:spcPct val="35000"/>
             </a:spcAft>
-            <a:buNone/>
           </a:pPr>
           <a:r>
             <a:rPr lang="en-US" sz="1200" kern="1200" dirty="0"/>
@@ -7486,7 +7836,7 @@
         </a:bodyPr>
         <a:lstStyle/>
         <a:p>
-          <a:pPr marL="0" lvl="0" indent="0" algn="ctr" defTabSz="622300">
+          <a:pPr lvl="0" algn="ctr" defTabSz="622300">
             <a:lnSpc>
               <a:spcPct val="90000"/>
             </a:lnSpc>
@@ -7496,7 +7846,6 @@
             <a:spcAft>
               <a:spcPct val="35000"/>
             </a:spcAft>
-            <a:buNone/>
           </a:pPr>
           <a:r>
             <a:rPr lang="en-US" sz="1400" kern="1200" dirty="0"/>
@@ -7505,6 +7854,10 @@
           <a:br>
             <a:rPr lang="en-US" sz="1400" kern="1200" dirty="0"/>
           </a:br>
+          <a:r>
+            <a:rPr lang="en-US" sz="1400" kern="1200" dirty="0"/>
+            <a:t/>
+          </a:r>
           <a:br>
             <a:rPr lang="en-US" sz="1400" kern="1200" dirty="0"/>
           </a:br>
@@ -7541,7 +7894,7 @@
           <a:gsLst>
             <a:gs pos="0">
               <a:schemeClr val="accent3">
-                <a:hueOff val="-5705917"/>
+                <a:hueOff val="-5705918"/>
                 <a:satOff val="48454"/>
                 <a:lumOff val="7734"/>
                 <a:alphaOff val="0"/>
@@ -7551,7 +7904,7 @@
             </a:gs>
             <a:gs pos="80000">
               <a:schemeClr val="accent3">
-                <a:hueOff val="-5705917"/>
+                <a:hueOff val="-5705918"/>
                 <a:satOff val="48454"/>
                 <a:lumOff val="7734"/>
                 <a:alphaOff val="0"/>
@@ -7561,7 +7914,7 @@
             </a:gs>
             <a:gs pos="100000">
               <a:schemeClr val="accent3">
-                <a:hueOff val="-5705917"/>
+                <a:hueOff val="-5705918"/>
                 <a:satOff val="48454"/>
                 <a:lumOff val="7734"/>
                 <a:alphaOff val="0"/>
@@ -7603,7 +7956,7 @@
         </a:bodyPr>
         <a:lstStyle/>
         <a:p>
-          <a:pPr marL="0" lvl="0" indent="0" algn="ctr" defTabSz="533400">
+          <a:pPr lvl="0" algn="ctr" defTabSz="533400">
             <a:lnSpc>
               <a:spcPct val="90000"/>
             </a:lnSpc>
@@ -7613,7 +7966,6 @@
             <a:spcAft>
               <a:spcPct val="35000"/>
             </a:spcAft>
-            <a:buNone/>
           </a:pPr>
           <a:r>
             <a:rPr lang="en-US" sz="1200" kern="1200" dirty="0"/>
@@ -7645,7 +7997,7 @@
           <a:gsLst>
             <a:gs pos="0">
               <a:schemeClr val="accent3">
-                <a:hueOff val="-6847100"/>
+                <a:hueOff val="-6847101"/>
                 <a:satOff val="58145"/>
                 <a:lumOff val="9281"/>
                 <a:alphaOff val="0"/>
@@ -7655,7 +8007,7 @@
             </a:gs>
             <a:gs pos="80000">
               <a:schemeClr val="accent3">
-                <a:hueOff val="-6847100"/>
+                <a:hueOff val="-6847101"/>
                 <a:satOff val="58145"/>
                 <a:lumOff val="9281"/>
                 <a:alphaOff val="0"/>
@@ -7665,7 +8017,7 @@
             </a:gs>
             <a:gs pos="100000">
               <a:schemeClr val="accent3">
-                <a:hueOff val="-6847100"/>
+                <a:hueOff val="-6847101"/>
                 <a:satOff val="58145"/>
                 <a:lumOff val="9281"/>
                 <a:alphaOff val="0"/>
@@ -7707,7 +8059,7 @@
         </a:bodyPr>
         <a:lstStyle/>
         <a:p>
-          <a:pPr marL="0" lvl="0" indent="0" algn="ctr" defTabSz="533400">
+          <a:pPr lvl="0" algn="ctr" defTabSz="533400">
             <a:lnSpc>
               <a:spcPct val="90000"/>
             </a:lnSpc>
@@ -7717,7 +8069,6 @@
             <a:spcAft>
               <a:spcPct val="35000"/>
             </a:spcAft>
-            <a:buNone/>
           </a:pPr>
           <a:r>
             <a:rPr lang="en-US" sz="1200" kern="1200" dirty="0"/>
@@ -7749,7 +8100,7 @@
           <a:gsLst>
             <a:gs pos="0">
               <a:schemeClr val="accent3">
-                <a:hueOff val="-7988284"/>
+                <a:hueOff val="-7988285"/>
                 <a:satOff val="67835"/>
                 <a:lumOff val="10828"/>
                 <a:alphaOff val="0"/>
@@ -7759,7 +8110,7 @@
             </a:gs>
             <a:gs pos="80000">
               <a:schemeClr val="accent3">
-                <a:hueOff val="-7988284"/>
+                <a:hueOff val="-7988285"/>
                 <a:satOff val="67835"/>
                 <a:lumOff val="10828"/>
                 <a:alphaOff val="0"/>
@@ -7769,7 +8120,7 @@
             </a:gs>
             <a:gs pos="100000">
               <a:schemeClr val="accent3">
-                <a:hueOff val="-7988284"/>
+                <a:hueOff val="-7988285"/>
                 <a:satOff val="67835"/>
                 <a:lumOff val="10828"/>
                 <a:alphaOff val="0"/>
@@ -7811,7 +8162,7 @@
         </a:bodyPr>
         <a:lstStyle/>
         <a:p>
-          <a:pPr marL="0" lvl="0" indent="0" algn="ctr" defTabSz="533400">
+          <a:pPr lvl="0" algn="ctr" defTabSz="533400">
             <a:lnSpc>
               <a:spcPct val="90000"/>
             </a:lnSpc>
@@ -7821,7 +8172,6 @@
             <a:spcAft>
               <a:spcPct val="35000"/>
             </a:spcAft>
-            <a:buNone/>
           </a:pPr>
           <a:r>
             <a:rPr lang="en-US" sz="1200" kern="1200" dirty="0"/>
@@ -7915,7 +8265,7 @@
         </a:bodyPr>
         <a:lstStyle/>
         <a:p>
-          <a:pPr marL="0" lvl="0" indent="0" algn="ctr" defTabSz="533400">
+          <a:pPr lvl="0" algn="ctr" defTabSz="533400">
             <a:lnSpc>
               <a:spcPct val="90000"/>
             </a:lnSpc>
@@ -7925,7 +8275,6 @@
             <a:spcAft>
               <a:spcPct val="35000"/>
             </a:spcAft>
-            <a:buNone/>
           </a:pPr>
           <a:r>
             <a:rPr lang="en-US" sz="1200" kern="1200" dirty="0"/>
@@ -7991,7 +8340,7 @@
         </a:bodyPr>
         <a:lstStyle/>
         <a:p>
-          <a:pPr marL="0" lvl="0" indent="0" algn="ctr" defTabSz="622300">
+          <a:pPr lvl="0" algn="ctr" defTabSz="622300">
             <a:lnSpc>
               <a:spcPct val="90000"/>
             </a:lnSpc>
@@ -8001,7 +8350,6 @@
             <a:spcAft>
               <a:spcPct val="35000"/>
             </a:spcAft>
-            <a:buNone/>
           </a:pPr>
           <a:r>
             <a:rPr lang="en-US" sz="1400" kern="1200" dirty="0"/>
@@ -8010,6 +8358,10 @@
           <a:br>
             <a:rPr lang="en-US" sz="1400" kern="1200" dirty="0"/>
           </a:br>
+          <a:r>
+            <a:rPr lang="en-US" sz="1400" kern="1200" dirty="0"/>
+            <a:t/>
+          </a:r>
           <a:br>
             <a:rPr lang="en-US" sz="1400" kern="1200" dirty="0"/>
           </a:br>
@@ -8047,7 +8399,7 @@
           <a:gsLst>
             <a:gs pos="0">
               <a:schemeClr val="accent3">
-                <a:hueOff val="-10270650"/>
+                <a:hueOff val="-10270651"/>
                 <a:satOff val="87217"/>
                 <a:lumOff val="13922"/>
                 <a:alphaOff val="0"/>
@@ -8057,7 +8409,7 @@
             </a:gs>
             <a:gs pos="80000">
               <a:schemeClr val="accent3">
-                <a:hueOff val="-10270650"/>
+                <a:hueOff val="-10270651"/>
                 <a:satOff val="87217"/>
                 <a:lumOff val="13922"/>
                 <a:alphaOff val="0"/>
@@ -8067,7 +8419,7 @@
             </a:gs>
             <a:gs pos="100000">
               <a:schemeClr val="accent3">
-                <a:hueOff val="-10270650"/>
+                <a:hueOff val="-10270651"/>
                 <a:satOff val="87217"/>
                 <a:lumOff val="13922"/>
                 <a:alphaOff val="0"/>
@@ -8109,7 +8461,7 @@
         </a:bodyPr>
         <a:lstStyle/>
         <a:p>
-          <a:pPr marL="0" lvl="0" indent="0" algn="ctr" defTabSz="533400">
+          <a:pPr lvl="0" algn="ctr" defTabSz="533400">
             <a:lnSpc>
               <a:spcPct val="90000"/>
             </a:lnSpc>
@@ -8119,7 +8471,6 @@
             <a:spcAft>
               <a:spcPct val="35000"/>
             </a:spcAft>
-            <a:buNone/>
           </a:pPr>
           <a:r>
             <a:rPr lang="en-US" sz="1200" kern="1200" dirty="0"/>
@@ -8469,7 +8820,7 @@
         </a:bodyPr>
         <a:lstStyle/>
         <a:p>
-          <a:pPr marL="0" lvl="0" indent="0" algn="ctr" defTabSz="622300">
+          <a:pPr lvl="0" algn="ctr" defTabSz="622300">
             <a:lnSpc>
               <a:spcPct val="90000"/>
             </a:lnSpc>
@@ -8479,7 +8830,6 @@
             <a:spcAft>
               <a:spcPct val="35000"/>
             </a:spcAft>
-            <a:buNone/>
           </a:pPr>
           <a:r>
             <a:rPr lang="en-US" sz="1400" kern="1200" dirty="0"/>
@@ -8574,7 +8924,7 @@
         </a:bodyPr>
         <a:lstStyle/>
         <a:p>
-          <a:pPr marL="0" lvl="0" indent="0" algn="ctr" defTabSz="400050">
+          <a:pPr lvl="0" algn="ctr" defTabSz="400050">
             <a:lnSpc>
               <a:spcPct val="90000"/>
             </a:lnSpc>
@@ -8584,7 +8934,6 @@
             <a:spcAft>
               <a:spcPct val="35000"/>
             </a:spcAft>
-            <a:buNone/>
           </a:pPr>
           <a:r>
             <a:rPr lang="en-US" sz="900" kern="1200" dirty="0"/>
@@ -8679,7 +9028,7 @@
         </a:bodyPr>
         <a:lstStyle/>
         <a:p>
-          <a:pPr marL="0" lvl="0" indent="0" algn="ctr" defTabSz="400050">
+          <a:pPr lvl="0" algn="ctr" defTabSz="400050">
             <a:lnSpc>
               <a:spcPct val="90000"/>
             </a:lnSpc>
@@ -8689,7 +9038,6 @@
             <a:spcAft>
               <a:spcPct val="35000"/>
             </a:spcAft>
-            <a:buNone/>
           </a:pPr>
           <a:r>
             <a:rPr lang="en-US" sz="900" kern="1200" dirty="0"/>
@@ -8784,7 +9132,7 @@
         </a:bodyPr>
         <a:lstStyle/>
         <a:p>
-          <a:pPr marL="0" lvl="0" indent="0" algn="ctr" defTabSz="400050">
+          <a:pPr lvl="0" algn="ctr" defTabSz="400050">
             <a:lnSpc>
               <a:spcPct val="90000"/>
             </a:lnSpc>
@@ -8794,7 +9142,6 @@
             <a:spcAft>
               <a:spcPct val="35000"/>
             </a:spcAft>
-            <a:buNone/>
           </a:pPr>
           <a:r>
             <a:rPr lang="en-US" sz="900" kern="1200" dirty="0"/>
@@ -8826,8 +9173,8 @@
       </dsp:nvSpPr>
       <dsp:spPr>
         <a:xfrm>
-          <a:off x="0" y="226795"/>
-          <a:ext cx="7978391" cy="1260000"/>
+          <a:off x="0" y="261560"/>
+          <a:ext cx="7978391" cy="1389150"/>
         </a:xfrm>
         <a:prstGeom prst="rect">
           <a:avLst/>
@@ -8867,7 +9214,7 @@
         <a:fontRef idx="minor"/>
       </dsp:style>
       <dsp:txBody>
-        <a:bodyPr spcFirstLastPara="0" vert="horz" wrap="square" lIns="619212" tIns="333248" rIns="619212" bIns="99568" numCol="1" spcCol="1270" anchor="t" anchorCtr="0">
+        <a:bodyPr spcFirstLastPara="0" vert="horz" wrap="square" lIns="619212" tIns="291592" rIns="619212" bIns="99568" numCol="1" spcCol="1270" anchor="t" anchorCtr="0">
           <a:noAutofit/>
         </a:bodyPr>
         <a:lstStyle/>
@@ -8882,13 +9229,19 @@
             <a:spcAft>
               <a:spcPct val="15000"/>
             </a:spcAft>
-            <a:buChar char="•"/>
+            <a:buChar char="••"/>
           </a:pPr>
           <a:r>
             <a:rPr lang="en-US" sz="1400" b="1" kern="1200" dirty="0">
               <a:latin typeface="+mn-lt"/>
             </a:rPr>
             <a:t>Scope</a:t>
+          </a:r>
+          <a:r>
+            <a:rPr lang="en-US" sz="1400" b="0" kern="1200" dirty="0">
+              <a:latin typeface="+mn-lt"/>
+            </a:rPr>
+            <a:t/>
           </a:r>
           <a:br>
             <a:rPr lang="en-US" sz="1400" b="0" kern="1200" dirty="0">
@@ -8914,7 +9267,7 @@
             <a:spcAft>
               <a:spcPct val="15000"/>
             </a:spcAft>
-            <a:buChar char="•"/>
+            <a:buChar char="••"/>
           </a:pPr>
           <a:r>
             <a:rPr kumimoji="0" lang="en-US" sz="1400" b="1" i="0" kern="1200" dirty="0">
@@ -8956,8 +9309,8 @@
         </a:p>
       </dsp:txBody>
       <dsp:txXfrm>
-        <a:off x="0" y="226795"/>
-        <a:ext cx="7978391" cy="1260000"/>
+        <a:off x="0" y="261560"/>
+        <a:ext cx="7978391" cy="1389150"/>
       </dsp:txXfrm>
     </dsp:sp>
     <dsp:sp modelId="{3CF6C686-D16A-4B9D-9BFC-ED5BEF651291}">
@@ -8967,8 +9320,8 @@
       </dsp:nvSpPr>
       <dsp:spPr>
         <a:xfrm>
-          <a:off x="398919" y="1273"/>
-          <a:ext cx="5584873" cy="472320"/>
+          <a:off x="398919" y="64228"/>
+          <a:ext cx="5584873" cy="413280"/>
         </a:xfrm>
         <a:prstGeom prst="roundRect">
           <a:avLst/>
@@ -9039,7 +9392,7 @@
         </a:bodyPr>
         <a:lstStyle/>
         <a:p>
-          <a:pPr marL="0" lvl="0" indent="0" algn="l" defTabSz="711200">
+          <a:pPr lvl="0" algn="l" defTabSz="711200">
             <a:lnSpc>
               <a:spcPct val="90000"/>
             </a:lnSpc>
@@ -9049,7 +9402,6 @@
             <a:spcAft>
               <a:spcPct val="35000"/>
             </a:spcAft>
-            <a:buNone/>
           </a:pPr>
           <a:r>
             <a:rPr lang="en-US" sz="1600" kern="1200" dirty="0"/>
@@ -9059,8 +9411,8 @@
         </a:p>
       </dsp:txBody>
       <dsp:txXfrm>
-        <a:off x="421976" y="24330"/>
-        <a:ext cx="5538759" cy="426206"/>
+        <a:off x="419094" y="84403"/>
+        <a:ext cx="5544523" cy="372930"/>
       </dsp:txXfrm>
     </dsp:sp>
     <dsp:sp modelId="{8426CA77-72B7-4388-B6CA-1DCDAEF9ED56}">
@@ -9070,8 +9422,8 @@
       </dsp:nvSpPr>
       <dsp:spPr>
         <a:xfrm>
-          <a:off x="0" y="1824397"/>
-          <a:ext cx="7978391" cy="1461600"/>
+          <a:off x="0" y="1946111"/>
+          <a:ext cx="7978391" cy="1389150"/>
         </a:xfrm>
         <a:prstGeom prst="rect">
           <a:avLst/>
@@ -9088,7 +9440,7 @@
         <a:ln w="9525" cap="flat" cmpd="sng" algn="ctr">
           <a:solidFill>
             <a:schemeClr val="accent3">
-              <a:hueOff val="-5135325"/>
+              <a:hueOff val="-5135326"/>
               <a:satOff val="43608"/>
               <a:lumOff val="6961"/>
               <a:alphaOff val="0"/>
@@ -9111,7 +9463,7 @@
         <a:fontRef idx="minor"/>
       </dsp:style>
       <dsp:txBody>
-        <a:bodyPr spcFirstLastPara="0" vert="horz" wrap="square" lIns="619212" tIns="333248" rIns="619212" bIns="99568" numCol="1" spcCol="1270" anchor="t" anchorCtr="0">
+        <a:bodyPr spcFirstLastPara="0" vert="horz" wrap="square" lIns="619212" tIns="291592" rIns="619212" bIns="99568" numCol="1" spcCol="1270" anchor="t" anchorCtr="0">
           <a:noAutofit/>
         </a:bodyPr>
         <a:lstStyle/>
@@ -9126,7 +9478,7 @@
             <a:spcAft>
               <a:spcPct val="15000"/>
             </a:spcAft>
-            <a:buChar char="•"/>
+            <a:buChar char="••"/>
           </a:pPr>
           <a:r>
             <a:rPr lang="en-US" sz="1400" b="1" kern="1200" dirty="0">
@@ -9136,6 +9488,15 @@
               <a:latin typeface="+mn-lt"/>
             </a:rPr>
             <a:t>Scope</a:t>
+          </a:r>
+          <a:r>
+            <a:rPr lang="en-US" sz="1400" b="0" kern="1200" dirty="0">
+              <a:solidFill>
+                <a:schemeClr val="bg1"/>
+              </a:solidFill>
+              <a:latin typeface="+mn-lt"/>
+            </a:rPr>
+            <a:t/>
           </a:r>
           <a:br>
             <a:rPr lang="en-US" sz="1400" b="0" kern="1200" dirty="0">
@@ -9180,7 +9541,7 @@
             <a:spcAft>
               <a:spcPct val="15000"/>
             </a:spcAft>
-            <a:buChar char="•"/>
+            <a:buChar char="••"/>
           </a:pPr>
           <a:r>
             <a:rPr lang="en-US" sz="1400" b="1" kern="1200" dirty="0">
@@ -9249,8 +9610,8 @@
         </a:p>
       </dsp:txBody>
       <dsp:txXfrm>
-        <a:off x="0" y="1824397"/>
-        <a:ext cx="7978391" cy="1461600"/>
+        <a:off x="0" y="1946111"/>
+        <a:ext cx="7978391" cy="1389150"/>
       </dsp:txXfrm>
     </dsp:sp>
     <dsp:sp modelId="{7BA5E4CA-B29A-4C08-AD2A-BEFE1E0F502D}">
@@ -9260,8 +9621,8 @@
       </dsp:nvSpPr>
       <dsp:spPr>
         <a:xfrm>
-          <a:off x="398919" y="1583833"/>
-          <a:ext cx="5584873" cy="472320"/>
+          <a:off x="398919" y="1735618"/>
+          <a:ext cx="5584873" cy="413280"/>
         </a:xfrm>
         <a:prstGeom prst="roundRect">
           <a:avLst/>
@@ -9270,7 +9631,7 @@
           <a:gsLst>
             <a:gs pos="0">
               <a:schemeClr val="accent3">
-                <a:hueOff val="-5135325"/>
+                <a:hueOff val="-5135326"/>
                 <a:satOff val="43608"/>
                 <a:lumOff val="6961"/>
                 <a:alphaOff val="0"/>
@@ -9280,7 +9641,7 @@
             </a:gs>
             <a:gs pos="80000">
               <a:schemeClr val="accent3">
-                <a:hueOff val="-5135325"/>
+                <a:hueOff val="-5135326"/>
                 <a:satOff val="43608"/>
                 <a:lumOff val="6961"/>
                 <a:alphaOff val="0"/>
@@ -9290,7 +9651,7 @@
             </a:gs>
             <a:gs pos="100000">
               <a:schemeClr val="accent3">
-                <a:hueOff val="-5135325"/>
+                <a:hueOff val="-5135326"/>
                 <a:satOff val="43608"/>
                 <a:lumOff val="6961"/>
                 <a:alphaOff val="0"/>
@@ -9332,7 +9693,7 @@
         </a:bodyPr>
         <a:lstStyle/>
         <a:p>
-          <a:pPr marL="0" lvl="0" indent="0" algn="l" defTabSz="711200">
+          <a:pPr lvl="0" algn="l" defTabSz="711200">
             <a:lnSpc>
               <a:spcPct val="90000"/>
             </a:lnSpc>
@@ -9342,7 +9703,6 @@
             <a:spcAft>
               <a:spcPct val="35000"/>
             </a:spcAft>
-            <a:buNone/>
           </a:pPr>
           <a:r>
             <a:rPr lang="en-US" sz="1600" kern="1200" dirty="0"/>
@@ -9351,8 +9711,8 @@
         </a:p>
       </dsp:txBody>
       <dsp:txXfrm>
-        <a:off x="421976" y="1606890"/>
-        <a:ext cx="5538759" cy="426206"/>
+        <a:off x="419094" y="1755793"/>
+        <a:ext cx="5544523" cy="372930"/>
       </dsp:txXfrm>
     </dsp:sp>
     <dsp:sp modelId="{0F55C3C7-584A-4407-A4F1-B9D04D6B6310}">
@@ -9362,8 +9722,8 @@
       </dsp:nvSpPr>
       <dsp:spPr>
         <a:xfrm>
-          <a:off x="0" y="3604153"/>
-          <a:ext cx="7978391" cy="1461600"/>
+          <a:off x="0" y="3613648"/>
+          <a:ext cx="7978391" cy="1389150"/>
         </a:xfrm>
         <a:prstGeom prst="rect">
           <a:avLst/>
@@ -9380,7 +9740,7 @@
         <a:ln w="9525" cap="flat" cmpd="sng" algn="ctr">
           <a:solidFill>
             <a:schemeClr val="accent3">
-              <a:hueOff val="-10270650"/>
+              <a:hueOff val="-10270651"/>
               <a:satOff val="87217"/>
               <a:lumOff val="13922"/>
               <a:alphaOff val="0"/>
@@ -9403,7 +9763,7 @@
         <a:fontRef idx="minor"/>
       </dsp:style>
       <dsp:txBody>
-        <a:bodyPr spcFirstLastPara="0" vert="horz" wrap="square" lIns="619212" tIns="333248" rIns="619212" bIns="99568" numCol="1" spcCol="1270" anchor="t" anchorCtr="0">
+        <a:bodyPr spcFirstLastPara="0" vert="horz" wrap="square" lIns="619212" tIns="291592" rIns="619212" bIns="99568" numCol="1" spcCol="1270" anchor="t" anchorCtr="0">
           <a:noAutofit/>
         </a:bodyPr>
         <a:lstStyle/>
@@ -9418,7 +9778,7 @@
             <a:spcAft>
               <a:spcPct val="15000"/>
             </a:spcAft>
-            <a:buChar char="•"/>
+            <a:buChar char="••"/>
           </a:pPr>
           <a:r>
             <a:rPr lang="en-US" sz="1400" b="1" kern="1200" dirty="0">
@@ -9428,6 +9788,15 @@
               <a:latin typeface="+mn-lt"/>
             </a:rPr>
             <a:t>Scope</a:t>
+          </a:r>
+          <a:r>
+            <a:rPr lang="en-US" sz="1400" b="0" kern="1200" dirty="0">
+              <a:solidFill>
+                <a:schemeClr val="bg1"/>
+              </a:solidFill>
+              <a:latin typeface="+mn-lt"/>
+            </a:rPr>
+            <a:t/>
           </a:r>
           <a:br>
             <a:rPr lang="en-US" sz="1400" b="0" kern="1200" dirty="0">
@@ -9472,7 +9841,7 @@
             <a:spcAft>
               <a:spcPct val="15000"/>
             </a:spcAft>
-            <a:buChar char="•"/>
+            <a:buChar char="••"/>
           </a:pPr>
           <a:r>
             <a:rPr lang="en-US" sz="1400" b="1" kern="1200" dirty="0">
@@ -9541,8 +9910,8 @@
         </a:p>
       </dsp:txBody>
       <dsp:txXfrm>
-        <a:off x="0" y="3604153"/>
-        <a:ext cx="7978391" cy="1461600"/>
+        <a:off x="0" y="3613648"/>
+        <a:ext cx="7978391" cy="1389150"/>
       </dsp:txXfrm>
     </dsp:sp>
     <dsp:sp modelId="{BF7C1B19-EA0E-4207-8976-F1AD8E92E433}">
@@ -9552,8 +9921,8 @@
       </dsp:nvSpPr>
       <dsp:spPr>
         <a:xfrm>
-          <a:off x="398919" y="3367993"/>
-          <a:ext cx="5584873" cy="472320"/>
+          <a:off x="398919" y="3407008"/>
+          <a:ext cx="5584873" cy="413280"/>
         </a:xfrm>
         <a:prstGeom prst="roundRect">
           <a:avLst/>
@@ -9562,7 +9931,7 @@
           <a:gsLst>
             <a:gs pos="0">
               <a:schemeClr val="accent3">
-                <a:hueOff val="-10270650"/>
+                <a:hueOff val="-10270651"/>
                 <a:satOff val="87217"/>
                 <a:lumOff val="13922"/>
                 <a:alphaOff val="0"/>
@@ -9572,7 +9941,7 @@
             </a:gs>
             <a:gs pos="80000">
               <a:schemeClr val="accent3">
-                <a:hueOff val="-10270650"/>
+                <a:hueOff val="-10270651"/>
                 <a:satOff val="87217"/>
                 <a:lumOff val="13922"/>
                 <a:alphaOff val="0"/>
@@ -9582,7 +9951,7 @@
             </a:gs>
             <a:gs pos="100000">
               <a:schemeClr val="accent3">
-                <a:hueOff val="-10270650"/>
+                <a:hueOff val="-10270651"/>
                 <a:satOff val="87217"/>
                 <a:lumOff val="13922"/>
                 <a:alphaOff val="0"/>
@@ -9624,7 +9993,7 @@
         </a:bodyPr>
         <a:lstStyle/>
         <a:p>
-          <a:pPr marL="0" lvl="0" indent="0" algn="l" defTabSz="622300">
+          <a:pPr lvl="0" algn="l" defTabSz="622300">
             <a:lnSpc>
               <a:spcPct val="90000"/>
             </a:lnSpc>
@@ -9634,7 +10003,6 @@
             <a:spcAft>
               <a:spcPct val="35000"/>
             </a:spcAft>
-            <a:buNone/>
           </a:pPr>
           <a:r>
             <a:rPr lang="en-US" sz="1400" kern="1200" dirty="0">
@@ -9647,8 +10015,8 @@
         </a:p>
       </dsp:txBody>
       <dsp:txXfrm>
-        <a:off x="421976" y="3391050"/>
-        <a:ext cx="5538759" cy="426206"/>
+        <a:off x="419094" y="3427183"/>
+        <a:ext cx="5544523" cy="372930"/>
       </dsp:txXfrm>
     </dsp:sp>
   </dsp:spTree>
@@ -14958,7 +15326,7 @@
             <a:fld id="{B4B40DF5-17F0-43C5-A7AE-65A758E8AB63}" type="datetimeFigureOut">
               <a:rPr lang="nl-NL" smtClean="0"/>
               <a:pPr/>
-              <a:t>5-5-2021</a:t>
+              <a:t>5/12/21</a:t>
             </a:fld>
             <a:endParaRPr lang="nl-NL"/>
           </a:p>
@@ -15124,7 +15492,7 @@
           <a:p>
             <a:fld id="{A93D6BD4-2A44-460F-8349-CDAFC499EC45}" type="datetimeFigureOut">
               <a:rPr lang="en-US" smtClean="0"/>
-              <a:t>5/5/2021</a:t>
+              <a:t>5/12/21</a:t>
             </a:fld>
             <a:endParaRPr lang="en-US"/>
           </a:p>
@@ -17893,6 +18261,10 @@
               </a:rPr>
               <a:t>zruvalca@sdccd.edu</a:t>
             </a:r>
+            <a:r>
+              <a:rPr lang="en-US" sz="1800" dirty="0"/>
+              <a:t/>
+            </a:r>
             <a:br>
               <a:rPr lang="en-US" sz="1800" dirty="0"/>
             </a:br>
@@ -18277,7 +18649,7 @@
           <p:cNvPr id="7" name="TextBox 6">
             <a:extLst>
               <a:ext uri="{FF2B5EF4-FFF2-40B4-BE49-F238E27FC236}">
-                <a16:creationId xmlns:a16="http://schemas.microsoft.com/office/drawing/2014/main" id="{50270DBD-F712-4DD7-8FD1-EBBAEA562E74}"/>
+                <a16:creationId xmlns:a16="http://schemas.microsoft.com/office/drawing/2014/main" xmlns="" id="{50270DBD-F712-4DD7-8FD1-EBBAEA562E74}"/>
               </a:ext>
             </a:extLst>
           </p:cNvPr>
@@ -18712,8 +19084,13 @@
             </a:r>
             <a:r>
               <a:rPr lang="en-US" sz="1600" dirty="0"/>
-              <a:t>		The ability to call the same method on different objects and have each of them respond in their own way.</a:t>
-            </a:r>
+              <a:t>		The ability to call the same method on different objects and have each of them respond in their own way</a:t>
+            </a:r>
+            <a:r>
+              <a:rPr lang="en-US" sz="1600" dirty="0" smtClean="0"/>
+              <a:t>. Example: speak method for Animal class. But when Dog class calls speak method it returns a bark. When Cat class calls speak method it returns meow.</a:t>
+            </a:r>
+            <a:endParaRPr lang="en-US" sz="1600" dirty="0"/>
           </a:p>
         </p:txBody>
       </p:sp>
@@ -18914,7 +19291,7 @@
           <p:cNvPr id="4" name="Picture 3" descr="Shape&#10;&#10;Description automatically generated with low confidence">
             <a:extLst>
               <a:ext uri="{FF2B5EF4-FFF2-40B4-BE49-F238E27FC236}">
-                <a16:creationId xmlns:a16="http://schemas.microsoft.com/office/drawing/2014/main" id="{DF06BA3E-500B-411D-878F-C242D0B0504E}"/>
+                <a16:creationId xmlns:a16="http://schemas.microsoft.com/office/drawing/2014/main" xmlns="" id="{DF06BA3E-500B-411D-878F-C242D0B0504E}"/>
               </a:ext>
             </a:extLst>
           </p:cNvPr>
@@ -18959,7 +19336,7 @@
           <p:cNvPr id="9" name="TextBox 8">
             <a:extLst>
               <a:ext uri="{FF2B5EF4-FFF2-40B4-BE49-F238E27FC236}">
-                <a16:creationId xmlns:a16="http://schemas.microsoft.com/office/drawing/2014/main" id="{510E6393-67F7-4373-886F-FA8E7F2684F6}"/>
+                <a16:creationId xmlns:a16="http://schemas.microsoft.com/office/drawing/2014/main" xmlns="" id="{510E6393-67F7-4373-886F-FA8E7F2684F6}"/>
               </a:ext>
             </a:extLst>
           </p:cNvPr>
@@ -19071,6 +19448,10 @@
               <a:rPr lang="en-US" sz="1600" b="1" dirty="0"/>
               <a:t>ES5</a:t>
             </a:r>
+            <a:r>
+              <a:rPr lang="en-US" sz="1600" dirty="0"/>
+              <a:t/>
+            </a:r>
             <a:br>
               <a:rPr lang="en-US" sz="1600" dirty="0"/>
             </a:br>
@@ -19110,6 +19491,13 @@
               </a:rPr>
               <a:t>Anonymous Class</a:t>
             </a:r>
+            <a:r>
+              <a:rPr lang="en-US" sz="1600" dirty="0">
+                <a:latin typeface="Courier New" panose="02070309020205020404" pitchFamily="49" charset="0"/>
+                <a:cs typeface="Courier New" panose="02070309020205020404" pitchFamily="49" charset="0"/>
+              </a:rPr>
+              <a:t/>
+            </a:r>
             <a:br>
               <a:rPr lang="en-US" sz="1600" dirty="0">
                 <a:latin typeface="Courier New" panose="02070309020205020404" pitchFamily="49" charset="0"/>
@@ -19147,7 +19535,19 @@
             </a:r>
             <a:r>
               <a:rPr lang="en-US" sz="1600" i="1" dirty="0"/>
-              <a:t>. More on this keyword later.</a:t>
+              <a:t>. More on this keyword later</a:t>
+            </a:r>
+            <a:r>
+              <a:rPr lang="en-US" sz="1600" i="1" dirty="0" smtClean="0"/>
+              <a:t>. </a:t>
+            </a:r>
+            <a:r>
+              <a:rPr lang="en-US" sz="1600" b="1" i="1" dirty="0" smtClean="0"/>
+              <a:t>this </a:t>
+            </a:r>
+            <a:r>
+              <a:rPr lang="en-US" sz="1600" i="1" dirty="0" smtClean="0"/>
+              <a:t>keyword is important because that’s how you create Properties.</a:t>
             </a:r>
             <a:endParaRPr lang="en-US" sz="1600" dirty="0">
               <a:latin typeface="Courier New" panose="02070309020205020404" pitchFamily="49" charset="0"/>
@@ -19240,7 +19640,7 @@
           <p:cNvPr id="6" name="TextBox 5">
             <a:extLst>
               <a:ext uri="{FF2B5EF4-FFF2-40B4-BE49-F238E27FC236}">
-                <a16:creationId xmlns:a16="http://schemas.microsoft.com/office/drawing/2014/main" id="{F7AD7A7D-0447-4AAC-AA3C-D4D92D7BA9E8}"/>
+                <a16:creationId xmlns:a16="http://schemas.microsoft.com/office/drawing/2014/main" xmlns="" id="{F7AD7A7D-0447-4AAC-AA3C-D4D92D7BA9E8}"/>
               </a:ext>
             </a:extLst>
           </p:cNvPr>
@@ -19390,8 +19790,13 @@
             </a:pPr>
             <a:r>
               <a:rPr lang="en-US" sz="1600" dirty="0"/>
-              <a:t>JavaScript does not currently support namespaces like other programming languages do. This is just an OOP concept that you should know.</a:t>
-            </a:r>
+              <a:t>JavaScript does not currently support namespaces like other programming languages do. This is just an OOP concept that you should know</a:t>
+            </a:r>
+            <a:r>
+              <a:rPr lang="en-US" sz="1600" dirty="0" smtClean="0"/>
+              <a:t>. </a:t>
+            </a:r>
+            <a:endParaRPr lang="en-US" sz="1600" dirty="0"/>
           </a:p>
         </p:txBody>
       </p:sp>
@@ -19422,7 +19827,7 @@
           <p:cNvPr id="6" name="Picture 5" descr="Shape&#10;&#10;Description automatically generated with low confidence">
             <a:extLst>
               <a:ext uri="{FF2B5EF4-FFF2-40B4-BE49-F238E27FC236}">
-                <a16:creationId xmlns:a16="http://schemas.microsoft.com/office/drawing/2014/main" id="{6C6ED706-EB8C-48BA-A839-0A7FA5FB825B}"/>
+                <a16:creationId xmlns:a16="http://schemas.microsoft.com/office/drawing/2014/main" xmlns="" id="{6C6ED706-EB8C-48BA-A839-0A7FA5FB825B}"/>
               </a:ext>
             </a:extLst>
           </p:cNvPr>
@@ -19467,7 +19872,7 @@
           <p:cNvPr id="8" name="Picture 7" descr="Shape&#10;&#10;Description automatically generated with low confidence">
             <a:extLst>
               <a:ext uri="{FF2B5EF4-FFF2-40B4-BE49-F238E27FC236}">
-                <a16:creationId xmlns:a16="http://schemas.microsoft.com/office/drawing/2014/main" id="{3722F618-0C79-4EF7-9392-9CF8C3E2EE75}"/>
+                <a16:creationId xmlns:a16="http://schemas.microsoft.com/office/drawing/2014/main" xmlns="" id="{3722F618-0C79-4EF7-9392-9CF8C3E2EE75}"/>
               </a:ext>
             </a:extLst>
           </p:cNvPr>
@@ -19512,7 +19917,7 @@
           <p:cNvPr id="9" name="TextBox 8">
             <a:extLst>
               <a:ext uri="{FF2B5EF4-FFF2-40B4-BE49-F238E27FC236}">
-                <a16:creationId xmlns:a16="http://schemas.microsoft.com/office/drawing/2014/main" id="{8EFC9739-34B1-4D15-BB09-C99343243B5F}"/>
+                <a16:creationId xmlns:a16="http://schemas.microsoft.com/office/drawing/2014/main" xmlns="" id="{8EFC9739-34B1-4D15-BB09-C99343243B5F}"/>
               </a:ext>
             </a:extLst>
           </p:cNvPr>
@@ -19547,7 +19952,7 @@
           <p:cNvPr id="10" name="TextBox 9">
             <a:extLst>
               <a:ext uri="{FF2B5EF4-FFF2-40B4-BE49-F238E27FC236}">
-                <a16:creationId xmlns:a16="http://schemas.microsoft.com/office/drawing/2014/main" id="{6B57EE7B-8262-4E59-8C2D-8918D200AA5A}"/>
+                <a16:creationId xmlns:a16="http://schemas.microsoft.com/office/drawing/2014/main" xmlns="" id="{6B57EE7B-8262-4E59-8C2D-8918D200AA5A}"/>
               </a:ext>
             </a:extLst>
           </p:cNvPr>
@@ -19582,7 +19987,7 @@
           <p:cNvPr id="3" name="Oval 2">
             <a:extLst>
               <a:ext uri="{FF2B5EF4-FFF2-40B4-BE49-F238E27FC236}">
-                <a16:creationId xmlns:a16="http://schemas.microsoft.com/office/drawing/2014/main" id="{0EC9BFAC-11C9-4289-BF2C-F859803B68DF}"/>
+                <a16:creationId xmlns:a16="http://schemas.microsoft.com/office/drawing/2014/main" xmlns="" id="{0EC9BFAC-11C9-4289-BF2C-F859803B68DF}"/>
               </a:ext>
             </a:extLst>
           </p:cNvPr>
@@ -19641,7 +20046,7 @@
           <p:cNvPr id="11" name="TextBox 10">
             <a:extLst>
               <a:ext uri="{FF2B5EF4-FFF2-40B4-BE49-F238E27FC236}">
-                <a16:creationId xmlns:a16="http://schemas.microsoft.com/office/drawing/2014/main" id="{FF856D92-A744-400A-BA77-88DF9FBB15B2}"/>
+                <a16:creationId xmlns:a16="http://schemas.microsoft.com/office/drawing/2014/main" xmlns="" id="{FF856D92-A744-400A-BA77-88DF9FBB15B2}"/>
               </a:ext>
             </a:extLst>
           </p:cNvPr>
@@ -19881,7 +20286,7 @@
           <p:cNvPr id="9" name="Picture 8" descr="Shape&#10;&#10;Description automatically generated with low confidence">
             <a:extLst>
               <a:ext uri="{FF2B5EF4-FFF2-40B4-BE49-F238E27FC236}">
-                <a16:creationId xmlns:a16="http://schemas.microsoft.com/office/drawing/2014/main" id="{0073A0B9-6F8D-4CAD-92FB-5D2C675F5D6D}"/>
+                <a16:creationId xmlns:a16="http://schemas.microsoft.com/office/drawing/2014/main" xmlns="" id="{0073A0B9-6F8D-4CAD-92FB-5D2C675F5D6D}"/>
               </a:ext>
             </a:extLst>
           </p:cNvPr>
@@ -19926,7 +20331,7 @@
           <p:cNvPr id="11" name="Picture 10" descr="Shape&#10;&#10;Description automatically generated with low confidence">
             <a:extLst>
               <a:ext uri="{FF2B5EF4-FFF2-40B4-BE49-F238E27FC236}">
-                <a16:creationId xmlns:a16="http://schemas.microsoft.com/office/drawing/2014/main" id="{F3FE8B1D-64C6-4BA4-89D7-BA0BA6424D7D}"/>
+                <a16:creationId xmlns:a16="http://schemas.microsoft.com/office/drawing/2014/main" xmlns="" id="{F3FE8B1D-64C6-4BA4-89D7-BA0BA6424D7D}"/>
               </a:ext>
             </a:extLst>
           </p:cNvPr>
@@ -19971,7 +20376,7 @@
           <p:cNvPr id="12" name="Picture 11" descr="Shape&#10;&#10;Description automatically generated with low confidence">
             <a:extLst>
               <a:ext uri="{FF2B5EF4-FFF2-40B4-BE49-F238E27FC236}">
-                <a16:creationId xmlns:a16="http://schemas.microsoft.com/office/drawing/2014/main" id="{CACB0771-7729-45E5-B029-6CF958C242FA}"/>
+                <a16:creationId xmlns:a16="http://schemas.microsoft.com/office/drawing/2014/main" xmlns="" id="{CACB0771-7729-45E5-B029-6CF958C242FA}"/>
               </a:ext>
             </a:extLst>
           </p:cNvPr>
@@ -20144,7 +20549,7 @@
           <p:cNvPr id="6" name="Picture 5" descr="Shape&#10;&#10;Description automatically generated with low confidence">
             <a:extLst>
               <a:ext uri="{FF2B5EF4-FFF2-40B4-BE49-F238E27FC236}">
-                <a16:creationId xmlns:a16="http://schemas.microsoft.com/office/drawing/2014/main" id="{394153D4-A8FF-4652-9635-4D02B74A0B99}"/>
+                <a16:creationId xmlns:a16="http://schemas.microsoft.com/office/drawing/2014/main" xmlns="" id="{394153D4-A8FF-4652-9635-4D02B74A0B99}"/>
               </a:ext>
             </a:extLst>
           </p:cNvPr>
@@ -20189,7 +20594,7 @@
           <p:cNvPr id="8" name="TextBox 7">
             <a:extLst>
               <a:ext uri="{FF2B5EF4-FFF2-40B4-BE49-F238E27FC236}">
-                <a16:creationId xmlns:a16="http://schemas.microsoft.com/office/drawing/2014/main" id="{D9DBC4AA-836D-48E8-A4DD-421BAC190557}"/>
+                <a16:creationId xmlns:a16="http://schemas.microsoft.com/office/drawing/2014/main" xmlns="" id="{D9DBC4AA-836D-48E8-A4DD-421BAC190557}"/>
               </a:ext>
             </a:extLst>
           </p:cNvPr>
@@ -20224,7 +20629,7 @@
           <p:cNvPr id="18" name="Connector: Curved 17">
             <a:extLst>
               <a:ext uri="{FF2B5EF4-FFF2-40B4-BE49-F238E27FC236}">
-                <a16:creationId xmlns:a16="http://schemas.microsoft.com/office/drawing/2014/main" id="{E729CB75-3F0D-42F1-9BD9-E47CE6E2B42D}"/>
+                <a16:creationId xmlns:a16="http://schemas.microsoft.com/office/drawing/2014/main" xmlns="" id="{E729CB75-3F0D-42F1-9BD9-E47CE6E2B42D}"/>
               </a:ext>
             </a:extLst>
           </p:cNvPr>
@@ -20263,7 +20668,7 @@
           <p:cNvPr id="20" name="Connector: Curved 19">
             <a:extLst>
               <a:ext uri="{FF2B5EF4-FFF2-40B4-BE49-F238E27FC236}">
-                <a16:creationId xmlns:a16="http://schemas.microsoft.com/office/drawing/2014/main" id="{3F9C19CD-CD90-468A-973C-A343BB1ACDEA}"/>
+                <a16:creationId xmlns:a16="http://schemas.microsoft.com/office/drawing/2014/main" xmlns="" id="{3F9C19CD-CD90-468A-973C-A343BB1ACDEA}"/>
               </a:ext>
             </a:extLst>
           </p:cNvPr>
@@ -20304,7 +20709,7 @@
           <p:cNvPr id="25" name="Connector: Elbow 24">
             <a:extLst>
               <a:ext uri="{FF2B5EF4-FFF2-40B4-BE49-F238E27FC236}">
-                <a16:creationId xmlns:a16="http://schemas.microsoft.com/office/drawing/2014/main" id="{5D60E113-4CC7-42F7-8FE5-F8A4E53612A3}"/>
+                <a16:creationId xmlns:a16="http://schemas.microsoft.com/office/drawing/2014/main" xmlns="" id="{5D60E113-4CC7-42F7-8FE5-F8A4E53612A3}"/>
               </a:ext>
             </a:extLst>
           </p:cNvPr>
@@ -20355,7 +20760,7 @@
           <p:cNvPr id="33" name="Connector: Elbow 24">
             <a:extLst>
               <a:ext uri="{FF2B5EF4-FFF2-40B4-BE49-F238E27FC236}">
-                <a16:creationId xmlns:a16="http://schemas.microsoft.com/office/drawing/2014/main" id="{175845E9-9245-49C8-B647-2FA4395FCA1F}"/>
+                <a16:creationId xmlns:a16="http://schemas.microsoft.com/office/drawing/2014/main" xmlns="" id="{175845E9-9245-49C8-B647-2FA4395FCA1F}"/>
               </a:ext>
             </a:extLst>
           </p:cNvPr>
@@ -20406,7 +20811,7 @@
           <p:cNvPr id="36" name="Connector: Elbow 24">
             <a:extLst>
               <a:ext uri="{FF2B5EF4-FFF2-40B4-BE49-F238E27FC236}">
-                <a16:creationId xmlns:a16="http://schemas.microsoft.com/office/drawing/2014/main" id="{9FEFF732-FB1F-4D61-8656-0E6515D3FF5A}"/>
+                <a16:creationId xmlns:a16="http://schemas.microsoft.com/office/drawing/2014/main" xmlns="" id="{9FEFF732-FB1F-4D61-8656-0E6515D3FF5A}"/>
               </a:ext>
             </a:extLst>
           </p:cNvPr>
@@ -20457,7 +20862,7 @@
           <p:cNvPr id="27" name="Connector: Elbow 26">
             <a:extLst>
               <a:ext uri="{FF2B5EF4-FFF2-40B4-BE49-F238E27FC236}">
-                <a16:creationId xmlns:a16="http://schemas.microsoft.com/office/drawing/2014/main" id="{31EE10D2-61E5-4688-869C-A476FC1825E9}"/>
+                <a16:creationId xmlns:a16="http://schemas.microsoft.com/office/drawing/2014/main" xmlns="" id="{31EE10D2-61E5-4688-869C-A476FC1825E9}"/>
               </a:ext>
             </a:extLst>
           </p:cNvPr>
@@ -20502,7 +20907,7 @@
           <p:cNvPr id="39" name="TextBox 38">
             <a:extLst>
               <a:ext uri="{FF2B5EF4-FFF2-40B4-BE49-F238E27FC236}">
-                <a16:creationId xmlns:a16="http://schemas.microsoft.com/office/drawing/2014/main" id="{85706773-91C4-4EBC-9867-27D0B87C76B4}"/>
+                <a16:creationId xmlns:a16="http://schemas.microsoft.com/office/drawing/2014/main" xmlns="" id="{85706773-91C4-4EBC-9867-27D0B87C76B4}"/>
               </a:ext>
             </a:extLst>
           </p:cNvPr>
@@ -20539,7 +20944,7 @@
           <p:cNvPr id="41" name="TextBox 40">
             <a:extLst>
               <a:ext uri="{FF2B5EF4-FFF2-40B4-BE49-F238E27FC236}">
-                <a16:creationId xmlns:a16="http://schemas.microsoft.com/office/drawing/2014/main" id="{40776011-BB25-470D-84E5-86D697896D18}"/>
+                <a16:creationId xmlns:a16="http://schemas.microsoft.com/office/drawing/2014/main" xmlns="" id="{40776011-BB25-470D-84E5-86D697896D18}"/>
               </a:ext>
             </a:extLst>
           </p:cNvPr>
@@ -20576,7 +20981,7 @@
           <p:cNvPr id="42" name="TextBox 41">
             <a:extLst>
               <a:ext uri="{FF2B5EF4-FFF2-40B4-BE49-F238E27FC236}">
-                <a16:creationId xmlns:a16="http://schemas.microsoft.com/office/drawing/2014/main" id="{E0D6A98A-E434-49F2-B853-AA1D2481C810}"/>
+                <a16:creationId xmlns:a16="http://schemas.microsoft.com/office/drawing/2014/main" xmlns="" id="{E0D6A98A-E434-49F2-B853-AA1D2481C810}"/>
               </a:ext>
             </a:extLst>
           </p:cNvPr>
@@ -20751,6 +21156,13 @@
                 <a:cs typeface="Courier New" panose="02070309020205020404" pitchFamily="49" charset="0"/>
               </a:rPr>
             </a:br>
+            <a:r>
+              <a:rPr lang="en-US" sz="1400" dirty="0">
+                <a:latin typeface="Courier New" panose="02070309020205020404" pitchFamily="49" charset="0"/>
+                <a:cs typeface="Courier New" panose="02070309020205020404" pitchFamily="49" charset="0"/>
+              </a:rPr>
+              <a:t/>
+            </a:r>
             <a:br>
               <a:rPr lang="en-US" sz="1400" dirty="0">
                 <a:latin typeface="Courier New" panose="02070309020205020404" pitchFamily="49" charset="0"/>
@@ -20770,6 +21182,13 @@
                 <a:cs typeface="Courier New" panose="02070309020205020404" pitchFamily="49" charset="0"/>
               </a:rPr>
               <a:t>// Unique instance of the Cat class</a:t>
+            </a:r>
+            <a:r>
+              <a:rPr lang="en-US" sz="1400" b="1" dirty="0">
+                <a:latin typeface="Courier New" panose="02070309020205020404" pitchFamily="49" charset="0"/>
+                <a:cs typeface="Courier New" panose="02070309020205020404" pitchFamily="49" charset="0"/>
+              </a:rPr>
+              <a:t/>
             </a:r>
             <a:br>
               <a:rPr lang="en-US" sz="1400" b="1" dirty="0">
@@ -21012,7 +21431,7 @@
           <p:cNvPr id="17" name="Picture 16" descr="Shape&#10;&#10;Description automatically generated with low confidence">
             <a:extLst>
               <a:ext uri="{FF2B5EF4-FFF2-40B4-BE49-F238E27FC236}">
-                <a16:creationId xmlns:a16="http://schemas.microsoft.com/office/drawing/2014/main" id="{7D1FA233-86EB-4FB9-9F1B-FCA9C914E619}"/>
+                <a16:creationId xmlns:a16="http://schemas.microsoft.com/office/drawing/2014/main" xmlns="" id="{7D1FA233-86EB-4FB9-9F1B-FCA9C914E619}"/>
               </a:ext>
             </a:extLst>
           </p:cNvPr>
@@ -21057,7 +21476,7 @@
           <p:cNvPr id="18" name="Picture 17" descr="Shape&#10;&#10;Description automatically generated with low confidence">
             <a:extLst>
               <a:ext uri="{FF2B5EF4-FFF2-40B4-BE49-F238E27FC236}">
-                <a16:creationId xmlns:a16="http://schemas.microsoft.com/office/drawing/2014/main" id="{8C2B4B8C-686C-47A2-8B17-F8229DA15837}"/>
+                <a16:creationId xmlns:a16="http://schemas.microsoft.com/office/drawing/2014/main" xmlns="" id="{8C2B4B8C-686C-47A2-8B17-F8229DA15837}"/>
               </a:ext>
             </a:extLst>
           </p:cNvPr>
@@ -21102,7 +21521,7 @@
           <p:cNvPr id="19" name="Picture 18" descr="Shape&#10;&#10;Description automatically generated with low confidence">
             <a:extLst>
               <a:ext uri="{FF2B5EF4-FFF2-40B4-BE49-F238E27FC236}">
-                <a16:creationId xmlns:a16="http://schemas.microsoft.com/office/drawing/2014/main" id="{D3778D55-2FCD-4171-A012-4CCCF2969C0B}"/>
+                <a16:creationId xmlns:a16="http://schemas.microsoft.com/office/drawing/2014/main" xmlns="" id="{D3778D55-2FCD-4171-A012-4CCCF2969C0B}"/>
               </a:ext>
             </a:extLst>
           </p:cNvPr>
@@ -21147,7 +21566,7 @@
           <p:cNvPr id="20" name="Picture 19" descr="Shape&#10;&#10;Description automatically generated with low confidence">
             <a:extLst>
               <a:ext uri="{FF2B5EF4-FFF2-40B4-BE49-F238E27FC236}">
-                <a16:creationId xmlns:a16="http://schemas.microsoft.com/office/drawing/2014/main" id="{85AB0558-C49E-4FDB-90CD-EB453EB85E22}"/>
+                <a16:creationId xmlns:a16="http://schemas.microsoft.com/office/drawing/2014/main" xmlns="" id="{85AB0558-C49E-4FDB-90CD-EB453EB85E22}"/>
               </a:ext>
             </a:extLst>
           </p:cNvPr>
@@ -21192,7 +21611,7 @@
           <p:cNvPr id="21" name="TextBox 20">
             <a:extLst>
               <a:ext uri="{FF2B5EF4-FFF2-40B4-BE49-F238E27FC236}">
-                <a16:creationId xmlns:a16="http://schemas.microsoft.com/office/drawing/2014/main" id="{A132DA61-B596-4EA2-93FC-5E12B4F66A06}"/>
+                <a16:creationId xmlns:a16="http://schemas.microsoft.com/office/drawing/2014/main" xmlns="" id="{A132DA61-B596-4EA2-93FC-5E12B4F66A06}"/>
               </a:ext>
             </a:extLst>
           </p:cNvPr>
@@ -21227,7 +21646,7 @@
           <p:cNvPr id="22" name="Connector: Curved 21">
             <a:extLst>
               <a:ext uri="{FF2B5EF4-FFF2-40B4-BE49-F238E27FC236}">
-                <a16:creationId xmlns:a16="http://schemas.microsoft.com/office/drawing/2014/main" id="{271E94BB-490A-40B2-9C55-03014E9DE341}"/>
+                <a16:creationId xmlns:a16="http://schemas.microsoft.com/office/drawing/2014/main" xmlns="" id="{271E94BB-490A-40B2-9C55-03014E9DE341}"/>
               </a:ext>
             </a:extLst>
           </p:cNvPr>
@@ -21266,7 +21685,7 @@
           <p:cNvPr id="23" name="Connector: Curved 22">
             <a:extLst>
               <a:ext uri="{FF2B5EF4-FFF2-40B4-BE49-F238E27FC236}">
-                <a16:creationId xmlns:a16="http://schemas.microsoft.com/office/drawing/2014/main" id="{7FC28326-7F01-44D5-9327-9D000CFEDD70}"/>
+                <a16:creationId xmlns:a16="http://schemas.microsoft.com/office/drawing/2014/main" xmlns="" id="{7FC28326-7F01-44D5-9327-9D000CFEDD70}"/>
               </a:ext>
             </a:extLst>
           </p:cNvPr>
@@ -21307,7 +21726,7 @@
           <p:cNvPr id="24" name="Connector: Elbow 24">
             <a:extLst>
               <a:ext uri="{FF2B5EF4-FFF2-40B4-BE49-F238E27FC236}">
-                <a16:creationId xmlns:a16="http://schemas.microsoft.com/office/drawing/2014/main" id="{0039542F-EF43-4360-AB38-D7F4E3C62F90}"/>
+                <a16:creationId xmlns:a16="http://schemas.microsoft.com/office/drawing/2014/main" xmlns="" id="{0039542F-EF43-4360-AB38-D7F4E3C62F90}"/>
               </a:ext>
             </a:extLst>
           </p:cNvPr>
@@ -21358,7 +21777,7 @@
           <p:cNvPr id="25" name="Connector: Elbow 24">
             <a:extLst>
               <a:ext uri="{FF2B5EF4-FFF2-40B4-BE49-F238E27FC236}">
-                <a16:creationId xmlns:a16="http://schemas.microsoft.com/office/drawing/2014/main" id="{B4C9D7AB-DD6C-47DE-8CEA-0A907CA3A6F4}"/>
+                <a16:creationId xmlns:a16="http://schemas.microsoft.com/office/drawing/2014/main" xmlns="" id="{B4C9D7AB-DD6C-47DE-8CEA-0A907CA3A6F4}"/>
               </a:ext>
             </a:extLst>
           </p:cNvPr>
@@ -21409,7 +21828,7 @@
           <p:cNvPr id="26" name="Connector: Elbow 24">
             <a:extLst>
               <a:ext uri="{FF2B5EF4-FFF2-40B4-BE49-F238E27FC236}">
-                <a16:creationId xmlns:a16="http://schemas.microsoft.com/office/drawing/2014/main" id="{76898831-B1C5-4A81-8AB1-DA71938D4979}"/>
+                <a16:creationId xmlns:a16="http://schemas.microsoft.com/office/drawing/2014/main" xmlns="" id="{76898831-B1C5-4A81-8AB1-DA71938D4979}"/>
               </a:ext>
             </a:extLst>
           </p:cNvPr>
@@ -21460,7 +21879,7 @@
           <p:cNvPr id="27" name="Connector: Elbow 26">
             <a:extLst>
               <a:ext uri="{FF2B5EF4-FFF2-40B4-BE49-F238E27FC236}">
-                <a16:creationId xmlns:a16="http://schemas.microsoft.com/office/drawing/2014/main" id="{2AB0CDA7-CB17-4CA3-8317-0E79CBA444B0}"/>
+                <a16:creationId xmlns:a16="http://schemas.microsoft.com/office/drawing/2014/main" xmlns="" id="{2AB0CDA7-CB17-4CA3-8317-0E79CBA444B0}"/>
               </a:ext>
             </a:extLst>
           </p:cNvPr>
@@ -21505,7 +21924,7 @@
           <p:cNvPr id="28" name="TextBox 27">
             <a:extLst>
               <a:ext uri="{FF2B5EF4-FFF2-40B4-BE49-F238E27FC236}">
-                <a16:creationId xmlns:a16="http://schemas.microsoft.com/office/drawing/2014/main" id="{CAA2549E-3DAD-4D14-A100-3551F7FF8C57}"/>
+                <a16:creationId xmlns:a16="http://schemas.microsoft.com/office/drawing/2014/main" xmlns="" id="{CAA2549E-3DAD-4D14-A100-3551F7FF8C57}"/>
               </a:ext>
             </a:extLst>
           </p:cNvPr>
@@ -21540,7 +21959,7 @@
           <p:cNvPr id="29" name="TextBox 28">
             <a:extLst>
               <a:ext uri="{FF2B5EF4-FFF2-40B4-BE49-F238E27FC236}">
-                <a16:creationId xmlns:a16="http://schemas.microsoft.com/office/drawing/2014/main" id="{9A4F378D-C569-4BA0-8DC4-677BF1E8893D}"/>
+                <a16:creationId xmlns:a16="http://schemas.microsoft.com/office/drawing/2014/main" xmlns="" id="{9A4F378D-C569-4BA0-8DC4-677BF1E8893D}"/>
               </a:ext>
             </a:extLst>
           </p:cNvPr>
@@ -21575,7 +21994,7 @@
           <p:cNvPr id="30" name="TextBox 29">
             <a:extLst>
               <a:ext uri="{FF2B5EF4-FFF2-40B4-BE49-F238E27FC236}">
-                <a16:creationId xmlns:a16="http://schemas.microsoft.com/office/drawing/2014/main" id="{CBC2F79A-9D21-4F6C-ACDA-DD769B34B39F}"/>
+                <a16:creationId xmlns:a16="http://schemas.microsoft.com/office/drawing/2014/main" xmlns="" id="{CBC2F79A-9D21-4F6C-ACDA-DD769B34B39F}"/>
               </a:ext>
             </a:extLst>
           </p:cNvPr>
@@ -21913,6 +22332,10 @@
               <a:rPr lang="en-US" sz="1600" b="1" dirty="0"/>
               <a:t>ES5</a:t>
             </a:r>
+            <a:r>
+              <a:rPr lang="en-US" sz="1400" dirty="0"/>
+              <a:t/>
+            </a:r>
             <a:br>
               <a:rPr lang="en-US" sz="1400" dirty="0"/>
             </a:br>
@@ -22019,7 +22442,38 @@
                 <a:latin typeface="Courier New" panose="02070309020205020404" pitchFamily="49" charset="0"/>
                 <a:cs typeface="Courier New" panose="02070309020205020404" pitchFamily="49" charset="0"/>
               </a:rPr>
-              <a:t>const cat1 = new Cat(); 				// Text is immediately displayed in console</a:t>
+              <a:t>const cat1 = new Cat(); 				// Text is immediately displayed in </a:t>
+            </a:r>
+            <a:r>
+              <a:rPr lang="en-US" sz="1400" dirty="0" smtClean="0">
+                <a:latin typeface="Courier New" panose="02070309020205020404" pitchFamily="49" charset="0"/>
+                <a:cs typeface="Courier New" panose="02070309020205020404" pitchFamily="49" charset="0"/>
+              </a:rPr>
+              <a:t>console</a:t>
+            </a:r>
+          </a:p>
+          <a:p>
+            <a:endParaRPr lang="en-US" sz="1400" i="1" dirty="0">
+              <a:latin typeface="Courier New" panose="02070309020205020404" pitchFamily="49" charset="0"/>
+              <a:cs typeface="Courier New" panose="02070309020205020404" pitchFamily="49" charset="0"/>
+            </a:endParaRPr>
+          </a:p>
+          <a:p>
+            <a:r>
+              <a:rPr lang="en-US" sz="1400" i="1" dirty="0" smtClean="0">
+                <a:latin typeface="Courier New" panose="02070309020205020404" pitchFamily="49" charset="0"/>
+                <a:cs typeface="Courier New" panose="02070309020205020404" pitchFamily="49" charset="0"/>
+              </a:rPr>
+              <a:t>Constructor is the body of the function.</a:t>
+            </a:r>
+          </a:p>
+          <a:p>
+            <a:r>
+              <a:rPr lang="en-US" sz="1400" i="1" dirty="0" smtClean="0">
+                <a:latin typeface="Courier New" panose="02070309020205020404" pitchFamily="49" charset="0"/>
+                <a:cs typeface="Courier New" panose="02070309020205020404" pitchFamily="49" charset="0"/>
+              </a:rPr>
+              <a:t>Constructor is typically used to set Properties, which then are used to do something via a method.</a:t>
             </a:r>
             <a:endParaRPr lang="en-US" sz="1400" i="1" dirty="0">
               <a:latin typeface="Courier New" panose="02070309020205020404" pitchFamily="49" charset="0"/>
@@ -22201,7 +22655,7 @@
           <p:cNvPr id="8" name="Picture 7" descr="Graphical user interface&#10;&#10;Description automatically generated">
             <a:extLst>
               <a:ext uri="{FF2B5EF4-FFF2-40B4-BE49-F238E27FC236}">
-                <a16:creationId xmlns:a16="http://schemas.microsoft.com/office/drawing/2014/main" id="{DCEC2FCF-A9A4-4DE3-AFAD-F6E01C55A66D}"/>
+                <a16:creationId xmlns:a16="http://schemas.microsoft.com/office/drawing/2014/main" xmlns="" id="{DCEC2FCF-A9A4-4DE3-AFAD-F6E01C55A66D}"/>
               </a:ext>
             </a:extLst>
           </p:cNvPr>
@@ -23003,7 +23457,7 @@
           <p:cNvPr id="4" name="Picture 3" descr="A picture containing text&#10;&#10;Description automatically generated">
             <a:extLst>
               <a:ext uri="{FF2B5EF4-FFF2-40B4-BE49-F238E27FC236}">
-                <a16:creationId xmlns:a16="http://schemas.microsoft.com/office/drawing/2014/main" id="{83EB48B4-D5DD-448B-962A-E3C45B63C996}"/>
+                <a16:creationId xmlns:a16="http://schemas.microsoft.com/office/drawing/2014/main" xmlns="" id="{83EB48B4-D5DD-448B-962A-E3C45B63C996}"/>
               </a:ext>
             </a:extLst>
           </p:cNvPr>
@@ -24140,7 +24594,7 @@
           <p:cNvPr id="10" name="Picture 9" descr="Diagram&#10;&#10;Description automatically generated">
             <a:extLst>
               <a:ext uri="{FF2B5EF4-FFF2-40B4-BE49-F238E27FC236}">
-                <a16:creationId xmlns:a16="http://schemas.microsoft.com/office/drawing/2014/main" id="{BBEC2595-FDAC-4275-A7E8-25C060D1BD89}"/>
+                <a16:creationId xmlns:a16="http://schemas.microsoft.com/office/drawing/2014/main" xmlns="" id="{BBEC2595-FDAC-4275-A7E8-25C060D1BD89}"/>
               </a:ext>
             </a:extLst>
           </p:cNvPr>
@@ -24440,6 +24894,13 @@
                 <a:cs typeface="Courier New" panose="02070309020205020404" pitchFamily="49" charset="0"/>
               </a:rPr>
             </a:br>
+            <a:r>
+              <a:rPr lang="en-US" sz="1400" dirty="0">
+                <a:latin typeface="Courier New" panose="02070309020205020404" pitchFamily="49" charset="0"/>
+                <a:cs typeface="Courier New" panose="02070309020205020404" pitchFamily="49" charset="0"/>
+              </a:rPr>
+              <a:t/>
+            </a:r>
             <a:br>
               <a:rPr lang="en-US" sz="1400" dirty="0">
                 <a:latin typeface="Courier New" panose="02070309020205020404" pitchFamily="49" charset="0"/>
@@ -25557,7 +26018,7 @@
           <p:cNvPr id="4" name="Picture 3" descr="Diagram&#10;&#10;Description automatically generated">
             <a:extLst>
               <a:ext uri="{FF2B5EF4-FFF2-40B4-BE49-F238E27FC236}">
-                <a16:creationId xmlns:a16="http://schemas.microsoft.com/office/drawing/2014/main" id="{5F30445B-6F5E-4C70-A3EA-AFD2BAEBD8BF}"/>
+                <a16:creationId xmlns:a16="http://schemas.microsoft.com/office/drawing/2014/main" xmlns="" id="{5F30445B-6F5E-4C70-A3EA-AFD2BAEBD8BF}"/>
               </a:ext>
             </a:extLst>
           </p:cNvPr>
@@ -25976,7 +26437,7 @@
           <p:cNvPr id="10" name="Picture 9" descr="Diagram&#10;&#10;Description automatically generated">
             <a:extLst>
               <a:ext uri="{FF2B5EF4-FFF2-40B4-BE49-F238E27FC236}">
-                <a16:creationId xmlns:a16="http://schemas.microsoft.com/office/drawing/2014/main" id="{B7F3F8AF-7305-4D11-825A-3DA8DA88498D}"/>
+                <a16:creationId xmlns:a16="http://schemas.microsoft.com/office/drawing/2014/main" xmlns="" id="{B7F3F8AF-7305-4D11-825A-3DA8DA88498D}"/>
               </a:ext>
             </a:extLst>
           </p:cNvPr>
@@ -26301,7 +26762,20 @@
             </a:r>
           </a:p>
           <a:p>
-            <a:endParaRPr lang="en-US" sz="1400" dirty="0">
+            <a:r>
+              <a:rPr lang="en-US" sz="1000" dirty="0" smtClean="0">
+                <a:solidFill>
+                  <a:srgbClr val="FFFF00"/>
+                </a:solidFill>
+                <a:latin typeface="Courier New" panose="02070309020205020404" pitchFamily="49" charset="0"/>
+                <a:cs typeface="Courier New" panose="02070309020205020404" pitchFamily="49" charset="0"/>
+              </a:rPr>
+              <a:t>Note: because .doors is not a defined property of the Vehicle class, .doors will not be available for Vehicle objects. It’s put in here solely for the use of the inheriting Car object which has a .doors property.</a:t>
+            </a:r>
+            <a:endParaRPr lang="en-US" sz="1000" dirty="0">
+              <a:solidFill>
+                <a:srgbClr val="FFFF00"/>
+              </a:solidFill>
               <a:latin typeface="Courier New" panose="02070309020205020404" pitchFamily="49" charset="0"/>
               <a:cs typeface="Courier New" panose="02070309020205020404" pitchFamily="49" charset="0"/>
             </a:endParaRPr>
@@ -26462,12 +26936,26 @@
               </a:rPr>
               <a:t>'The Car class extends the Vehicle class' or 'the Car class inherits from the Vehicle class'</a:t>
             </a:r>
+            <a:r>
+              <a:rPr lang="en-US" sz="1600" dirty="0">
+                <a:latin typeface="Courier New" panose="02070309020205020404" pitchFamily="49" charset="0"/>
+                <a:cs typeface="Courier New" panose="02070309020205020404" pitchFamily="49" charset="0"/>
+              </a:rPr>
+              <a:t/>
+            </a:r>
             <a:br>
               <a:rPr lang="en-US" sz="1600" dirty="0">
                 <a:latin typeface="Courier New" panose="02070309020205020404" pitchFamily="49" charset="0"/>
                 <a:cs typeface="Courier New" panose="02070309020205020404" pitchFamily="49" charset="0"/>
               </a:rPr>
             </a:br>
+            <a:r>
+              <a:rPr lang="en-US" sz="1600" dirty="0">
+                <a:latin typeface="Courier New" panose="02070309020205020404" pitchFamily="49" charset="0"/>
+                <a:cs typeface="Courier New" panose="02070309020205020404" pitchFamily="49" charset="0"/>
+              </a:rPr>
+              <a:t/>
+            </a:r>
             <a:br>
               <a:rPr lang="en-US" sz="1600" dirty="0">
                 <a:latin typeface="Courier New" panose="02070309020205020404" pitchFamily="49" charset="0"/>
@@ -26488,12 +26976,26 @@
               </a:rPr>
               <a:t> = new Vehicle('Chevy', 'Camaro');</a:t>
             </a:r>
+            <a:r>
+              <a:rPr lang="en-US" sz="1600" b="1" dirty="0">
+                <a:latin typeface="Courier New" panose="02070309020205020404" pitchFamily="49" charset="0"/>
+                <a:cs typeface="Courier New" panose="02070309020205020404" pitchFamily="49" charset="0"/>
+              </a:rPr>
+              <a:t/>
+            </a:r>
             <a:br>
               <a:rPr lang="en-US" sz="1600" b="1" dirty="0">
                 <a:latin typeface="Courier New" panose="02070309020205020404" pitchFamily="49" charset="0"/>
                 <a:cs typeface="Courier New" panose="02070309020205020404" pitchFamily="49" charset="0"/>
               </a:rPr>
             </a:br>
+            <a:r>
+              <a:rPr lang="en-US" sz="1600" b="1" dirty="0">
+                <a:latin typeface="Courier New" panose="02070309020205020404" pitchFamily="49" charset="0"/>
+                <a:cs typeface="Courier New" panose="02070309020205020404" pitchFamily="49" charset="0"/>
+              </a:rPr>
+              <a:t/>
+            </a:r>
             <a:br>
               <a:rPr lang="en-US" sz="1600" b="1" dirty="0">
                 <a:latin typeface="Courier New" panose="02070309020205020404" pitchFamily="49" charset="0"/>
@@ -26504,10 +27006,29 @@
               <a:rPr lang="en-US" sz="1600" b="1" dirty="0">
                 <a:cs typeface="Courier New" panose="02070309020205020404" pitchFamily="49" charset="0"/>
               </a:rPr>
-              <a:t>Code that implements the Cat Class</a:t>
-            </a:r>
-          </a:p>
-          <a:p>
+              <a:t>Code that implements the </a:t>
+            </a:r>
+            <a:r>
+              <a:rPr lang="en-US" sz="1600" b="1" dirty="0" smtClean="0">
+                <a:cs typeface="Courier New" panose="02070309020205020404" pitchFamily="49" charset="0"/>
+              </a:rPr>
+              <a:t>Car </a:t>
+            </a:r>
+            <a:r>
+              <a:rPr lang="en-US" sz="1600" b="1" dirty="0">
+                <a:cs typeface="Courier New" panose="02070309020205020404" pitchFamily="49" charset="0"/>
+              </a:rPr>
+              <a:t>Class</a:t>
+            </a:r>
+          </a:p>
+          <a:p>
+            <a:r>
+              <a:rPr lang="en-US" sz="1600" b="1" dirty="0">
+                <a:latin typeface="Courier New" panose="02070309020205020404" pitchFamily="49" charset="0"/>
+                <a:cs typeface="Courier New" panose="02070309020205020404" pitchFamily="49" charset="0"/>
+              </a:rPr>
+              <a:t/>
+            </a:r>
             <a:br>
               <a:rPr lang="en-US" sz="1600" b="1" dirty="0">
                 <a:latin typeface="Courier New" panose="02070309020205020404" pitchFamily="49" charset="0"/>
@@ -26671,12 +27192,26 @@
               </a:rPr>
               <a:t>There’s a few important things to note as it relates to inheritance in ES6. First, let's consider this class for Vehicle:</a:t>
             </a:r>
+            <a:r>
+              <a:rPr lang="en-US" sz="1600" dirty="0">
+                <a:latin typeface="Courier New" panose="02070309020205020404" pitchFamily="49" charset="0"/>
+                <a:cs typeface="Courier New" panose="02070309020205020404" pitchFamily="49" charset="0"/>
+              </a:rPr>
+              <a:t/>
+            </a:r>
             <a:br>
               <a:rPr lang="en-US" sz="1600" dirty="0">
                 <a:latin typeface="Courier New" panose="02070309020205020404" pitchFamily="49" charset="0"/>
                 <a:cs typeface="Courier New" panose="02070309020205020404" pitchFamily="49" charset="0"/>
               </a:rPr>
             </a:br>
+            <a:r>
+              <a:rPr lang="en-US" sz="1600" dirty="0">
+                <a:latin typeface="Courier New" panose="02070309020205020404" pitchFamily="49" charset="0"/>
+                <a:cs typeface="Courier New" panose="02070309020205020404" pitchFamily="49" charset="0"/>
+              </a:rPr>
+              <a:t/>
+            </a:r>
             <a:br>
               <a:rPr lang="en-US" sz="1600" dirty="0">
                 <a:latin typeface="Courier New" panose="02070309020205020404" pitchFamily="49" charset="0"/>
@@ -27238,12 +27773,26 @@
               </a:rPr>
               <a:t> the parent class. Then we need to pass whatever properties we want to inherit from the parent to the child’s constructor:</a:t>
             </a:r>
+            <a:r>
+              <a:rPr lang="en-US" sz="1600" dirty="0">
+                <a:latin typeface="Courier New" panose="02070309020205020404" pitchFamily="49" charset="0"/>
+                <a:cs typeface="Courier New" panose="02070309020205020404" pitchFamily="49" charset="0"/>
+              </a:rPr>
+              <a:t/>
+            </a:r>
             <a:br>
               <a:rPr lang="en-US" sz="1600" dirty="0">
                 <a:latin typeface="Courier New" panose="02070309020205020404" pitchFamily="49" charset="0"/>
                 <a:cs typeface="Courier New" panose="02070309020205020404" pitchFamily="49" charset="0"/>
               </a:rPr>
             </a:br>
+            <a:r>
+              <a:rPr lang="en-US" sz="1600" dirty="0">
+                <a:latin typeface="Courier New" panose="02070309020205020404" pitchFamily="49" charset="0"/>
+                <a:cs typeface="Courier New" panose="02070309020205020404" pitchFamily="49" charset="0"/>
+              </a:rPr>
+              <a:t/>
+            </a:r>
             <a:br>
               <a:rPr lang="en-US" sz="1600" dirty="0">
                 <a:latin typeface="Courier New" panose="02070309020205020404" pitchFamily="49" charset="0"/>
@@ -27618,7 +28167,7 @@
           <p:cNvPr id="4" name="Picture 3" descr="A picture containing diagram&#10;&#10;Description automatically generated">
             <a:extLst>
               <a:ext uri="{FF2B5EF4-FFF2-40B4-BE49-F238E27FC236}">
-                <a16:creationId xmlns:a16="http://schemas.microsoft.com/office/drawing/2014/main" id="{CD7A3EE1-A65E-485F-A17B-1755A497AC5A}"/>
+                <a16:creationId xmlns:a16="http://schemas.microsoft.com/office/drawing/2014/main" xmlns="" id="{CD7A3EE1-A65E-485F-A17B-1755A497AC5A}"/>
               </a:ext>
             </a:extLst>
           </p:cNvPr>
@@ -27689,6 +28238,278 @@
       </p:grpSpPr>
       <p:sp>
         <p:nvSpPr>
+          <p:cNvPr id="2" name="Title 1"/>
+          <p:cNvSpPr>
+            <a:spLocks noGrp="1"/>
+          </p:cNvSpPr>
+          <p:nvPr>
+            <p:ph type="title"/>
+          </p:nvPr>
+        </p:nvSpPr>
+        <p:spPr/>
+        <p:txBody>
+          <a:bodyPr/>
+          <a:lstStyle/>
+          <a:p>
+            <a:endParaRPr lang="en-US"/>
+          </a:p>
+        </p:txBody>
+      </p:sp>
+      <p:sp>
+        <p:nvSpPr>
+          <p:cNvPr id="3" name="Text Placeholder 2"/>
+          <p:cNvSpPr>
+            <a:spLocks noGrp="1"/>
+          </p:cNvSpPr>
+          <p:nvPr>
+            <p:ph type="body" sz="quarter" idx="13"/>
+          </p:nvPr>
+        </p:nvSpPr>
+        <p:spPr/>
+        <p:txBody>
+          <a:bodyPr/>
+          <a:lstStyle/>
+          <a:p>
+            <a:endParaRPr lang="en-US"/>
+          </a:p>
+        </p:txBody>
+      </p:sp>
+      <p:sp>
+        <p:nvSpPr>
+          <p:cNvPr id="4" name="Text Placeholder 3"/>
+          <p:cNvSpPr>
+            <a:spLocks noGrp="1"/>
+          </p:cNvSpPr>
+          <p:nvPr>
+            <p:ph type="body" sz="quarter" idx="14"/>
+          </p:nvPr>
+        </p:nvSpPr>
+        <p:spPr/>
+        <p:txBody>
+          <a:bodyPr/>
+          <a:lstStyle/>
+          <a:p>
+            <a:endParaRPr lang="en-US"/>
+          </a:p>
+        </p:txBody>
+      </p:sp>
+      <p:sp>
+        <p:nvSpPr>
+          <p:cNvPr id="5" name="Text Placeholder 4"/>
+          <p:cNvSpPr>
+            <a:spLocks noGrp="1"/>
+          </p:cNvSpPr>
+          <p:nvPr>
+            <p:ph type="body" sz="quarter" idx="11"/>
+          </p:nvPr>
+        </p:nvSpPr>
+        <p:spPr/>
+        <p:txBody>
+          <a:bodyPr/>
+          <a:lstStyle/>
+          <a:p>
+            <a:endParaRPr lang="en-US"/>
+          </a:p>
+        </p:txBody>
+      </p:sp>
+      <p:pic>
+        <p:nvPicPr>
+          <p:cNvPr id="6" name="Picture 5" descr="Screen Shot 2021-05-12 at 10.05.25 AM.png"/>
+          <p:cNvPicPr>
+            <a:picLocks noChangeAspect="1"/>
+          </p:cNvPicPr>
+          <p:nvPr/>
+        </p:nvPicPr>
+        <p:blipFill>
+          <a:blip r:embed="rId2">
+            <a:extLst>
+              <a:ext uri="{28A0092B-C50C-407E-A947-70E740481C1C}">
+                <a14:useLocalDpi xmlns:a14="http://schemas.microsoft.com/office/drawing/2010/main" val="0"/>
+              </a:ext>
+            </a:extLst>
+          </a:blip>
+          <a:stretch>
+            <a:fillRect/>
+          </a:stretch>
+        </p:blipFill>
+        <p:spPr>
+          <a:xfrm>
+            <a:off x="0" y="279400"/>
+            <a:ext cx="12192000" cy="6282370"/>
+          </a:xfrm>
+          <a:prstGeom prst="rect">
+            <a:avLst/>
+          </a:prstGeom>
+        </p:spPr>
+      </p:pic>
+    </p:spTree>
+    <p:extLst>
+      <p:ext uri="{BB962C8B-B14F-4D97-AF65-F5344CB8AC3E}">
+        <p14:creationId xmlns:p14="http://schemas.microsoft.com/office/powerpoint/2010/main" val="3483531519"/>
+      </p:ext>
+    </p:extLst>
+  </p:cSld>
+  <p:clrMapOvr>
+    <a:masterClrMapping/>
+  </p:clrMapOvr>
+</p:sld>
+</file>
+
+<file path=ppt/slides/slide43.xml><?xml version="1.0" encoding="utf-8"?>
+<p:sld xmlns:a="http://schemas.openxmlformats.org/drawingml/2006/main" xmlns:r="http://schemas.openxmlformats.org/officeDocument/2006/relationships" xmlns:p="http://schemas.openxmlformats.org/presentationml/2006/main">
+  <p:cSld>
+    <p:spTree>
+      <p:nvGrpSpPr>
+        <p:cNvPr id="1" name=""/>
+        <p:cNvGrpSpPr/>
+        <p:nvPr/>
+      </p:nvGrpSpPr>
+      <p:grpSpPr>
+        <a:xfrm>
+          <a:off x="0" y="0"/>
+          <a:ext cx="0" cy="0"/>
+          <a:chOff x="0" y="0"/>
+          <a:chExt cx="0" cy="0"/>
+        </a:xfrm>
+      </p:grpSpPr>
+      <p:sp>
+        <p:nvSpPr>
+          <p:cNvPr id="2" name="Title 1"/>
+          <p:cNvSpPr>
+            <a:spLocks noGrp="1"/>
+          </p:cNvSpPr>
+          <p:nvPr>
+            <p:ph type="title"/>
+          </p:nvPr>
+        </p:nvSpPr>
+        <p:spPr/>
+        <p:txBody>
+          <a:bodyPr/>
+          <a:lstStyle/>
+          <a:p>
+            <a:endParaRPr lang="en-US"/>
+          </a:p>
+        </p:txBody>
+      </p:sp>
+      <p:sp>
+        <p:nvSpPr>
+          <p:cNvPr id="3" name="Text Placeholder 2"/>
+          <p:cNvSpPr>
+            <a:spLocks noGrp="1"/>
+          </p:cNvSpPr>
+          <p:nvPr>
+            <p:ph type="body" sz="quarter" idx="13"/>
+          </p:nvPr>
+        </p:nvSpPr>
+        <p:spPr/>
+        <p:txBody>
+          <a:bodyPr/>
+          <a:lstStyle/>
+          <a:p>
+            <a:endParaRPr lang="en-US"/>
+          </a:p>
+        </p:txBody>
+      </p:sp>
+      <p:sp>
+        <p:nvSpPr>
+          <p:cNvPr id="4" name="Text Placeholder 3"/>
+          <p:cNvSpPr>
+            <a:spLocks noGrp="1"/>
+          </p:cNvSpPr>
+          <p:nvPr>
+            <p:ph type="body" sz="quarter" idx="14"/>
+          </p:nvPr>
+        </p:nvSpPr>
+        <p:spPr/>
+        <p:txBody>
+          <a:bodyPr/>
+          <a:lstStyle/>
+          <a:p>
+            <a:endParaRPr lang="en-US"/>
+          </a:p>
+        </p:txBody>
+      </p:sp>
+      <p:sp>
+        <p:nvSpPr>
+          <p:cNvPr id="5" name="Text Placeholder 4"/>
+          <p:cNvSpPr>
+            <a:spLocks noGrp="1"/>
+          </p:cNvSpPr>
+          <p:nvPr>
+            <p:ph type="body" sz="quarter" idx="11"/>
+          </p:nvPr>
+        </p:nvSpPr>
+        <p:spPr/>
+        <p:txBody>
+          <a:bodyPr/>
+          <a:lstStyle/>
+          <a:p>
+            <a:endParaRPr lang="en-US"/>
+          </a:p>
+        </p:txBody>
+      </p:sp>
+      <p:pic>
+        <p:nvPicPr>
+          <p:cNvPr id="6" name="Picture 5" descr="Screen Shot 2021-05-12 at 10.03.44 AM.png"/>
+          <p:cNvPicPr>
+            <a:picLocks noChangeAspect="1"/>
+          </p:cNvPicPr>
+          <p:nvPr/>
+        </p:nvPicPr>
+        <p:blipFill>
+          <a:blip r:embed="rId2">
+            <a:extLst>
+              <a:ext uri="{28A0092B-C50C-407E-A947-70E740481C1C}">
+                <a14:useLocalDpi xmlns:a14="http://schemas.microsoft.com/office/drawing/2010/main" val="0"/>
+              </a:ext>
+            </a:extLst>
+          </a:blip>
+          <a:stretch>
+            <a:fillRect/>
+          </a:stretch>
+        </p:blipFill>
+        <p:spPr>
+          <a:xfrm>
+            <a:off x="0" y="63500"/>
+            <a:ext cx="12192000" cy="6727523"/>
+          </a:xfrm>
+          <a:prstGeom prst="rect">
+            <a:avLst/>
+          </a:prstGeom>
+        </p:spPr>
+      </p:pic>
+    </p:spTree>
+    <p:extLst>
+      <p:ext uri="{BB962C8B-B14F-4D97-AF65-F5344CB8AC3E}">
+        <p14:creationId xmlns:p14="http://schemas.microsoft.com/office/powerpoint/2010/main" val="4255990730"/>
+      </p:ext>
+    </p:extLst>
+  </p:cSld>
+  <p:clrMapOvr>
+    <a:masterClrMapping/>
+  </p:clrMapOvr>
+</p:sld>
+</file>
+
+<file path=ppt/slides/slide44.xml><?xml version="1.0" encoding="utf-8"?>
+<p:sld xmlns:a="http://schemas.openxmlformats.org/drawingml/2006/main" xmlns:r="http://schemas.openxmlformats.org/officeDocument/2006/relationships" xmlns:p="http://schemas.openxmlformats.org/presentationml/2006/main">
+  <p:cSld>
+    <p:spTree>
+      <p:nvGrpSpPr>
+        <p:cNvPr id="1" name=""/>
+        <p:cNvGrpSpPr/>
+        <p:nvPr/>
+      </p:nvGrpSpPr>
+      <p:grpSpPr>
+        <a:xfrm>
+          <a:off x="0" y="0"/>
+          <a:ext cx="0" cy="0"/>
+          <a:chOff x="0" y="0"/>
+          <a:chExt cx="0" cy="0"/>
+        </a:xfrm>
+      </p:grpSpPr>
+      <p:sp>
+        <p:nvSpPr>
           <p:cNvPr id="7" name="Title 6"/>
           <p:cNvSpPr>
             <a:spLocks noGrp="1"/>
@@ -27728,7 +28549,7 @@
 </p:sld>
 </file>
 
-<file path=ppt/slides/slide43.xml><?xml version="1.0" encoding="utf-8"?>
+<file path=ppt/slides/slide45.xml><?xml version="1.0" encoding="utf-8"?>
 <p:sld xmlns:a="http://schemas.openxmlformats.org/drawingml/2006/main" xmlns:r="http://schemas.openxmlformats.org/officeDocument/2006/relationships" xmlns:p="http://schemas.openxmlformats.org/presentationml/2006/main">
   <p:cSld>
     <p:spTree>
@@ -28404,581 +29225,6 @@
 </p:sld>
 </file>
 
-<file path=ppt/slides/slide44.xml><?xml version="1.0" encoding="utf-8"?>
-<p:sld xmlns:a="http://schemas.openxmlformats.org/drawingml/2006/main" xmlns:r="http://schemas.openxmlformats.org/officeDocument/2006/relationships" xmlns:p="http://schemas.openxmlformats.org/presentationml/2006/main">
-  <p:cSld>
-    <p:spTree>
-      <p:nvGrpSpPr>
-        <p:cNvPr id="1" name=""/>
-        <p:cNvGrpSpPr/>
-        <p:nvPr/>
-      </p:nvGrpSpPr>
-      <p:grpSpPr>
-        <a:xfrm>
-          <a:off x="0" y="0"/>
-          <a:ext cx="0" cy="0"/>
-          <a:chOff x="0" y="0"/>
-          <a:chExt cx="0" cy="0"/>
-        </a:xfrm>
-      </p:grpSpPr>
-      <p:sp>
-        <p:nvSpPr>
-          <p:cNvPr id="5" name="Title 4"/>
-          <p:cNvSpPr>
-            <a:spLocks noGrp="1"/>
-          </p:cNvSpPr>
-          <p:nvPr>
-            <p:ph type="title"/>
-          </p:nvPr>
-        </p:nvSpPr>
-        <p:spPr/>
-        <p:txBody>
-          <a:bodyPr/>
-          <a:lstStyle/>
-          <a:p>
-            <a:r>
-              <a:rPr lang="en-US" dirty="0"/>
-              <a:t>Working with Objects</a:t>
-            </a:r>
-            <a:endParaRPr lang="nl-NL" dirty="0"/>
-          </a:p>
-        </p:txBody>
-      </p:sp>
-      <p:sp>
-        <p:nvSpPr>
-          <p:cNvPr id="7" name="Text Placeholder 6"/>
-          <p:cNvSpPr>
-            <a:spLocks noGrp="1"/>
-          </p:cNvSpPr>
-          <p:nvPr>
-            <p:ph type="body" sz="quarter" idx="14"/>
-          </p:nvPr>
-        </p:nvSpPr>
-        <p:spPr>
-          <a:xfrm>
-            <a:off x="335360" y="1628800"/>
-            <a:ext cx="11504132" cy="4629125"/>
-          </a:xfrm>
-        </p:spPr>
-        <p:txBody>
-          <a:bodyPr>
-            <a:noAutofit/>
-          </a:bodyPr>
-          <a:lstStyle/>
-          <a:p>
-            <a:pPr lvl="1">
-              <a:buClr>
-                <a:schemeClr val="tx2">
-                  <a:lumMod val="50000"/>
-                </a:schemeClr>
-              </a:buClr>
-            </a:pPr>
-            <a:r>
-              <a:rPr lang="en-US" sz="1600" dirty="0"/>
-              <a:t>Object Literal notation can also be written in this manner:</a:t>
-            </a:r>
-          </a:p>
-          <a:p>
-            <a:pPr lvl="1">
-              <a:spcBef>
-                <a:spcPts val="336"/>
-              </a:spcBef>
-              <a:spcAft>
-                <a:spcPts val="0"/>
-              </a:spcAft>
-              <a:buClr>
-                <a:schemeClr val="tx2">
-                  <a:lumMod val="50000"/>
-                </a:schemeClr>
-              </a:buClr>
-            </a:pPr>
-            <a:r>
-              <a:rPr lang="en-US" sz="1400" dirty="0">
-                <a:latin typeface="Courier New" panose="02070309020205020404" pitchFamily="49" charset="0"/>
-                <a:cs typeface="Courier New" panose="02070309020205020404" pitchFamily="49" charset="0"/>
-              </a:rPr>
-              <a:t>const Cat = {};</a:t>
-            </a:r>
-          </a:p>
-          <a:p>
-            <a:pPr lvl="1">
-              <a:spcBef>
-                <a:spcPts val="336"/>
-              </a:spcBef>
-              <a:spcAft>
-                <a:spcPts val="0"/>
-              </a:spcAft>
-              <a:buClr>
-                <a:schemeClr val="tx2">
-                  <a:lumMod val="50000"/>
-                </a:schemeClr>
-              </a:buClr>
-            </a:pPr>
-            <a:r>
-              <a:rPr lang="en-US" sz="1400" dirty="0">
-                <a:latin typeface="Courier New" panose="02070309020205020404" pitchFamily="49" charset="0"/>
-                <a:cs typeface="Courier New" panose="02070309020205020404" pitchFamily="49" charset="0"/>
-              </a:rPr>
-              <a:t>// or const Cat = new Object();</a:t>
-            </a:r>
-          </a:p>
-          <a:p>
-            <a:pPr lvl="1">
-              <a:spcBef>
-                <a:spcPts val="336"/>
-              </a:spcBef>
-              <a:spcAft>
-                <a:spcPts val="0"/>
-              </a:spcAft>
-              <a:buClr>
-                <a:schemeClr val="tx2">
-                  <a:lumMod val="50000"/>
-                </a:schemeClr>
-              </a:buClr>
-            </a:pPr>
-            <a:endParaRPr lang="en-US" sz="1400" dirty="0">
-              <a:latin typeface="Courier New" panose="02070309020205020404" pitchFamily="49" charset="0"/>
-              <a:cs typeface="Courier New" panose="02070309020205020404" pitchFamily="49" charset="0"/>
-            </a:endParaRPr>
-          </a:p>
-          <a:p>
-            <a:pPr lvl="1">
-              <a:spcBef>
-                <a:spcPts val="336"/>
-              </a:spcBef>
-              <a:spcAft>
-                <a:spcPts val="0"/>
-              </a:spcAft>
-              <a:buClr>
-                <a:schemeClr val="tx2">
-                  <a:lumMod val="50000"/>
-                </a:schemeClr>
-              </a:buClr>
-            </a:pPr>
-            <a:r>
-              <a:rPr lang="en-US" sz="1400" dirty="0">
-                <a:latin typeface="Courier New" panose="02070309020205020404" pitchFamily="49" charset="0"/>
-                <a:cs typeface="Courier New" panose="02070309020205020404" pitchFamily="49" charset="0"/>
-              </a:rPr>
-              <a:t>Cat.name = 'Nixon';</a:t>
-            </a:r>
-          </a:p>
-          <a:p>
-            <a:pPr lvl="1">
-              <a:spcBef>
-                <a:spcPts val="336"/>
-              </a:spcBef>
-              <a:spcAft>
-                <a:spcPts val="0"/>
-              </a:spcAft>
-              <a:buClr>
-                <a:schemeClr val="tx2">
-                  <a:lumMod val="50000"/>
-                </a:schemeClr>
-              </a:buClr>
-            </a:pPr>
-            <a:r>
-              <a:rPr lang="en-US" sz="1400" dirty="0" err="1">
-                <a:latin typeface="Courier New" panose="02070309020205020404" pitchFamily="49" charset="0"/>
-                <a:cs typeface="Courier New" panose="02070309020205020404" pitchFamily="49" charset="0"/>
-              </a:rPr>
-              <a:t>Cat.displayCatInfo</a:t>
-            </a:r>
-            <a:r>
-              <a:rPr lang="en-US" sz="1400" dirty="0">
-                <a:latin typeface="Courier New" panose="02070309020205020404" pitchFamily="49" charset="0"/>
-                <a:cs typeface="Courier New" panose="02070309020205020404" pitchFamily="49" charset="0"/>
-              </a:rPr>
-              <a:t> = function(breed, color) {</a:t>
-            </a:r>
-          </a:p>
-          <a:p>
-            <a:pPr lvl="1">
-              <a:spcBef>
-                <a:spcPts val="336"/>
-              </a:spcBef>
-              <a:spcAft>
-                <a:spcPts val="0"/>
-              </a:spcAft>
-              <a:buClr>
-                <a:schemeClr val="tx2">
-                  <a:lumMod val="50000"/>
-                </a:schemeClr>
-              </a:buClr>
-            </a:pPr>
-            <a:r>
-              <a:rPr lang="en-US" sz="1400" dirty="0">
-                <a:latin typeface="Courier New" panose="02070309020205020404" pitchFamily="49" charset="0"/>
-                <a:cs typeface="Courier New" panose="02070309020205020404" pitchFamily="49" charset="0"/>
-              </a:rPr>
-              <a:t>	return `${this.name} is a ${color} ${breed}`;</a:t>
-            </a:r>
-          </a:p>
-          <a:p>
-            <a:pPr lvl="1">
-              <a:spcBef>
-                <a:spcPts val="336"/>
-              </a:spcBef>
-              <a:spcAft>
-                <a:spcPts val="0"/>
-              </a:spcAft>
-              <a:buClr>
-                <a:schemeClr val="tx2">
-                  <a:lumMod val="50000"/>
-                </a:schemeClr>
-              </a:buClr>
-            </a:pPr>
-            <a:r>
-              <a:rPr lang="en-US" sz="1400" dirty="0">
-                <a:latin typeface="Courier New" panose="02070309020205020404" pitchFamily="49" charset="0"/>
-                <a:cs typeface="Courier New" panose="02070309020205020404" pitchFamily="49" charset="0"/>
-              </a:rPr>
-              <a:t>}</a:t>
-            </a:r>
-          </a:p>
-          <a:p>
-            <a:pPr lvl="1">
-              <a:spcBef>
-                <a:spcPts val="336"/>
-              </a:spcBef>
-              <a:spcAft>
-                <a:spcPts val="0"/>
-              </a:spcAft>
-              <a:buClr>
-                <a:schemeClr val="tx2">
-                  <a:lumMod val="50000"/>
-                </a:schemeClr>
-              </a:buClr>
-            </a:pPr>
-            <a:endParaRPr lang="en-US" sz="1400" dirty="0">
-              <a:latin typeface="Courier New" panose="02070309020205020404" pitchFamily="49" charset="0"/>
-              <a:cs typeface="Courier New" panose="02070309020205020404" pitchFamily="49" charset="0"/>
-            </a:endParaRPr>
-          </a:p>
-          <a:p>
-            <a:pPr lvl="1">
-              <a:spcBef>
-                <a:spcPts val="336"/>
-              </a:spcBef>
-              <a:spcAft>
-                <a:spcPts val="0"/>
-              </a:spcAft>
-              <a:buClr>
-                <a:schemeClr val="tx2">
-                  <a:lumMod val="50000"/>
-                </a:schemeClr>
-              </a:buClr>
-            </a:pPr>
-            <a:r>
-              <a:rPr lang="en-US" sz="1400" dirty="0">
-                <a:latin typeface="Courier New" panose="02070309020205020404" pitchFamily="49" charset="0"/>
-                <a:cs typeface="Courier New" panose="02070309020205020404" pitchFamily="49" charset="0"/>
-              </a:rPr>
-              <a:t>console.log(</a:t>
-            </a:r>
-            <a:r>
-              <a:rPr lang="en-US" sz="1400" dirty="0" err="1">
-                <a:latin typeface="Courier New" panose="02070309020205020404" pitchFamily="49" charset="0"/>
-                <a:cs typeface="Courier New" panose="02070309020205020404" pitchFamily="49" charset="0"/>
-              </a:rPr>
-              <a:t>Cat.displayCatInfo</a:t>
-            </a:r>
-            <a:r>
-              <a:rPr lang="en-US" sz="1400" dirty="0">
-                <a:latin typeface="Courier New" panose="02070309020205020404" pitchFamily="49" charset="0"/>
-                <a:cs typeface="Courier New" panose="02070309020205020404" pitchFamily="49" charset="0"/>
-              </a:rPr>
-              <a:t>('Bengal', 'Snow Mink'));</a:t>
-            </a:r>
-          </a:p>
-          <a:p>
-            <a:pPr lvl="1">
-              <a:spcBef>
-                <a:spcPts val="336"/>
-              </a:spcBef>
-              <a:spcAft>
-                <a:spcPts val="0"/>
-              </a:spcAft>
-              <a:buClr>
-                <a:schemeClr val="tx2">
-                  <a:lumMod val="50000"/>
-                </a:schemeClr>
-              </a:buClr>
-            </a:pPr>
-            <a:r>
-              <a:rPr lang="en-US" sz="1400" dirty="0">
-                <a:latin typeface="Courier New" panose="02070309020205020404" pitchFamily="49" charset="0"/>
-                <a:cs typeface="Courier New" panose="02070309020205020404" pitchFamily="49" charset="0"/>
-              </a:rPr>
-              <a:t>console.log(Cat.name);</a:t>
-            </a:r>
-          </a:p>
-        </p:txBody>
-      </p:sp>
-      <p:sp>
-        <p:nvSpPr>
-          <p:cNvPr id="2" name="Text Placeholder 1"/>
-          <p:cNvSpPr>
-            <a:spLocks noGrp="1"/>
-          </p:cNvSpPr>
-          <p:nvPr>
-            <p:ph type="body" sz="quarter" idx="11"/>
-          </p:nvPr>
-        </p:nvSpPr>
-        <p:spPr/>
-        <p:txBody>
-          <a:bodyPr/>
-          <a:lstStyle/>
-          <a:p>
-            <a:r>
-              <a:rPr lang="en-US" dirty="0"/>
-              <a:t>Object Literal alternate syntax</a:t>
-            </a:r>
-          </a:p>
-        </p:txBody>
-      </p:sp>
-    </p:spTree>
-    <p:extLst>
-      <p:ext uri="{BB962C8B-B14F-4D97-AF65-F5344CB8AC3E}">
-        <p14:creationId xmlns:p14="http://schemas.microsoft.com/office/powerpoint/2010/main" val="1426349420"/>
-      </p:ext>
-    </p:extLst>
-  </p:cSld>
-  <p:clrMapOvr>
-    <a:masterClrMapping/>
-  </p:clrMapOvr>
-</p:sld>
-</file>
-
-<file path=ppt/slides/slide45.xml><?xml version="1.0" encoding="utf-8"?>
-<p:sld xmlns:a="http://schemas.openxmlformats.org/drawingml/2006/main" xmlns:r="http://schemas.openxmlformats.org/officeDocument/2006/relationships" xmlns:p="http://schemas.openxmlformats.org/presentationml/2006/main">
-  <p:cSld>
-    <p:spTree>
-      <p:nvGrpSpPr>
-        <p:cNvPr id="1" name=""/>
-        <p:cNvGrpSpPr/>
-        <p:nvPr/>
-      </p:nvGrpSpPr>
-      <p:grpSpPr>
-        <a:xfrm>
-          <a:off x="0" y="0"/>
-          <a:ext cx="0" cy="0"/>
-          <a:chOff x="0" y="0"/>
-          <a:chExt cx="0" cy="0"/>
-        </a:xfrm>
-      </p:grpSpPr>
-      <p:sp>
-        <p:nvSpPr>
-          <p:cNvPr id="5" name="Title 4"/>
-          <p:cNvSpPr>
-            <a:spLocks noGrp="1"/>
-          </p:cNvSpPr>
-          <p:nvPr>
-            <p:ph type="title"/>
-          </p:nvPr>
-        </p:nvSpPr>
-        <p:spPr/>
-        <p:txBody>
-          <a:bodyPr/>
-          <a:lstStyle/>
-          <a:p>
-            <a:r>
-              <a:rPr lang="en-US" dirty="0"/>
-              <a:t>Working with Objects</a:t>
-            </a:r>
-            <a:endParaRPr lang="nl-NL" dirty="0"/>
-          </a:p>
-        </p:txBody>
-      </p:sp>
-      <p:sp>
-        <p:nvSpPr>
-          <p:cNvPr id="7" name="Text Placeholder 6"/>
-          <p:cNvSpPr>
-            <a:spLocks noGrp="1"/>
-          </p:cNvSpPr>
-          <p:nvPr>
-            <p:ph type="body" sz="quarter" idx="14"/>
-          </p:nvPr>
-        </p:nvSpPr>
-        <p:spPr>
-          <a:xfrm>
-            <a:off x="335360" y="1628800"/>
-            <a:ext cx="11504132" cy="4629125"/>
-          </a:xfrm>
-        </p:spPr>
-        <p:txBody>
-          <a:bodyPr>
-            <a:noAutofit/>
-          </a:bodyPr>
-          <a:lstStyle/>
-          <a:p>
-            <a:r>
-              <a:rPr lang="en-US" sz="1600" dirty="0"/>
-              <a:t>The nice thing about Object Literal notation is that their properties are always public. This allows us to override their properties outside of the object like this:</a:t>
-            </a:r>
-            <a:br>
-              <a:rPr lang="en-US" sz="1600" dirty="0"/>
-            </a:br>
-            <a:br>
-              <a:rPr lang="en-US" sz="1600" dirty="0"/>
-            </a:br>
-            <a:r>
-              <a:rPr lang="en-US" sz="1400" dirty="0">
-                <a:latin typeface="Courier New" panose="02070309020205020404" pitchFamily="49" charset="0"/>
-                <a:cs typeface="Courier New" panose="02070309020205020404" pitchFamily="49" charset="0"/>
-              </a:rPr>
-              <a:t>const Cat = {</a:t>
-            </a:r>
-          </a:p>
-          <a:p>
-            <a:r>
-              <a:rPr lang="en-US" sz="1400" dirty="0">
-                <a:latin typeface="Courier New" panose="02070309020205020404" pitchFamily="49" charset="0"/>
-                <a:cs typeface="Courier New" panose="02070309020205020404" pitchFamily="49" charset="0"/>
-              </a:rPr>
-              <a:t>	name: 'Nixon',</a:t>
-            </a:r>
-          </a:p>
-          <a:p>
-            <a:r>
-              <a:rPr lang="en-US" sz="1400" dirty="0">
-                <a:latin typeface="Courier New" panose="02070309020205020404" pitchFamily="49" charset="0"/>
-                <a:cs typeface="Courier New" panose="02070309020205020404" pitchFamily="49" charset="0"/>
-              </a:rPr>
-              <a:t>	</a:t>
-            </a:r>
-            <a:r>
-              <a:rPr lang="en-US" sz="1400" dirty="0" err="1">
-                <a:latin typeface="Courier New" panose="02070309020205020404" pitchFamily="49" charset="0"/>
-                <a:cs typeface="Courier New" panose="02070309020205020404" pitchFamily="49" charset="0"/>
-              </a:rPr>
-              <a:t>displayCatInfo</a:t>
-            </a:r>
-            <a:r>
-              <a:rPr lang="en-US" sz="1400" dirty="0">
-                <a:latin typeface="Courier New" panose="02070309020205020404" pitchFamily="49" charset="0"/>
-                <a:cs typeface="Courier New" panose="02070309020205020404" pitchFamily="49" charset="0"/>
-              </a:rPr>
-              <a:t>: function(breed, color) {</a:t>
-            </a:r>
-          </a:p>
-          <a:p>
-            <a:r>
-              <a:rPr lang="en-US" sz="1400" dirty="0">
-                <a:latin typeface="Courier New" panose="02070309020205020404" pitchFamily="49" charset="0"/>
-                <a:cs typeface="Courier New" panose="02070309020205020404" pitchFamily="49" charset="0"/>
-              </a:rPr>
-              <a:t>		return `${this.name} is a ${color} ${breed}`;</a:t>
-            </a:r>
-          </a:p>
-          <a:p>
-            <a:r>
-              <a:rPr lang="en-US" sz="1400" dirty="0">
-                <a:latin typeface="Courier New" panose="02070309020205020404" pitchFamily="49" charset="0"/>
-                <a:cs typeface="Courier New" panose="02070309020205020404" pitchFamily="49" charset="0"/>
-              </a:rPr>
-              <a:t>	}</a:t>
-            </a:r>
-          </a:p>
-          <a:p>
-            <a:r>
-              <a:rPr lang="en-US" sz="1400" dirty="0">
-                <a:latin typeface="Courier New" panose="02070309020205020404" pitchFamily="49" charset="0"/>
-                <a:cs typeface="Courier New" panose="02070309020205020404" pitchFamily="49" charset="0"/>
-              </a:rPr>
-              <a:t>}</a:t>
-            </a:r>
-          </a:p>
-          <a:p>
-            <a:endParaRPr lang="en-US" sz="1400" b="1" dirty="0">
-              <a:latin typeface="Courier New" panose="02070309020205020404" pitchFamily="49" charset="0"/>
-              <a:cs typeface="Courier New" panose="02070309020205020404" pitchFamily="49" charset="0"/>
-            </a:endParaRPr>
-          </a:p>
-          <a:p>
-            <a:r>
-              <a:rPr lang="en-US" sz="1400" b="1" dirty="0">
-                <a:latin typeface="Courier New" panose="02070309020205020404" pitchFamily="49" charset="0"/>
-                <a:cs typeface="Courier New" panose="02070309020205020404" pitchFamily="49" charset="0"/>
-              </a:rPr>
-              <a:t>Cat.name = 'Reagan';</a:t>
-            </a:r>
-          </a:p>
-          <a:p>
-            <a:endParaRPr lang="en-US" sz="1400" b="1" dirty="0">
-              <a:latin typeface="Courier New" panose="02070309020205020404" pitchFamily="49" charset="0"/>
-              <a:cs typeface="Courier New" panose="02070309020205020404" pitchFamily="49" charset="0"/>
-            </a:endParaRPr>
-          </a:p>
-          <a:p>
-            <a:r>
-              <a:rPr lang="en-US" sz="1400" dirty="0">
-                <a:latin typeface="Courier New" panose="02070309020205020404" pitchFamily="49" charset="0"/>
-                <a:cs typeface="Courier New" panose="02070309020205020404" pitchFamily="49" charset="0"/>
-              </a:rPr>
-              <a:t>console.log(</a:t>
-            </a:r>
-            <a:r>
-              <a:rPr lang="en-US" sz="1400" dirty="0" err="1">
-                <a:latin typeface="Courier New" panose="02070309020205020404" pitchFamily="49" charset="0"/>
-                <a:cs typeface="Courier New" panose="02070309020205020404" pitchFamily="49" charset="0"/>
-              </a:rPr>
-              <a:t>Cat.displayCatInfo</a:t>
-            </a:r>
-            <a:r>
-              <a:rPr lang="en-US" sz="1400" dirty="0">
-                <a:latin typeface="Courier New" panose="02070309020205020404" pitchFamily="49" charset="0"/>
-                <a:cs typeface="Courier New" panose="02070309020205020404" pitchFamily="49" charset="0"/>
-              </a:rPr>
-              <a:t>('Siamese', 'White'));</a:t>
-            </a:r>
-          </a:p>
-          <a:p>
-            <a:r>
-              <a:rPr lang="en-US" sz="1400" dirty="0">
-                <a:latin typeface="Courier New" panose="02070309020205020404" pitchFamily="49" charset="0"/>
-                <a:cs typeface="Courier New" panose="02070309020205020404" pitchFamily="49" charset="0"/>
-              </a:rPr>
-              <a:t>console.log(Cat.name);</a:t>
-            </a:r>
-          </a:p>
-        </p:txBody>
-      </p:sp>
-      <p:sp>
-        <p:nvSpPr>
-          <p:cNvPr id="2" name="Text Placeholder 1"/>
-          <p:cNvSpPr>
-            <a:spLocks noGrp="1"/>
-          </p:cNvSpPr>
-          <p:nvPr>
-            <p:ph type="body" sz="quarter" idx="11"/>
-          </p:nvPr>
-        </p:nvSpPr>
-        <p:spPr/>
-        <p:txBody>
-          <a:bodyPr/>
-          <a:lstStyle/>
-          <a:p>
-            <a:r>
-              <a:rPr lang="en-US" dirty="0"/>
-              <a:t>Modifying members</a:t>
-            </a:r>
-          </a:p>
-        </p:txBody>
-      </p:sp>
-    </p:spTree>
-    <p:extLst>
-      <p:ext uri="{BB962C8B-B14F-4D97-AF65-F5344CB8AC3E}">
-        <p14:creationId xmlns:p14="http://schemas.microsoft.com/office/powerpoint/2010/main" val="1155829240"/>
-      </p:ext>
-    </p:extLst>
-  </p:cSld>
-  <p:clrMapOvr>
-    <a:masterClrMapping/>
-  </p:clrMapOvr>
-</p:sld>
-</file>
-
 <file path=ppt/slides/slide46.xml><?xml version="1.0" encoding="utf-8"?>
 <p:sld xmlns:a="http://schemas.openxmlformats.org/drawingml/2006/main" xmlns:r="http://schemas.openxmlformats.org/officeDocument/2006/relationships" xmlns:p="http://schemas.openxmlformats.org/presentationml/2006/main">
   <p:cSld>
@@ -29050,106 +29296,200 @@
             </a:pPr>
             <a:r>
               <a:rPr lang="en-US" sz="1600" dirty="0"/>
-              <a:t>Sometimes, it makes sense to add properties and methods to an object programmatically: </a:t>
-            </a:r>
-          </a:p>
-          <a:p>
+              <a:t>Object Literal notation can also be written in this manner:</a:t>
+            </a:r>
+          </a:p>
+          <a:p>
+            <a:pPr lvl="1">
+              <a:spcBef>
+                <a:spcPts val="336"/>
+              </a:spcBef>
+              <a:spcAft>
+                <a:spcPts val="0"/>
+              </a:spcAft>
+              <a:buClr>
+                <a:schemeClr val="tx2">
+                  <a:lumMod val="50000"/>
+                </a:schemeClr>
+              </a:buClr>
+            </a:pPr>
             <a:r>
               <a:rPr lang="en-US" sz="1400" dirty="0">
                 <a:latin typeface="Courier New" panose="02070309020205020404" pitchFamily="49" charset="0"/>
                 <a:cs typeface="Courier New" panose="02070309020205020404" pitchFamily="49" charset="0"/>
               </a:rPr>
-              <a:t>const Cat = {</a:t>
-            </a:r>
-          </a:p>
-          <a:p>
+              <a:t>const Cat = {};</a:t>
+            </a:r>
+          </a:p>
+          <a:p>
+            <a:pPr lvl="1">
+              <a:spcBef>
+                <a:spcPts val="336"/>
+              </a:spcBef>
+              <a:spcAft>
+                <a:spcPts val="0"/>
+              </a:spcAft>
+              <a:buClr>
+                <a:schemeClr val="tx2">
+                  <a:lumMod val="50000"/>
+                </a:schemeClr>
+              </a:buClr>
+            </a:pPr>
             <a:r>
               <a:rPr lang="en-US" sz="1400" dirty="0">
                 <a:latin typeface="Courier New" panose="02070309020205020404" pitchFamily="49" charset="0"/>
                 <a:cs typeface="Courier New" panose="02070309020205020404" pitchFamily="49" charset="0"/>
               </a:rPr>
-              <a:t>	name: 'Reagan',</a:t>
-            </a:r>
-          </a:p>
-          <a:p>
-            <a:r>
-              <a:rPr lang="en-US" sz="1400" dirty="0">
-                <a:latin typeface="Courier New" panose="02070309020205020404" pitchFamily="49" charset="0"/>
-                <a:cs typeface="Courier New" panose="02070309020205020404" pitchFamily="49" charset="0"/>
-              </a:rPr>
-              <a:t>	</a:t>
-            </a:r>
-            <a:r>
-              <a:rPr lang="en-US" sz="1400" dirty="0" err="1">
-                <a:latin typeface="Courier New" panose="02070309020205020404" pitchFamily="49" charset="0"/>
-                <a:cs typeface="Courier New" panose="02070309020205020404" pitchFamily="49" charset="0"/>
-              </a:rPr>
-              <a:t>displayCatInfo</a:t>
-            </a:r>
-            <a:r>
-              <a:rPr lang="en-US" sz="1400" dirty="0">
-                <a:latin typeface="Courier New" panose="02070309020205020404" pitchFamily="49" charset="0"/>
-                <a:cs typeface="Courier New" panose="02070309020205020404" pitchFamily="49" charset="0"/>
-              </a:rPr>
-              <a:t>: function(breed, color) {</a:t>
-            </a:r>
-          </a:p>
-          <a:p>
-            <a:r>
-              <a:rPr lang="en-US" sz="1400" dirty="0">
-                <a:latin typeface="Courier New" panose="02070309020205020404" pitchFamily="49" charset="0"/>
-                <a:cs typeface="Courier New" panose="02070309020205020404" pitchFamily="49" charset="0"/>
-              </a:rPr>
-              <a:t>		return `${this.name} is a ${color} ${breed}`;</a:t>
-            </a:r>
-          </a:p>
-          <a:p>
-            <a:r>
-              <a:rPr lang="en-US" sz="1400" dirty="0">
-                <a:latin typeface="Courier New" panose="02070309020205020404" pitchFamily="49" charset="0"/>
-                <a:cs typeface="Courier New" panose="02070309020205020404" pitchFamily="49" charset="0"/>
-              </a:rPr>
-              <a:t>	}</a:t>
-            </a:r>
-          </a:p>
-          <a:p>
-            <a:r>
-              <a:rPr lang="en-US" sz="1400" dirty="0">
-                <a:latin typeface="Courier New" panose="02070309020205020404" pitchFamily="49" charset="0"/>
-                <a:cs typeface="Courier New" panose="02070309020205020404" pitchFamily="49" charset="0"/>
-              </a:rPr>
-              <a:t>}</a:t>
-            </a:r>
-          </a:p>
-          <a:p>
-            <a:endParaRPr lang="en-US" sz="1400" b="1" dirty="0">
+              <a:t>// or const Cat = new Object();</a:t>
+            </a:r>
+          </a:p>
+          <a:p>
+            <a:pPr lvl="1">
+              <a:spcBef>
+                <a:spcPts val="336"/>
+              </a:spcBef>
+              <a:spcAft>
+                <a:spcPts val="0"/>
+              </a:spcAft>
+              <a:buClr>
+                <a:schemeClr val="tx2">
+                  <a:lumMod val="50000"/>
+                </a:schemeClr>
+              </a:buClr>
+            </a:pPr>
+            <a:endParaRPr lang="en-US" sz="1400" dirty="0">
               <a:latin typeface="Courier New" panose="02070309020205020404" pitchFamily="49" charset="0"/>
               <a:cs typeface="Courier New" panose="02070309020205020404" pitchFamily="49" charset="0"/>
             </a:endParaRPr>
           </a:p>
           <a:p>
-            <a:r>
-              <a:rPr lang="en-US" sz="1400" b="1" dirty="0" err="1">
-                <a:latin typeface="Courier New" panose="02070309020205020404" pitchFamily="49" charset="0"/>
-                <a:cs typeface="Courier New" panose="02070309020205020404" pitchFamily="49" charset="0"/>
-              </a:rPr>
-              <a:t>Cat.hungry</a:t>
-            </a:r>
-            <a:r>
-              <a:rPr lang="en-US" sz="1400" b="1" dirty="0">
-                <a:latin typeface="Courier New" panose="02070309020205020404" pitchFamily="49" charset="0"/>
-                <a:cs typeface="Courier New" panose="02070309020205020404" pitchFamily="49" charset="0"/>
-              </a:rPr>
-              <a:t> = true;</a:t>
-            </a:r>
-          </a:p>
-          <a:p>
-            <a:endParaRPr lang="en-US" sz="1400" b="1" dirty="0">
+            <a:pPr lvl="1">
+              <a:spcBef>
+                <a:spcPts val="336"/>
+              </a:spcBef>
+              <a:spcAft>
+                <a:spcPts val="0"/>
+              </a:spcAft>
+              <a:buClr>
+                <a:schemeClr val="tx2">
+                  <a:lumMod val="50000"/>
+                </a:schemeClr>
+              </a:buClr>
+            </a:pPr>
+            <a:r>
+              <a:rPr lang="en-US" sz="1400" dirty="0">
+                <a:latin typeface="Courier New" panose="02070309020205020404" pitchFamily="49" charset="0"/>
+                <a:cs typeface="Courier New" panose="02070309020205020404" pitchFamily="49" charset="0"/>
+              </a:rPr>
+              <a:t>Cat.name = 'Nixon';</a:t>
+            </a:r>
+          </a:p>
+          <a:p>
+            <a:pPr lvl="1">
+              <a:spcBef>
+                <a:spcPts val="336"/>
+              </a:spcBef>
+              <a:spcAft>
+                <a:spcPts val="0"/>
+              </a:spcAft>
+              <a:buClr>
+                <a:schemeClr val="tx2">
+                  <a:lumMod val="50000"/>
+                </a:schemeClr>
+              </a:buClr>
+            </a:pPr>
+            <a:r>
+              <a:rPr lang="en-US" sz="1400" dirty="0" err="1">
+                <a:latin typeface="Courier New" panose="02070309020205020404" pitchFamily="49" charset="0"/>
+                <a:cs typeface="Courier New" panose="02070309020205020404" pitchFamily="49" charset="0"/>
+              </a:rPr>
+              <a:t>Cat.displayCatInfo</a:t>
+            </a:r>
+            <a:r>
+              <a:rPr lang="en-US" sz="1400" dirty="0">
+                <a:latin typeface="Courier New" panose="02070309020205020404" pitchFamily="49" charset="0"/>
+                <a:cs typeface="Courier New" panose="02070309020205020404" pitchFamily="49" charset="0"/>
+              </a:rPr>
+              <a:t> = function(breed, color) {</a:t>
+            </a:r>
+          </a:p>
+          <a:p>
+            <a:pPr lvl="1">
+              <a:spcBef>
+                <a:spcPts val="336"/>
+              </a:spcBef>
+              <a:spcAft>
+                <a:spcPts val="0"/>
+              </a:spcAft>
+              <a:buClr>
+                <a:schemeClr val="tx2">
+                  <a:lumMod val="50000"/>
+                </a:schemeClr>
+              </a:buClr>
+            </a:pPr>
+            <a:r>
+              <a:rPr lang="en-US" sz="1400" dirty="0">
+                <a:latin typeface="Courier New" panose="02070309020205020404" pitchFamily="49" charset="0"/>
+                <a:cs typeface="Courier New" panose="02070309020205020404" pitchFamily="49" charset="0"/>
+              </a:rPr>
+              <a:t>	return `${this.name} is a ${color} ${breed}`;</a:t>
+            </a:r>
+          </a:p>
+          <a:p>
+            <a:pPr lvl="1">
+              <a:spcBef>
+                <a:spcPts val="336"/>
+              </a:spcBef>
+              <a:spcAft>
+                <a:spcPts val="0"/>
+              </a:spcAft>
+              <a:buClr>
+                <a:schemeClr val="tx2">
+                  <a:lumMod val="50000"/>
+                </a:schemeClr>
+              </a:buClr>
+            </a:pPr>
+            <a:r>
+              <a:rPr lang="en-US" sz="1400" dirty="0">
+                <a:latin typeface="Courier New" panose="02070309020205020404" pitchFamily="49" charset="0"/>
+                <a:cs typeface="Courier New" panose="02070309020205020404" pitchFamily="49" charset="0"/>
+              </a:rPr>
+              <a:t>}</a:t>
+            </a:r>
+          </a:p>
+          <a:p>
+            <a:pPr lvl="1">
+              <a:spcBef>
+                <a:spcPts val="336"/>
+              </a:spcBef>
+              <a:spcAft>
+                <a:spcPts val="0"/>
+              </a:spcAft>
+              <a:buClr>
+                <a:schemeClr val="tx2">
+                  <a:lumMod val="50000"/>
+                </a:schemeClr>
+              </a:buClr>
+            </a:pPr>
+            <a:endParaRPr lang="en-US" sz="1400" dirty="0">
               <a:latin typeface="Courier New" panose="02070309020205020404" pitchFamily="49" charset="0"/>
               <a:cs typeface="Courier New" panose="02070309020205020404" pitchFamily="49" charset="0"/>
             </a:endParaRPr>
           </a:p>
           <a:p>
+            <a:pPr lvl="1">
+              <a:spcBef>
+                <a:spcPts val="336"/>
+              </a:spcBef>
+              <a:spcAft>
+                <a:spcPts val="0"/>
+              </a:spcAft>
+              <a:buClr>
+                <a:schemeClr val="tx2">
+                  <a:lumMod val="50000"/>
+                </a:schemeClr>
+              </a:buClr>
+            </a:pPr>
             <a:r>
               <a:rPr lang="en-US" sz="1400" dirty="0">
                 <a:latin typeface="Courier New" panose="02070309020205020404" pitchFamily="49" charset="0"/>
@@ -29169,44 +29509,29 @@
                 <a:latin typeface="Courier New" panose="02070309020205020404" pitchFamily="49" charset="0"/>
                 <a:cs typeface="Courier New" panose="02070309020205020404" pitchFamily="49" charset="0"/>
               </a:rPr>
-              <a:t>('Siamese', 'White'));</a:t>
-            </a:r>
-          </a:p>
-          <a:p>
+              <a:t>('Bengal', 'Snow Mink'));</a:t>
+            </a:r>
+          </a:p>
+          <a:p>
+            <a:pPr lvl="1">
+              <a:spcBef>
+                <a:spcPts val="336"/>
+              </a:spcBef>
+              <a:spcAft>
+                <a:spcPts val="0"/>
+              </a:spcAft>
+              <a:buClr>
+                <a:schemeClr val="tx2">
+                  <a:lumMod val="50000"/>
+                </a:schemeClr>
+              </a:buClr>
+            </a:pPr>
             <a:r>
               <a:rPr lang="en-US" sz="1400" dirty="0">
                 <a:latin typeface="Courier New" panose="02070309020205020404" pitchFamily="49" charset="0"/>
                 <a:cs typeface="Courier New" panose="02070309020205020404" pitchFamily="49" charset="0"/>
               </a:rPr>
-              <a:t>console.log(`The cat is </a:t>
-            </a:r>
-            <a:r>
-              <a:rPr lang="en-US" sz="1400" b="1" dirty="0">
-                <a:latin typeface="Courier New" panose="02070309020205020404" pitchFamily="49" charset="0"/>
-                <a:cs typeface="Courier New" panose="02070309020205020404" pitchFamily="49" charset="0"/>
-              </a:rPr>
-              <a:t>${</a:t>
-            </a:r>
-            <a:r>
-              <a:rPr lang="en-US" sz="1400" b="1" dirty="0" err="1">
-                <a:latin typeface="Courier New" panose="02070309020205020404" pitchFamily="49" charset="0"/>
-                <a:cs typeface="Courier New" panose="02070309020205020404" pitchFamily="49" charset="0"/>
-              </a:rPr>
-              <a:t>Cat.hungry</a:t>
-            </a:r>
-            <a:r>
-              <a:rPr lang="en-US" sz="1400" b="1" dirty="0">
-                <a:latin typeface="Courier New" panose="02070309020205020404" pitchFamily="49" charset="0"/>
-                <a:cs typeface="Courier New" panose="02070309020205020404" pitchFamily="49" charset="0"/>
-              </a:rPr>
-              <a:t> ? 'hungry' : 'not hungry'}.</a:t>
-            </a:r>
-            <a:r>
-              <a:rPr lang="en-US" sz="1400" dirty="0">
-                <a:latin typeface="Courier New" panose="02070309020205020404" pitchFamily="49" charset="0"/>
-                <a:cs typeface="Courier New" panose="02070309020205020404" pitchFamily="49" charset="0"/>
-              </a:rPr>
-              <a:t>`);</a:t>
+              <a:t>console.log(Cat.name);</a:t>
             </a:r>
           </a:p>
         </p:txBody>
@@ -29228,7 +29553,7 @@
           <a:p>
             <a:r>
               <a:rPr lang="en-US" dirty="0"/>
-              <a:t>Adding members</a:t>
+              <a:t>Object Literal alternate syntax</a:t>
             </a:r>
           </a:p>
         </p:txBody>
@@ -29236,7 +29561,7 @@
     </p:spTree>
     <p:extLst>
       <p:ext uri="{BB962C8B-B14F-4D97-AF65-F5344CB8AC3E}">
-        <p14:creationId xmlns:p14="http://schemas.microsoft.com/office/powerpoint/2010/main" val="3244390933"/>
+        <p14:creationId xmlns:p14="http://schemas.microsoft.com/office/powerpoint/2010/main" val="1426349420"/>
       </p:ext>
     </p:extLst>
   </p:cSld>
@@ -29308,19 +29633,20 @@
           </a:bodyPr>
           <a:lstStyle/>
           <a:p>
-            <a:pPr lvl="1">
-              <a:buClr>
-                <a:schemeClr val="tx2">
-                  <a:lumMod val="50000"/>
-                </a:schemeClr>
-              </a:buClr>
-            </a:pPr>
             <a:r>
               <a:rPr lang="en-US" sz="1600" dirty="0"/>
-              <a:t>Sometimes it makes sense to remove properties and methods from an object programmatically: </a:t>
-            </a:r>
-          </a:p>
-          <a:p>
+              <a:t>The nice thing about Object Literal notation is that their properties are always public. This allows us to override their properties outside of the object like this:</a:t>
+            </a:r>
+            <a:br>
+              <a:rPr lang="en-US" sz="1600" dirty="0"/>
+            </a:br>
+            <a:r>
+              <a:rPr lang="en-US" sz="1600" dirty="0"/>
+              <a:t/>
+            </a:r>
+            <a:br>
+              <a:rPr lang="en-US" sz="1600" dirty="0"/>
+            </a:br>
             <a:r>
               <a:rPr lang="en-US" sz="1400" dirty="0">
                 <a:latin typeface="Courier New" panose="02070309020205020404" pitchFamily="49" charset="0"/>
@@ -29335,7 +29661,7 @@
                 <a:latin typeface="Courier New" panose="02070309020205020404" pitchFamily="49" charset="0"/>
                 <a:cs typeface="Courier New" panose="02070309020205020404" pitchFamily="49" charset="0"/>
               </a:rPr>
-              <a:t>	name: 'Reagan',</a:t>
+              <a:t>	name: 'Nixon',</a:t>
             </a:r>
           </a:p>
           <a:p>
@@ -29386,51 +29712,6 @@
                 <a:cs typeface="Courier New" panose="02070309020205020404" pitchFamily="49" charset="0"/>
               </a:rPr>
               <a:t>}</a:t>
-            </a:r>
-          </a:p>
-          <a:p>
-            <a:endParaRPr lang="en-US" sz="1400" dirty="0">
-              <a:latin typeface="Courier New" panose="02070309020205020404" pitchFamily="49" charset="0"/>
-              <a:cs typeface="Courier New" panose="02070309020205020404" pitchFamily="49" charset="0"/>
-            </a:endParaRPr>
-          </a:p>
-          <a:p>
-            <a:r>
-              <a:rPr lang="en-US" sz="1400" dirty="0" err="1">
-                <a:latin typeface="Courier New" panose="02070309020205020404" pitchFamily="49" charset="0"/>
-                <a:cs typeface="Courier New" panose="02070309020205020404" pitchFamily="49" charset="0"/>
-              </a:rPr>
-              <a:t>Cat.hungry</a:t>
-            </a:r>
-            <a:r>
-              <a:rPr lang="en-US" sz="1400" dirty="0">
-                <a:latin typeface="Courier New" panose="02070309020205020404" pitchFamily="49" charset="0"/>
-                <a:cs typeface="Courier New" panose="02070309020205020404" pitchFamily="49" charset="0"/>
-              </a:rPr>
-              <a:t> = true;</a:t>
-            </a:r>
-          </a:p>
-          <a:p>
-            <a:r>
-              <a:rPr lang="en-US" sz="1400" b="1" dirty="0">
-                <a:latin typeface="Courier New" panose="02070309020205020404" pitchFamily="49" charset="0"/>
-                <a:cs typeface="Courier New" panose="02070309020205020404" pitchFamily="49" charset="0"/>
-              </a:rPr>
-              <a:t>delete </a:t>
-            </a:r>
-            <a:r>
-              <a:rPr lang="en-US" sz="1400" b="1" dirty="0" err="1">
-                <a:latin typeface="Courier New" panose="02070309020205020404" pitchFamily="49" charset="0"/>
-                <a:cs typeface="Courier New" panose="02070309020205020404" pitchFamily="49" charset="0"/>
-              </a:rPr>
-              <a:t>Cat.hungry</a:t>
-            </a:r>
-            <a:r>
-              <a:rPr lang="en-US" sz="1400" b="1" dirty="0">
-                <a:latin typeface="Courier New" panose="02070309020205020404" pitchFamily="49" charset="0"/>
-                <a:cs typeface="Courier New" panose="02070309020205020404" pitchFamily="49" charset="0"/>
-              </a:rPr>
-              <a:t>;</a:t>
             </a:r>
           </a:p>
           <a:p>
@@ -29441,6 +29722,21 @@
           </a:p>
           <a:p>
             <a:r>
+              <a:rPr lang="en-US" sz="1400" b="1" dirty="0">
+                <a:latin typeface="Courier New" panose="02070309020205020404" pitchFamily="49" charset="0"/>
+                <a:cs typeface="Courier New" panose="02070309020205020404" pitchFamily="49" charset="0"/>
+              </a:rPr>
+              <a:t>Cat.name = 'Reagan';</a:t>
+            </a:r>
+          </a:p>
+          <a:p>
+            <a:endParaRPr lang="en-US" sz="1400" b="1" dirty="0">
+              <a:latin typeface="Courier New" panose="02070309020205020404" pitchFamily="49" charset="0"/>
+              <a:cs typeface="Courier New" panose="02070309020205020404" pitchFamily="49" charset="0"/>
+            </a:endParaRPr>
+          </a:p>
+          <a:p>
+            <a:r>
               <a:rPr lang="en-US" sz="1400" dirty="0">
                 <a:latin typeface="Courier New" panose="02070309020205020404" pitchFamily="49" charset="0"/>
                 <a:cs typeface="Courier New" panose="02070309020205020404" pitchFamily="49" charset="0"/>
@@ -29464,25 +29760,11 @@
           </a:p>
           <a:p>
             <a:r>
-              <a:rPr lang="en-US" sz="1400" b="1" dirty="0">
-                <a:latin typeface="Courier New" panose="02070309020205020404" pitchFamily="49" charset="0"/>
-                <a:cs typeface="Courier New" panose="02070309020205020404" pitchFamily="49" charset="0"/>
-              </a:rPr>
-              <a:t>console.log(`This cat is ${</a:t>
-            </a:r>
-            <a:r>
-              <a:rPr lang="en-US" sz="1400" b="1" dirty="0" err="1">
-                <a:latin typeface="Courier New" panose="02070309020205020404" pitchFamily="49" charset="0"/>
-                <a:cs typeface="Courier New" panose="02070309020205020404" pitchFamily="49" charset="0"/>
-              </a:rPr>
-              <a:t>Cat.hungry</a:t>
-            </a:r>
-            <a:r>
-              <a:rPr lang="en-US" sz="1400" b="1" dirty="0">
-                <a:latin typeface="Courier New" panose="02070309020205020404" pitchFamily="49" charset="0"/>
-                <a:cs typeface="Courier New" panose="02070309020205020404" pitchFamily="49" charset="0"/>
-              </a:rPr>
-              <a:t> ? 'hungry' : 'not hungry'}.`);</a:t>
+              <a:rPr lang="en-US" sz="1400" dirty="0">
+                <a:latin typeface="Courier New" panose="02070309020205020404" pitchFamily="49" charset="0"/>
+                <a:cs typeface="Courier New" panose="02070309020205020404" pitchFamily="49" charset="0"/>
+              </a:rPr>
+              <a:t>console.log(Cat.name);</a:t>
             </a:r>
           </a:p>
         </p:txBody>
@@ -29504,7 +29786,7 @@
           <a:p>
             <a:r>
               <a:rPr lang="en-US" dirty="0"/>
-              <a:t>Removing members</a:t>
+              <a:t>Modifying members</a:t>
             </a:r>
           </a:p>
         </p:txBody>
@@ -29512,7 +29794,7 @@
     </p:spTree>
     <p:extLst>
       <p:ext uri="{BB962C8B-B14F-4D97-AF65-F5344CB8AC3E}">
-        <p14:creationId xmlns:p14="http://schemas.microsoft.com/office/powerpoint/2010/main" val="2610806527"/>
+        <p14:creationId xmlns:p14="http://schemas.microsoft.com/office/powerpoint/2010/main" val="1155829240"/>
       </p:ext>
     </p:extLst>
   </p:cSld>
@@ -29593,7 +29875,7 @@
             </a:pPr>
             <a:r>
               <a:rPr lang="en-US" sz="1600" dirty="0"/>
-              <a:t>Nesting an object within an object is common. For those who come from a traditional programming background, Animal here begins to look a lot like a namespace and Cat begins to look a lot more like a class: </a:t>
+              <a:t>Sometimes, it makes sense to add properties and methods to an object programmatically: </a:t>
             </a:r>
           </a:p>
           <a:p>
@@ -29602,7 +29884,7 @@
                 <a:latin typeface="Courier New" panose="02070309020205020404" pitchFamily="49" charset="0"/>
                 <a:cs typeface="Courier New" panose="02070309020205020404" pitchFamily="49" charset="0"/>
               </a:rPr>
-              <a:t>const Animal = {</a:t>
+              <a:t>const Cat = {</a:t>
             </a:r>
           </a:p>
           <a:p>
@@ -29611,7 +29893,7 @@
                 <a:latin typeface="Courier New" panose="02070309020205020404" pitchFamily="49" charset="0"/>
                 <a:cs typeface="Courier New" panose="02070309020205020404" pitchFamily="49" charset="0"/>
               </a:rPr>
-              <a:t>	Cat: {</a:t>
+              <a:t>	name: 'Reagan',</a:t>
             </a:r>
           </a:p>
           <a:p>
@@ -29620,16 +29902,21 @@
                 <a:latin typeface="Courier New" panose="02070309020205020404" pitchFamily="49" charset="0"/>
                 <a:cs typeface="Courier New" panose="02070309020205020404" pitchFamily="49" charset="0"/>
               </a:rPr>
-              <a:t>		name: 'Nixon',</a:t>
-            </a:r>
-          </a:p>
-          <a:p>
+              <a:t>	</a:t>
+            </a:r>
+            <a:r>
+              <a:rPr lang="en-US" sz="1400" dirty="0" err="1">
+                <a:latin typeface="Courier New" panose="02070309020205020404" pitchFamily="49" charset="0"/>
+                <a:cs typeface="Courier New" panose="02070309020205020404" pitchFamily="49" charset="0"/>
+              </a:rPr>
+              <a:t>displayCatInfo</a:t>
+            </a:r>
             <a:r>
               <a:rPr lang="en-US" sz="1400" dirty="0">
                 <a:latin typeface="Courier New" panose="02070309020205020404" pitchFamily="49" charset="0"/>
                 <a:cs typeface="Courier New" panose="02070309020205020404" pitchFamily="49" charset="0"/>
               </a:rPr>
-              <a:t>		breed: 'Bengal',</a:t>
+              <a:t>: function(breed, color) {</a:t>
             </a:r>
           </a:p>
           <a:p>
@@ -29638,7 +29925,7 @@
                 <a:latin typeface="Courier New" panose="02070309020205020404" pitchFamily="49" charset="0"/>
                 <a:cs typeface="Courier New" panose="02070309020205020404" pitchFamily="49" charset="0"/>
               </a:rPr>
-              <a:t>		color: 'Snow Mink'</a:t>
+              <a:t>		return `${this.name} is a ${color} ${breed}`;</a:t>
             </a:r>
           </a:p>
           <a:p>
@@ -29658,76 +29945,93 @@
               </a:rPr>
               <a:t>}</a:t>
             </a:r>
-            <a:br>
-              <a:rPr lang="en-US" sz="1600" dirty="0"/>
-            </a:br>
-            <a:br>
-              <a:rPr lang="en-US" sz="1600" dirty="0"/>
-            </a:br>
-            <a:r>
-              <a:rPr lang="en-US" sz="1600" dirty="0">
-                <a:cs typeface="Courier New" panose="02070309020205020404" pitchFamily="49" charset="0"/>
-              </a:rPr>
-              <a:t>You can refer to a nested object like this:</a:t>
-            </a:r>
-            <a:endParaRPr lang="en-US" sz="1400" dirty="0">
+          </a:p>
+          <a:p>
+            <a:endParaRPr lang="en-US" sz="1400" b="1" dirty="0">
               <a:latin typeface="Courier New" panose="02070309020205020404" pitchFamily="49" charset="0"/>
               <a:cs typeface="Courier New" panose="02070309020205020404" pitchFamily="49" charset="0"/>
             </a:endParaRPr>
           </a:p>
           <a:p>
             <a:r>
+              <a:rPr lang="en-US" sz="1400" b="1" dirty="0" err="1">
+                <a:latin typeface="Courier New" panose="02070309020205020404" pitchFamily="49" charset="0"/>
+                <a:cs typeface="Courier New" panose="02070309020205020404" pitchFamily="49" charset="0"/>
+              </a:rPr>
+              <a:t>Cat.hungry</a:t>
+            </a:r>
+            <a:r>
+              <a:rPr lang="en-US" sz="1400" b="1" dirty="0">
+                <a:latin typeface="Courier New" panose="02070309020205020404" pitchFamily="49" charset="0"/>
+                <a:cs typeface="Courier New" panose="02070309020205020404" pitchFamily="49" charset="0"/>
+              </a:rPr>
+              <a:t> = true;</a:t>
+            </a:r>
+          </a:p>
+          <a:p>
+            <a:endParaRPr lang="en-US" sz="1400" b="1" dirty="0">
+              <a:latin typeface="Courier New" panose="02070309020205020404" pitchFamily="49" charset="0"/>
+              <a:cs typeface="Courier New" panose="02070309020205020404" pitchFamily="49" charset="0"/>
+            </a:endParaRPr>
+          </a:p>
+          <a:p>
+            <a:r>
               <a:rPr lang="en-US" sz="1400" dirty="0">
                 <a:latin typeface="Courier New" panose="02070309020205020404" pitchFamily="49" charset="0"/>
                 <a:cs typeface="Courier New" panose="02070309020205020404" pitchFamily="49" charset="0"/>
               </a:rPr>
-              <a:t>console.log(Animal.Cat.name);</a:t>
-            </a:r>
-          </a:p>
-          <a:p>
+              <a:t>console.log(</a:t>
+            </a:r>
+            <a:r>
+              <a:rPr lang="en-US" sz="1400" dirty="0" err="1">
+                <a:latin typeface="Courier New" panose="02070309020205020404" pitchFamily="49" charset="0"/>
+                <a:cs typeface="Courier New" panose="02070309020205020404" pitchFamily="49" charset="0"/>
+              </a:rPr>
+              <a:t>Cat.displayCatInfo</a:t>
+            </a:r>
             <a:r>
               <a:rPr lang="en-US" sz="1400" dirty="0">
                 <a:latin typeface="Courier New" panose="02070309020205020404" pitchFamily="49" charset="0"/>
                 <a:cs typeface="Courier New" panose="02070309020205020404" pitchFamily="49" charset="0"/>
               </a:rPr>
-              <a:t>console.log(</a:t>
-            </a:r>
-            <a:r>
-              <a:rPr lang="en-US" sz="1400" dirty="0" err="1">
-                <a:latin typeface="Courier New" panose="02070309020205020404" pitchFamily="49" charset="0"/>
-                <a:cs typeface="Courier New" panose="02070309020205020404" pitchFamily="49" charset="0"/>
-              </a:rPr>
-              <a:t>Animal.Cat.breed</a:t>
-            </a:r>
+              <a:t>('Siamese', 'White'));</a:t>
+            </a:r>
+          </a:p>
+          <a:p>
             <a:r>
               <a:rPr lang="en-US" sz="1400" dirty="0">
                 <a:latin typeface="Courier New" panose="02070309020205020404" pitchFamily="49" charset="0"/>
                 <a:cs typeface="Courier New" panose="02070309020205020404" pitchFamily="49" charset="0"/>
               </a:rPr>
-              <a:t>);</a:t>
-            </a:r>
-          </a:p>
-          <a:p>
+              <a:t>console.log(`The cat is </a:t>
+            </a:r>
+            <a:r>
+              <a:rPr lang="en-US" sz="1400" b="1" dirty="0">
+                <a:latin typeface="Courier New" panose="02070309020205020404" pitchFamily="49" charset="0"/>
+                <a:cs typeface="Courier New" panose="02070309020205020404" pitchFamily="49" charset="0"/>
+              </a:rPr>
+              <a:t>${</a:t>
+            </a:r>
+            <a:r>
+              <a:rPr lang="en-US" sz="1400" b="1" dirty="0" err="1">
+                <a:latin typeface="Courier New" panose="02070309020205020404" pitchFamily="49" charset="0"/>
+                <a:cs typeface="Courier New" panose="02070309020205020404" pitchFamily="49" charset="0"/>
+              </a:rPr>
+              <a:t>Cat.hungry</a:t>
+            </a:r>
+            <a:r>
+              <a:rPr lang="en-US" sz="1400" b="1" dirty="0">
+                <a:latin typeface="Courier New" panose="02070309020205020404" pitchFamily="49" charset="0"/>
+                <a:cs typeface="Courier New" panose="02070309020205020404" pitchFamily="49" charset="0"/>
+              </a:rPr>
+              <a:t> ? 'hungry' : 'not hungry'}.</a:t>
+            </a:r>
             <a:r>
               <a:rPr lang="en-US" sz="1400" dirty="0">
                 <a:latin typeface="Courier New" panose="02070309020205020404" pitchFamily="49" charset="0"/>
                 <a:cs typeface="Courier New" panose="02070309020205020404" pitchFamily="49" charset="0"/>
               </a:rPr>
-              <a:t>console.log(</a:t>
-            </a:r>
-            <a:r>
-              <a:rPr lang="en-US" sz="1400" dirty="0" err="1">
-                <a:latin typeface="Courier New" panose="02070309020205020404" pitchFamily="49" charset="0"/>
-                <a:cs typeface="Courier New" panose="02070309020205020404" pitchFamily="49" charset="0"/>
-              </a:rPr>
-              <a:t>Animal.Cat.color</a:t>
-            </a:r>
-            <a:r>
-              <a:rPr lang="en-US" sz="1400" dirty="0">
-                <a:latin typeface="Courier New" panose="02070309020205020404" pitchFamily="49" charset="0"/>
-                <a:cs typeface="Courier New" panose="02070309020205020404" pitchFamily="49" charset="0"/>
-              </a:rPr>
-              <a:t>);</a:t>
+              <a:t>`);</a:t>
             </a:r>
           </a:p>
         </p:txBody>
@@ -29749,7 +30053,7 @@
           <a:p>
             <a:r>
               <a:rPr lang="en-US" dirty="0"/>
-              <a:t>Nesting objects</a:t>
+              <a:t>Adding members</a:t>
             </a:r>
           </a:p>
         </p:txBody>
@@ -29757,7 +30061,7 @@
     </p:spTree>
     <p:extLst>
       <p:ext uri="{BB962C8B-B14F-4D97-AF65-F5344CB8AC3E}">
-        <p14:creationId xmlns:p14="http://schemas.microsoft.com/office/powerpoint/2010/main" val="1631844779"/>
+        <p14:creationId xmlns:p14="http://schemas.microsoft.com/office/powerpoint/2010/main" val="3244390933"/>
       </p:ext>
     </p:extLst>
   </p:cSld>
@@ -29819,8 +30123,8 @@
         </p:nvSpPr>
         <p:spPr>
           <a:xfrm>
-            <a:off x="335359" y="1628800"/>
-            <a:ext cx="11512083" cy="4629125"/>
+            <a:off x="335360" y="1628800"/>
+            <a:ext cx="11504132" cy="4629125"/>
           </a:xfrm>
         </p:spPr>
         <p:txBody>
@@ -29838,110 +30142,129 @@
             </a:pPr>
             <a:r>
               <a:rPr lang="en-US" sz="1600" dirty="0"/>
-              <a:t>Earlier you saw how to handle inheritance by utilizing the prototype property to inherit one object from another. The syntax for accomplishing this using literal notation is slightly more convoluted but can still be accomplished like this:</a:t>
-            </a:r>
-          </a:p>
-          <a:p>
-            <a:pPr lvl="1">
-              <a:spcAft>
-                <a:spcPts val="0"/>
-              </a:spcAft>
-              <a:buClr>
-                <a:schemeClr val="tx2">
-                  <a:lumMod val="50000"/>
-                </a:schemeClr>
-              </a:buClr>
-            </a:pPr>
+              <a:t>Sometimes it makes sense to remove properties and methods from an object programmatically: </a:t>
+            </a:r>
+          </a:p>
+          <a:p>
             <a:r>
               <a:rPr lang="en-US" sz="1400" dirty="0">
                 <a:latin typeface="Courier New" panose="02070309020205020404" pitchFamily="49" charset="0"/>
                 <a:cs typeface="Courier New" panose="02070309020205020404" pitchFamily="49" charset="0"/>
               </a:rPr>
-              <a:t>const Animal = {</a:t>
-            </a:r>
-          </a:p>
-          <a:p>
-            <a:pPr lvl="1">
-              <a:spcAft>
-                <a:spcPts val="0"/>
-              </a:spcAft>
-              <a:buClr>
-                <a:schemeClr val="tx2">
-                  <a:lumMod val="50000"/>
-                </a:schemeClr>
-              </a:buClr>
-            </a:pPr>
+              <a:t>const Cat = {</a:t>
+            </a:r>
+          </a:p>
+          <a:p>
             <a:r>
               <a:rPr lang="en-US" sz="1400" dirty="0">
                 <a:latin typeface="Courier New" panose="02070309020205020404" pitchFamily="49" charset="0"/>
                 <a:cs typeface="Courier New" panose="02070309020205020404" pitchFamily="49" charset="0"/>
               </a:rPr>
-              <a:t>	breed: 'Bengal'</a:t>
-            </a:r>
-          </a:p>
-          <a:p>
-            <a:pPr lvl="1">
-              <a:spcAft>
-                <a:spcPts val="0"/>
-              </a:spcAft>
-              <a:buClr>
-                <a:schemeClr val="tx2">
-                  <a:lumMod val="50000"/>
-                </a:schemeClr>
-              </a:buClr>
-            </a:pPr>
+              <a:t>	name: 'Reagan',</a:t>
+            </a:r>
+          </a:p>
+          <a:p>
             <a:r>
               <a:rPr lang="en-US" sz="1400" dirty="0">
                 <a:latin typeface="Courier New" panose="02070309020205020404" pitchFamily="49" charset="0"/>
                 <a:cs typeface="Courier New" panose="02070309020205020404" pitchFamily="49" charset="0"/>
               </a:rPr>
-              <a:t>};</a:t>
-            </a:r>
-          </a:p>
-          <a:p>
-            <a:pPr lvl="1">
-              <a:spcAft>
-                <a:spcPts val="0"/>
-              </a:spcAft>
-              <a:buClr>
-                <a:schemeClr val="tx2">
-                  <a:lumMod val="50000"/>
-                </a:schemeClr>
-              </a:buClr>
-            </a:pPr>
+              <a:t>	</a:t>
+            </a:r>
+            <a:r>
+              <a:rPr lang="en-US" sz="1400" dirty="0" err="1">
+                <a:latin typeface="Courier New" panose="02070309020205020404" pitchFamily="49" charset="0"/>
+                <a:cs typeface="Courier New" panose="02070309020205020404" pitchFamily="49" charset="0"/>
+              </a:rPr>
+              <a:t>displayCatInfo</a:t>
+            </a:r>
             <a:r>
               <a:rPr lang="en-US" sz="1400" dirty="0">
                 <a:latin typeface="Courier New" panose="02070309020205020404" pitchFamily="49" charset="0"/>
                 <a:cs typeface="Courier New" panose="02070309020205020404" pitchFamily="49" charset="0"/>
               </a:rPr>
-              <a:t>const Cat = </a:t>
+              <a:t>: function(breed, color) {</a:t>
+            </a:r>
+          </a:p>
+          <a:p>
+            <a:r>
+              <a:rPr lang="en-US" sz="1400" dirty="0">
+                <a:latin typeface="Courier New" panose="02070309020205020404" pitchFamily="49" charset="0"/>
+                <a:cs typeface="Courier New" panose="02070309020205020404" pitchFamily="49" charset="0"/>
+              </a:rPr>
+              <a:t>		return `${this.name} is a ${color} ${breed}`;</a:t>
+            </a:r>
+          </a:p>
+          <a:p>
+            <a:r>
+              <a:rPr lang="en-US" sz="1400" dirty="0">
+                <a:latin typeface="Courier New" panose="02070309020205020404" pitchFamily="49" charset="0"/>
+                <a:cs typeface="Courier New" panose="02070309020205020404" pitchFamily="49" charset="0"/>
+              </a:rPr>
+              <a:t>	}</a:t>
+            </a:r>
+          </a:p>
+          <a:p>
+            <a:r>
+              <a:rPr lang="en-US" sz="1400" dirty="0">
+                <a:latin typeface="Courier New" panose="02070309020205020404" pitchFamily="49" charset="0"/>
+                <a:cs typeface="Courier New" panose="02070309020205020404" pitchFamily="49" charset="0"/>
+              </a:rPr>
+              <a:t>}</a:t>
+            </a:r>
+          </a:p>
+          <a:p>
+            <a:endParaRPr lang="en-US" sz="1400" dirty="0">
+              <a:latin typeface="Courier New" panose="02070309020205020404" pitchFamily="49" charset="0"/>
+              <a:cs typeface="Courier New" panose="02070309020205020404" pitchFamily="49" charset="0"/>
+            </a:endParaRPr>
+          </a:p>
+          <a:p>
+            <a:r>
+              <a:rPr lang="en-US" sz="1400" dirty="0" err="1">
+                <a:latin typeface="Courier New" panose="02070309020205020404" pitchFamily="49" charset="0"/>
+                <a:cs typeface="Courier New" panose="02070309020205020404" pitchFamily="49" charset="0"/>
+              </a:rPr>
+              <a:t>Cat.hungry</a:t>
+            </a:r>
+            <a:r>
+              <a:rPr lang="en-US" sz="1400" dirty="0">
+                <a:latin typeface="Courier New" panose="02070309020205020404" pitchFamily="49" charset="0"/>
+                <a:cs typeface="Courier New" panose="02070309020205020404" pitchFamily="49" charset="0"/>
+              </a:rPr>
+              <a:t> = true;</a:t>
+            </a:r>
+          </a:p>
+          <a:p>
+            <a:r>
+              <a:rPr lang="en-US" sz="1400" b="1" dirty="0">
+                <a:latin typeface="Courier New" panose="02070309020205020404" pitchFamily="49" charset="0"/>
+                <a:cs typeface="Courier New" panose="02070309020205020404" pitchFamily="49" charset="0"/>
+              </a:rPr>
+              <a:t>delete </a:t>
             </a:r>
             <a:r>
               <a:rPr lang="en-US" sz="1400" b="1" dirty="0" err="1">
                 <a:latin typeface="Courier New" panose="02070309020205020404" pitchFamily="49" charset="0"/>
                 <a:cs typeface="Courier New" panose="02070309020205020404" pitchFamily="49" charset="0"/>
               </a:rPr>
-              <a:t>Object.create</a:t>
+              <a:t>Cat.hungry</a:t>
             </a:r>
             <a:r>
               <a:rPr lang="en-US" sz="1400" b="1" dirty="0">
                 <a:latin typeface="Courier New" panose="02070309020205020404" pitchFamily="49" charset="0"/>
                 <a:cs typeface="Courier New" panose="02070309020205020404" pitchFamily="49" charset="0"/>
               </a:rPr>
-              <a:t>(Animal);</a:t>
-            </a:r>
-          </a:p>
-          <a:p>
-            <a:pPr lvl="1">
-              <a:spcAft>
-                <a:spcPts val="0"/>
-              </a:spcAft>
-              <a:buClr>
-                <a:schemeClr val="tx2">
-                  <a:lumMod val="50000"/>
-                </a:schemeClr>
-              </a:buClr>
-            </a:pPr>
+              <a:t>;</a:t>
+            </a:r>
+          </a:p>
+          <a:p>
+            <a:endParaRPr lang="en-US" sz="1400" b="1" dirty="0">
+              <a:latin typeface="Courier New" panose="02070309020205020404" pitchFamily="49" charset="0"/>
+              <a:cs typeface="Courier New" panose="02070309020205020404" pitchFamily="49" charset="0"/>
+            </a:endParaRPr>
+          </a:p>
+          <a:p>
             <a:r>
               <a:rPr lang="en-US" sz="1400" dirty="0">
                 <a:latin typeface="Courier New" panose="02070309020205020404" pitchFamily="49" charset="0"/>
@@ -29954,14 +30277,37 @@
                 <a:latin typeface="Courier New" panose="02070309020205020404" pitchFamily="49" charset="0"/>
                 <a:cs typeface="Courier New" panose="02070309020205020404" pitchFamily="49" charset="0"/>
               </a:rPr>
-              <a:t>Cat.breed</a:t>
+              <a:t>Cat.displayCatInfo</a:t>
             </a:r>
             <a:r>
               <a:rPr lang="en-US" sz="1400" dirty="0">
                 <a:latin typeface="Courier New" panose="02070309020205020404" pitchFamily="49" charset="0"/>
                 <a:cs typeface="Courier New" panose="02070309020205020404" pitchFamily="49" charset="0"/>
               </a:rPr>
-              <a:t>);				// Returns 'Bengal'</a:t>
+              <a:t>('Siamese', 'White'));</a:t>
+            </a:r>
+          </a:p>
+          <a:p>
+            <a:r>
+              <a:rPr lang="en-US" sz="1400" b="1" dirty="0">
+                <a:latin typeface="Courier New" panose="02070309020205020404" pitchFamily="49" charset="0"/>
+                <a:cs typeface="Courier New" panose="02070309020205020404" pitchFamily="49" charset="0"/>
+              </a:rPr>
+              <a:t>console.log(`This cat is ${</a:t>
+            </a:r>
+            <a:r>
+              <a:rPr lang="en-US" sz="1400" b="1" dirty="0" err="1">
+                <a:latin typeface="Courier New" panose="02070309020205020404" pitchFamily="49" charset="0"/>
+                <a:cs typeface="Courier New" panose="02070309020205020404" pitchFamily="49" charset="0"/>
+              </a:rPr>
+              <a:t>Cat.hungry</a:t>
+            </a:r>
+            <a:r>
+              <a:rPr lang="en-US" sz="1400" b="1" dirty="0">
+                <a:latin typeface="Courier New" panose="02070309020205020404" pitchFamily="49" charset="0"/>
+                <a:cs typeface="Courier New" panose="02070309020205020404" pitchFamily="49" charset="0"/>
+              </a:rPr>
+              <a:t> ? 'hungry' : 'not hungry'}.`);</a:t>
             </a:r>
           </a:p>
         </p:txBody>
@@ -29983,7 +30329,7 @@
           <a:p>
             <a:r>
               <a:rPr lang="en-US" dirty="0"/>
-              <a:t>Inheritance</a:t>
+              <a:t>Removing members</a:t>
             </a:r>
           </a:p>
         </p:txBody>
@@ -29991,7 +30337,7 @@
     </p:spTree>
     <p:extLst>
       <p:ext uri="{BB962C8B-B14F-4D97-AF65-F5344CB8AC3E}">
-        <p14:creationId xmlns:p14="http://schemas.microsoft.com/office/powerpoint/2010/main" val="3773296931"/>
+        <p14:creationId xmlns:p14="http://schemas.microsoft.com/office/powerpoint/2010/main" val="2610806527"/>
       </p:ext>
     </p:extLst>
   </p:cSld>
@@ -30067,7 +30413,13 @@
         <p:nvGraphicFramePr>
           <p:cNvPr id="37" name="Diagram 36"/>
           <p:cNvGraphicFramePr/>
-          <p:nvPr/>
+          <p:nvPr>
+            <p:extLst>
+              <p:ext uri="{D42A27DB-BD31-4B8C-83A1-F6EECF244321}">
+                <p14:modId xmlns:p14="http://schemas.microsoft.com/office/powerpoint/2010/main" val="3588062817"/>
+              </p:ext>
+            </p:extLst>
+          </p:nvPr>
         </p:nvGraphicFramePr>
         <p:xfrm>
           <a:off x="442135" y="1547578"/>
@@ -30144,8 +30496,8 @@
         </p:nvSpPr>
         <p:spPr>
           <a:xfrm>
-            <a:off x="335359" y="1628800"/>
-            <a:ext cx="11511019" cy="4629125"/>
+            <a:off x="335360" y="1628800"/>
+            <a:ext cx="11504132" cy="4629125"/>
           </a:xfrm>
         </p:spPr>
         <p:txBody>
@@ -30163,20 +30515,10 @@
             </a:pPr>
             <a:r>
               <a:rPr lang="en-US" sz="1600" dirty="0"/>
-              <a:t>A more practical example might look like this:</a:t>
-            </a:r>
-          </a:p>
-          <a:p>
-            <a:pPr lvl="1">
-              <a:spcAft>
-                <a:spcPts val="0"/>
-              </a:spcAft>
-              <a:buClr>
-                <a:schemeClr val="tx2">
-                  <a:lumMod val="50000"/>
-                </a:schemeClr>
-              </a:buClr>
-            </a:pPr>
+              <a:t>Nesting an object within an object is common. For those who come from a traditional programming background, Animal here begins to look a lot like a namespace and Cat begins to look a lot more like a class: </a:t>
+            </a:r>
+          </a:p>
+          <a:p>
             <a:r>
               <a:rPr lang="en-US" sz="1400" dirty="0">
                 <a:latin typeface="Courier New" panose="02070309020205020404" pitchFamily="49" charset="0"/>
@@ -30186,243 +30528,129 @@
             </a:r>
           </a:p>
           <a:p>
-            <a:pPr lvl="1">
-              <a:spcAft>
-                <a:spcPts val="0"/>
-              </a:spcAft>
-              <a:buClr>
-                <a:schemeClr val="tx2">
-                  <a:lumMod val="50000"/>
-                </a:schemeClr>
-              </a:buClr>
-            </a:pPr>
             <a:r>
               <a:rPr lang="en-US" sz="1400" dirty="0">
                 <a:latin typeface="Courier New" panose="02070309020205020404" pitchFamily="49" charset="0"/>
                 <a:cs typeface="Courier New" panose="02070309020205020404" pitchFamily="49" charset="0"/>
               </a:rPr>
-              <a:t>	name: 'Nixon',</a:t>
-            </a:r>
-          </a:p>
-          <a:p>
-            <a:pPr lvl="1">
-              <a:spcAft>
-                <a:spcPts val="0"/>
-              </a:spcAft>
-              <a:buClr>
-                <a:schemeClr val="tx2">
-                  <a:lumMod val="50000"/>
-                </a:schemeClr>
-              </a:buClr>
-            </a:pPr>
+              <a:t>	Cat: {</a:t>
+            </a:r>
+          </a:p>
+          <a:p>
             <a:r>
               <a:rPr lang="en-US" sz="1400" dirty="0">
                 <a:latin typeface="Courier New" panose="02070309020205020404" pitchFamily="49" charset="0"/>
                 <a:cs typeface="Courier New" panose="02070309020205020404" pitchFamily="49" charset="0"/>
               </a:rPr>
-              <a:t>	</a:t>
+              <a:t>		name: 'Nixon',</a:t>
+            </a:r>
+          </a:p>
+          <a:p>
+            <a:r>
+              <a:rPr lang="en-US" sz="1400" dirty="0">
+                <a:latin typeface="Courier New" panose="02070309020205020404" pitchFamily="49" charset="0"/>
+                <a:cs typeface="Courier New" panose="02070309020205020404" pitchFamily="49" charset="0"/>
+              </a:rPr>
+              <a:t>		breed: 'Bengal',</a:t>
+            </a:r>
+          </a:p>
+          <a:p>
+            <a:r>
+              <a:rPr lang="en-US" sz="1400" dirty="0">
+                <a:latin typeface="Courier New" panose="02070309020205020404" pitchFamily="49" charset="0"/>
+                <a:cs typeface="Courier New" panose="02070309020205020404" pitchFamily="49" charset="0"/>
+              </a:rPr>
+              <a:t>		color: 'Snow Mink'</a:t>
+            </a:r>
+          </a:p>
+          <a:p>
+            <a:r>
+              <a:rPr lang="en-US" sz="1400" dirty="0">
+                <a:latin typeface="Courier New" panose="02070309020205020404" pitchFamily="49" charset="0"/>
+                <a:cs typeface="Courier New" panose="02070309020205020404" pitchFamily="49" charset="0"/>
+              </a:rPr>
+              <a:t>	}</a:t>
+            </a:r>
+          </a:p>
+          <a:p>
+            <a:r>
+              <a:rPr lang="en-US" sz="1400" dirty="0">
+                <a:latin typeface="Courier New" panose="02070309020205020404" pitchFamily="49" charset="0"/>
+                <a:cs typeface="Courier New" panose="02070309020205020404" pitchFamily="49" charset="0"/>
+              </a:rPr>
+              <a:t>}</a:t>
+            </a:r>
+            <a:r>
+              <a:rPr lang="en-US" sz="1600" dirty="0"/>
+              <a:t/>
+            </a:r>
+            <a:br>
+              <a:rPr lang="en-US" sz="1600" dirty="0"/>
+            </a:br>
+            <a:r>
+              <a:rPr lang="en-US" sz="1600" dirty="0"/>
+              <a:t/>
+            </a:r>
+            <a:br>
+              <a:rPr lang="en-US" sz="1600" dirty="0"/>
+            </a:br>
+            <a:r>
+              <a:rPr lang="en-US" sz="1600" dirty="0">
+                <a:cs typeface="Courier New" panose="02070309020205020404" pitchFamily="49" charset="0"/>
+              </a:rPr>
+              <a:t>You can refer to a nested object like this:</a:t>
+            </a:r>
+            <a:endParaRPr lang="en-US" sz="1400" dirty="0">
+              <a:latin typeface="Courier New" panose="02070309020205020404" pitchFamily="49" charset="0"/>
+              <a:cs typeface="Courier New" panose="02070309020205020404" pitchFamily="49" charset="0"/>
+            </a:endParaRPr>
+          </a:p>
+          <a:p>
+            <a:r>
+              <a:rPr lang="en-US" sz="1400" dirty="0">
+                <a:latin typeface="Courier New" panose="02070309020205020404" pitchFamily="49" charset="0"/>
+                <a:cs typeface="Courier New" panose="02070309020205020404" pitchFamily="49" charset="0"/>
+              </a:rPr>
+              <a:t>console.log(Animal.Cat.name);</a:t>
+            </a:r>
+          </a:p>
+          <a:p>
+            <a:r>
+              <a:rPr lang="en-US" sz="1400" dirty="0">
+                <a:latin typeface="Courier New" panose="02070309020205020404" pitchFamily="49" charset="0"/>
+                <a:cs typeface="Courier New" panose="02070309020205020404" pitchFamily="49" charset="0"/>
+              </a:rPr>
+              <a:t>console.log(</a:t>
             </a:r>
             <a:r>
               <a:rPr lang="en-US" sz="1400" dirty="0" err="1">
                 <a:latin typeface="Courier New" panose="02070309020205020404" pitchFamily="49" charset="0"/>
                 <a:cs typeface="Courier New" panose="02070309020205020404" pitchFamily="49" charset="0"/>
               </a:rPr>
-              <a:t>displayCatInfo</a:t>
+              <a:t>Animal.Cat.breed</a:t>
             </a:r>
             <a:r>
               <a:rPr lang="en-US" sz="1400" dirty="0">
                 <a:latin typeface="Courier New" panose="02070309020205020404" pitchFamily="49" charset="0"/>
                 <a:cs typeface="Courier New" panose="02070309020205020404" pitchFamily="49" charset="0"/>
               </a:rPr>
-              <a:t>: function(breed, color) {</a:t>
-            </a:r>
-          </a:p>
-          <a:p>
-            <a:pPr lvl="1">
-              <a:spcAft>
-                <a:spcPts val="0"/>
-              </a:spcAft>
-              <a:buClr>
-                <a:schemeClr val="tx2">
-                  <a:lumMod val="50000"/>
-                </a:schemeClr>
-              </a:buClr>
-            </a:pPr>
+              <a:t>);</a:t>
+            </a:r>
+          </a:p>
+          <a:p>
             <a:r>
               <a:rPr lang="en-US" sz="1400" dirty="0">
                 <a:latin typeface="Courier New" panose="02070309020205020404" pitchFamily="49" charset="0"/>
                 <a:cs typeface="Courier New" panose="02070309020205020404" pitchFamily="49" charset="0"/>
               </a:rPr>
-              <a:t>		return `${this.name} is a ${color} ${breed}`;</a:t>
-            </a:r>
-          </a:p>
-          <a:p>
-            <a:pPr lvl="1">
-              <a:spcAft>
-                <a:spcPts val="0"/>
-              </a:spcAft>
-              <a:buClr>
-                <a:schemeClr val="tx2">
-                  <a:lumMod val="50000"/>
-                </a:schemeClr>
-              </a:buClr>
-            </a:pPr>
-            <a:r>
-              <a:rPr lang="en-US" sz="1400" dirty="0">
-                <a:latin typeface="Courier New" panose="02070309020205020404" pitchFamily="49" charset="0"/>
-                <a:cs typeface="Courier New" panose="02070309020205020404" pitchFamily="49" charset="0"/>
-              </a:rPr>
-              <a:t>	}</a:t>
-            </a:r>
-          </a:p>
-          <a:p>
-            <a:pPr lvl="1">
-              <a:spcAft>
-                <a:spcPts val="0"/>
-              </a:spcAft>
-              <a:buClr>
-                <a:schemeClr val="tx2">
-                  <a:lumMod val="50000"/>
-                </a:schemeClr>
-              </a:buClr>
-            </a:pPr>
-            <a:r>
-              <a:rPr lang="en-US" sz="1400" dirty="0">
-                <a:latin typeface="Courier New" panose="02070309020205020404" pitchFamily="49" charset="0"/>
-                <a:cs typeface="Courier New" panose="02070309020205020404" pitchFamily="49" charset="0"/>
-              </a:rPr>
-              <a:t>};</a:t>
-            </a:r>
-          </a:p>
-          <a:p>
-            <a:pPr lvl="1">
-              <a:spcAft>
-                <a:spcPts val="0"/>
-              </a:spcAft>
-              <a:buClr>
-                <a:schemeClr val="tx2">
-                  <a:lumMod val="50000"/>
-                </a:schemeClr>
-              </a:buClr>
-            </a:pPr>
-            <a:r>
-              <a:rPr lang="en-US" sz="1400" dirty="0">
-                <a:latin typeface="Courier New" panose="02070309020205020404" pitchFamily="49" charset="0"/>
-                <a:cs typeface="Courier New" panose="02070309020205020404" pitchFamily="49" charset="0"/>
-              </a:rPr>
-              <a:t>const Cat = </a:t>
+              <a:t>console.log(</a:t>
             </a:r>
             <a:r>
               <a:rPr lang="en-US" sz="1400" dirty="0" err="1">
                 <a:latin typeface="Courier New" panose="02070309020205020404" pitchFamily="49" charset="0"/>
                 <a:cs typeface="Courier New" panose="02070309020205020404" pitchFamily="49" charset="0"/>
               </a:rPr>
-              <a:t>Object.create</a:t>
-            </a:r>
-            <a:r>
-              <a:rPr lang="en-US" sz="1400" dirty="0">
-                <a:latin typeface="Courier New" panose="02070309020205020404" pitchFamily="49" charset="0"/>
-                <a:cs typeface="Courier New" panose="02070309020205020404" pitchFamily="49" charset="0"/>
-              </a:rPr>
-              <a:t>(Animal, {</a:t>
-            </a:r>
-          </a:p>
-          <a:p>
-            <a:pPr lvl="1">
-              <a:spcAft>
-                <a:spcPts val="0"/>
-              </a:spcAft>
-              <a:buClr>
-                <a:schemeClr val="tx2">
-                  <a:lumMod val="50000"/>
-                </a:schemeClr>
-              </a:buClr>
-            </a:pPr>
-            <a:r>
-              <a:rPr lang="en-US" sz="1400" dirty="0">
-                <a:latin typeface="Courier New" panose="02070309020205020404" pitchFamily="49" charset="0"/>
-                <a:cs typeface="Courier New" panose="02070309020205020404" pitchFamily="49" charset="0"/>
-              </a:rPr>
-              <a:t>	name: {value: 'Reagan'}</a:t>
-            </a:r>
-          </a:p>
-          <a:p>
-            <a:pPr lvl="1">
-              <a:spcAft>
-                <a:spcPts val="0"/>
-              </a:spcAft>
-              <a:buClr>
-                <a:schemeClr val="tx2">
-                  <a:lumMod val="50000"/>
-                </a:schemeClr>
-              </a:buClr>
-            </a:pPr>
-            <a:r>
-              <a:rPr lang="en-US" sz="1400" dirty="0">
-                <a:latin typeface="Courier New" panose="02070309020205020404" pitchFamily="49" charset="0"/>
-                <a:cs typeface="Courier New" panose="02070309020205020404" pitchFamily="49" charset="0"/>
-              </a:rPr>
-              <a:t>});</a:t>
-            </a:r>
-            <a:br>
-              <a:rPr lang="en-US" sz="1400" dirty="0">
-                <a:latin typeface="Courier New" panose="02070309020205020404" pitchFamily="49" charset="0"/>
-                <a:cs typeface="Courier New" panose="02070309020205020404" pitchFamily="49" charset="0"/>
-              </a:rPr>
-            </a:br>
-            <a:r>
-              <a:rPr lang="en-US" sz="1400" dirty="0">
-                <a:latin typeface="Courier New" panose="02070309020205020404" pitchFamily="49" charset="0"/>
-                <a:cs typeface="Courier New" panose="02070309020205020404" pitchFamily="49" charset="0"/>
-              </a:rPr>
-              <a:t>console.log(</a:t>
-            </a:r>
-            <a:r>
-              <a:rPr lang="en-US" sz="1400" dirty="0" err="1">
-                <a:latin typeface="Courier New" panose="02070309020205020404" pitchFamily="49" charset="0"/>
-                <a:cs typeface="Courier New" panose="02070309020205020404" pitchFamily="49" charset="0"/>
-              </a:rPr>
-              <a:t>Cat.displayCatInfo</a:t>
-            </a:r>
-            <a:r>
-              <a:rPr lang="en-US" sz="1400" dirty="0">
-                <a:latin typeface="Courier New" panose="02070309020205020404" pitchFamily="49" charset="0"/>
-                <a:cs typeface="Courier New" panose="02070309020205020404" pitchFamily="49" charset="0"/>
-              </a:rPr>
-              <a:t>('Siamese', 'White'));</a:t>
-            </a:r>
-            <a:br>
-              <a:rPr lang="en-US" sz="1400" dirty="0">
-                <a:latin typeface="Courier New" panose="02070309020205020404" pitchFamily="49" charset="0"/>
-                <a:cs typeface="Courier New" panose="02070309020205020404" pitchFamily="49" charset="0"/>
-              </a:rPr>
-            </a:br>
-            <a:r>
-              <a:rPr lang="en-US" sz="1400" dirty="0">
-                <a:latin typeface="Courier New" panose="02070309020205020404" pitchFamily="49" charset="0"/>
-                <a:cs typeface="Courier New" panose="02070309020205020404" pitchFamily="49" charset="0"/>
-              </a:rPr>
-              <a:t>console.log(Cat.name);</a:t>
-            </a:r>
-            <a:br>
-              <a:rPr lang="en-US" sz="1400" dirty="0">
-                <a:latin typeface="Courier New" panose="02070309020205020404" pitchFamily="49" charset="0"/>
-                <a:cs typeface="Courier New" panose="02070309020205020404" pitchFamily="49" charset="0"/>
-              </a:rPr>
-            </a:br>
-            <a:r>
-              <a:rPr lang="en-US" sz="1400" dirty="0">
-                <a:latin typeface="Courier New" panose="02070309020205020404" pitchFamily="49" charset="0"/>
-                <a:cs typeface="Courier New" panose="02070309020205020404" pitchFamily="49" charset="0"/>
-              </a:rPr>
-              <a:t>console.log(</a:t>
-            </a:r>
-            <a:r>
-              <a:rPr lang="en-US" sz="1400" dirty="0" err="1">
-                <a:latin typeface="Courier New" panose="02070309020205020404" pitchFamily="49" charset="0"/>
-                <a:cs typeface="Courier New" panose="02070309020205020404" pitchFamily="49" charset="0"/>
-              </a:rPr>
-              <a:t>Cat.breed</a:t>
+              <a:t>Animal.Cat.color</a:t>
             </a:r>
             <a:r>
               <a:rPr lang="en-US" sz="1400" dirty="0">
@@ -30451,6 +30679,617 @@
           <a:p>
             <a:r>
               <a:rPr lang="en-US" dirty="0"/>
+              <a:t>Nesting objects</a:t>
+            </a:r>
+          </a:p>
+        </p:txBody>
+      </p:sp>
+    </p:spTree>
+    <p:extLst>
+      <p:ext uri="{BB962C8B-B14F-4D97-AF65-F5344CB8AC3E}">
+        <p14:creationId xmlns:p14="http://schemas.microsoft.com/office/powerpoint/2010/main" val="1631844779"/>
+      </p:ext>
+    </p:extLst>
+  </p:cSld>
+  <p:clrMapOvr>
+    <a:masterClrMapping/>
+  </p:clrMapOvr>
+</p:sld>
+</file>
+
+<file path=ppt/slides/slide51.xml><?xml version="1.0" encoding="utf-8"?>
+<p:sld xmlns:a="http://schemas.openxmlformats.org/drawingml/2006/main" xmlns:r="http://schemas.openxmlformats.org/officeDocument/2006/relationships" xmlns:p="http://schemas.openxmlformats.org/presentationml/2006/main">
+  <p:cSld>
+    <p:spTree>
+      <p:nvGrpSpPr>
+        <p:cNvPr id="1" name=""/>
+        <p:cNvGrpSpPr/>
+        <p:nvPr/>
+      </p:nvGrpSpPr>
+      <p:grpSpPr>
+        <a:xfrm>
+          <a:off x="0" y="0"/>
+          <a:ext cx="0" cy="0"/>
+          <a:chOff x="0" y="0"/>
+          <a:chExt cx="0" cy="0"/>
+        </a:xfrm>
+      </p:grpSpPr>
+      <p:sp>
+        <p:nvSpPr>
+          <p:cNvPr id="5" name="Title 4"/>
+          <p:cNvSpPr>
+            <a:spLocks noGrp="1"/>
+          </p:cNvSpPr>
+          <p:nvPr>
+            <p:ph type="title"/>
+          </p:nvPr>
+        </p:nvSpPr>
+        <p:spPr/>
+        <p:txBody>
+          <a:bodyPr/>
+          <a:lstStyle/>
+          <a:p>
+            <a:r>
+              <a:rPr lang="en-US" dirty="0"/>
+              <a:t>Working with Objects</a:t>
+            </a:r>
+            <a:endParaRPr lang="nl-NL" dirty="0"/>
+          </a:p>
+        </p:txBody>
+      </p:sp>
+      <p:sp>
+        <p:nvSpPr>
+          <p:cNvPr id="7" name="Text Placeholder 6"/>
+          <p:cNvSpPr>
+            <a:spLocks noGrp="1"/>
+          </p:cNvSpPr>
+          <p:nvPr>
+            <p:ph type="body" sz="quarter" idx="14"/>
+          </p:nvPr>
+        </p:nvSpPr>
+        <p:spPr>
+          <a:xfrm>
+            <a:off x="335359" y="1628800"/>
+            <a:ext cx="11512083" cy="4629125"/>
+          </a:xfrm>
+        </p:spPr>
+        <p:txBody>
+          <a:bodyPr>
+            <a:noAutofit/>
+          </a:bodyPr>
+          <a:lstStyle/>
+          <a:p>
+            <a:pPr lvl="1">
+              <a:buClr>
+                <a:schemeClr val="tx2">
+                  <a:lumMod val="50000"/>
+                </a:schemeClr>
+              </a:buClr>
+            </a:pPr>
+            <a:r>
+              <a:rPr lang="en-US" sz="1600" dirty="0"/>
+              <a:t>Earlier you saw how to handle inheritance by utilizing the prototype property to inherit one object from another. The syntax for accomplishing this using literal notation is slightly more convoluted but can still be accomplished like this:</a:t>
+            </a:r>
+          </a:p>
+          <a:p>
+            <a:pPr lvl="1">
+              <a:spcAft>
+                <a:spcPts val="0"/>
+              </a:spcAft>
+              <a:buClr>
+                <a:schemeClr val="tx2">
+                  <a:lumMod val="50000"/>
+                </a:schemeClr>
+              </a:buClr>
+            </a:pPr>
+            <a:r>
+              <a:rPr lang="en-US" sz="1400" dirty="0">
+                <a:latin typeface="Courier New" panose="02070309020205020404" pitchFamily="49" charset="0"/>
+                <a:cs typeface="Courier New" panose="02070309020205020404" pitchFamily="49" charset="0"/>
+              </a:rPr>
+              <a:t>const Animal = {</a:t>
+            </a:r>
+          </a:p>
+          <a:p>
+            <a:pPr lvl="1">
+              <a:spcAft>
+                <a:spcPts val="0"/>
+              </a:spcAft>
+              <a:buClr>
+                <a:schemeClr val="tx2">
+                  <a:lumMod val="50000"/>
+                </a:schemeClr>
+              </a:buClr>
+            </a:pPr>
+            <a:r>
+              <a:rPr lang="en-US" sz="1400" dirty="0">
+                <a:latin typeface="Courier New" panose="02070309020205020404" pitchFamily="49" charset="0"/>
+                <a:cs typeface="Courier New" panose="02070309020205020404" pitchFamily="49" charset="0"/>
+              </a:rPr>
+              <a:t>	breed: 'Bengal'</a:t>
+            </a:r>
+          </a:p>
+          <a:p>
+            <a:pPr lvl="1">
+              <a:spcAft>
+                <a:spcPts val="0"/>
+              </a:spcAft>
+              <a:buClr>
+                <a:schemeClr val="tx2">
+                  <a:lumMod val="50000"/>
+                </a:schemeClr>
+              </a:buClr>
+            </a:pPr>
+            <a:r>
+              <a:rPr lang="en-US" sz="1400" dirty="0">
+                <a:latin typeface="Courier New" panose="02070309020205020404" pitchFamily="49" charset="0"/>
+                <a:cs typeface="Courier New" panose="02070309020205020404" pitchFamily="49" charset="0"/>
+              </a:rPr>
+              <a:t>};</a:t>
+            </a:r>
+          </a:p>
+          <a:p>
+            <a:pPr lvl="1">
+              <a:spcAft>
+                <a:spcPts val="0"/>
+              </a:spcAft>
+              <a:buClr>
+                <a:schemeClr val="tx2">
+                  <a:lumMod val="50000"/>
+                </a:schemeClr>
+              </a:buClr>
+            </a:pPr>
+            <a:r>
+              <a:rPr lang="en-US" sz="1400" dirty="0">
+                <a:latin typeface="Courier New" panose="02070309020205020404" pitchFamily="49" charset="0"/>
+                <a:cs typeface="Courier New" panose="02070309020205020404" pitchFamily="49" charset="0"/>
+              </a:rPr>
+              <a:t>const Cat = </a:t>
+            </a:r>
+            <a:r>
+              <a:rPr lang="en-US" sz="1400" b="1" dirty="0" err="1">
+                <a:latin typeface="Courier New" panose="02070309020205020404" pitchFamily="49" charset="0"/>
+                <a:cs typeface="Courier New" panose="02070309020205020404" pitchFamily="49" charset="0"/>
+              </a:rPr>
+              <a:t>Object.create</a:t>
+            </a:r>
+            <a:r>
+              <a:rPr lang="en-US" sz="1400" b="1" dirty="0">
+                <a:latin typeface="Courier New" panose="02070309020205020404" pitchFamily="49" charset="0"/>
+                <a:cs typeface="Courier New" panose="02070309020205020404" pitchFamily="49" charset="0"/>
+              </a:rPr>
+              <a:t>(Animal);</a:t>
+            </a:r>
+          </a:p>
+          <a:p>
+            <a:pPr lvl="1">
+              <a:spcAft>
+                <a:spcPts val="0"/>
+              </a:spcAft>
+              <a:buClr>
+                <a:schemeClr val="tx2">
+                  <a:lumMod val="50000"/>
+                </a:schemeClr>
+              </a:buClr>
+            </a:pPr>
+            <a:r>
+              <a:rPr lang="en-US" sz="1400" dirty="0">
+                <a:latin typeface="Courier New" panose="02070309020205020404" pitchFamily="49" charset="0"/>
+                <a:cs typeface="Courier New" panose="02070309020205020404" pitchFamily="49" charset="0"/>
+              </a:rPr>
+              <a:t>console.log(</a:t>
+            </a:r>
+            <a:r>
+              <a:rPr lang="en-US" sz="1400" dirty="0" err="1">
+                <a:latin typeface="Courier New" panose="02070309020205020404" pitchFamily="49" charset="0"/>
+                <a:cs typeface="Courier New" panose="02070309020205020404" pitchFamily="49" charset="0"/>
+              </a:rPr>
+              <a:t>Cat.breed</a:t>
+            </a:r>
+            <a:r>
+              <a:rPr lang="en-US" sz="1400" dirty="0">
+                <a:latin typeface="Courier New" panose="02070309020205020404" pitchFamily="49" charset="0"/>
+                <a:cs typeface="Courier New" panose="02070309020205020404" pitchFamily="49" charset="0"/>
+              </a:rPr>
+              <a:t>);				// Returns 'Bengal'</a:t>
+            </a:r>
+          </a:p>
+        </p:txBody>
+      </p:sp>
+      <p:sp>
+        <p:nvSpPr>
+          <p:cNvPr id="2" name="Text Placeholder 1"/>
+          <p:cNvSpPr>
+            <a:spLocks noGrp="1"/>
+          </p:cNvSpPr>
+          <p:nvPr>
+            <p:ph type="body" sz="quarter" idx="11"/>
+          </p:nvPr>
+        </p:nvSpPr>
+        <p:spPr/>
+        <p:txBody>
+          <a:bodyPr/>
+          <a:lstStyle/>
+          <a:p>
+            <a:r>
+              <a:rPr lang="en-US" dirty="0"/>
+              <a:t>Inheritance</a:t>
+            </a:r>
+          </a:p>
+        </p:txBody>
+      </p:sp>
+    </p:spTree>
+    <p:extLst>
+      <p:ext uri="{BB962C8B-B14F-4D97-AF65-F5344CB8AC3E}">
+        <p14:creationId xmlns:p14="http://schemas.microsoft.com/office/powerpoint/2010/main" val="3773296931"/>
+      </p:ext>
+    </p:extLst>
+  </p:cSld>
+  <p:clrMapOvr>
+    <a:masterClrMapping/>
+  </p:clrMapOvr>
+</p:sld>
+</file>
+
+<file path=ppt/slides/slide52.xml><?xml version="1.0" encoding="utf-8"?>
+<p:sld xmlns:a="http://schemas.openxmlformats.org/drawingml/2006/main" xmlns:r="http://schemas.openxmlformats.org/officeDocument/2006/relationships" xmlns:p="http://schemas.openxmlformats.org/presentationml/2006/main">
+  <p:cSld>
+    <p:spTree>
+      <p:nvGrpSpPr>
+        <p:cNvPr id="1" name=""/>
+        <p:cNvGrpSpPr/>
+        <p:nvPr/>
+      </p:nvGrpSpPr>
+      <p:grpSpPr>
+        <a:xfrm>
+          <a:off x="0" y="0"/>
+          <a:ext cx="0" cy="0"/>
+          <a:chOff x="0" y="0"/>
+          <a:chExt cx="0" cy="0"/>
+        </a:xfrm>
+      </p:grpSpPr>
+      <p:sp>
+        <p:nvSpPr>
+          <p:cNvPr id="5" name="Title 4"/>
+          <p:cNvSpPr>
+            <a:spLocks noGrp="1"/>
+          </p:cNvSpPr>
+          <p:nvPr>
+            <p:ph type="title"/>
+          </p:nvPr>
+        </p:nvSpPr>
+        <p:spPr/>
+        <p:txBody>
+          <a:bodyPr/>
+          <a:lstStyle/>
+          <a:p>
+            <a:r>
+              <a:rPr lang="en-US" dirty="0"/>
+              <a:t>Working with Objects</a:t>
+            </a:r>
+            <a:endParaRPr lang="nl-NL" dirty="0"/>
+          </a:p>
+        </p:txBody>
+      </p:sp>
+      <p:sp>
+        <p:nvSpPr>
+          <p:cNvPr id="7" name="Text Placeholder 6"/>
+          <p:cNvSpPr>
+            <a:spLocks noGrp="1"/>
+          </p:cNvSpPr>
+          <p:nvPr>
+            <p:ph type="body" sz="quarter" idx="14"/>
+          </p:nvPr>
+        </p:nvSpPr>
+        <p:spPr>
+          <a:xfrm>
+            <a:off x="335359" y="1628800"/>
+            <a:ext cx="11511019" cy="4629125"/>
+          </a:xfrm>
+        </p:spPr>
+        <p:txBody>
+          <a:bodyPr>
+            <a:noAutofit/>
+          </a:bodyPr>
+          <a:lstStyle/>
+          <a:p>
+            <a:pPr lvl="1">
+              <a:buClr>
+                <a:schemeClr val="tx2">
+                  <a:lumMod val="50000"/>
+                </a:schemeClr>
+              </a:buClr>
+            </a:pPr>
+            <a:r>
+              <a:rPr lang="en-US" sz="1600" dirty="0"/>
+              <a:t>A more practical example might look like this:</a:t>
+            </a:r>
+          </a:p>
+          <a:p>
+            <a:pPr lvl="1">
+              <a:spcAft>
+                <a:spcPts val="0"/>
+              </a:spcAft>
+              <a:buClr>
+                <a:schemeClr val="tx2">
+                  <a:lumMod val="50000"/>
+                </a:schemeClr>
+              </a:buClr>
+            </a:pPr>
+            <a:r>
+              <a:rPr lang="en-US" sz="1400" dirty="0">
+                <a:latin typeface="Courier New" panose="02070309020205020404" pitchFamily="49" charset="0"/>
+                <a:cs typeface="Courier New" panose="02070309020205020404" pitchFamily="49" charset="0"/>
+              </a:rPr>
+              <a:t>const Animal = {</a:t>
+            </a:r>
+          </a:p>
+          <a:p>
+            <a:pPr lvl="1">
+              <a:spcAft>
+                <a:spcPts val="0"/>
+              </a:spcAft>
+              <a:buClr>
+                <a:schemeClr val="tx2">
+                  <a:lumMod val="50000"/>
+                </a:schemeClr>
+              </a:buClr>
+            </a:pPr>
+            <a:r>
+              <a:rPr lang="en-US" sz="1400" dirty="0">
+                <a:latin typeface="Courier New" panose="02070309020205020404" pitchFamily="49" charset="0"/>
+                <a:cs typeface="Courier New" panose="02070309020205020404" pitchFamily="49" charset="0"/>
+              </a:rPr>
+              <a:t>	name: 'Nixon',</a:t>
+            </a:r>
+          </a:p>
+          <a:p>
+            <a:pPr lvl="1">
+              <a:spcAft>
+                <a:spcPts val="0"/>
+              </a:spcAft>
+              <a:buClr>
+                <a:schemeClr val="tx2">
+                  <a:lumMod val="50000"/>
+                </a:schemeClr>
+              </a:buClr>
+            </a:pPr>
+            <a:r>
+              <a:rPr lang="en-US" sz="1400" dirty="0">
+                <a:latin typeface="Courier New" panose="02070309020205020404" pitchFamily="49" charset="0"/>
+                <a:cs typeface="Courier New" panose="02070309020205020404" pitchFamily="49" charset="0"/>
+              </a:rPr>
+              <a:t>	</a:t>
+            </a:r>
+            <a:r>
+              <a:rPr lang="en-US" sz="1400" dirty="0" err="1">
+                <a:latin typeface="Courier New" panose="02070309020205020404" pitchFamily="49" charset="0"/>
+                <a:cs typeface="Courier New" panose="02070309020205020404" pitchFamily="49" charset="0"/>
+              </a:rPr>
+              <a:t>displayCatInfo</a:t>
+            </a:r>
+            <a:r>
+              <a:rPr lang="en-US" sz="1400" dirty="0">
+                <a:latin typeface="Courier New" panose="02070309020205020404" pitchFamily="49" charset="0"/>
+                <a:cs typeface="Courier New" panose="02070309020205020404" pitchFamily="49" charset="0"/>
+              </a:rPr>
+              <a:t>: function(breed, color) {</a:t>
+            </a:r>
+          </a:p>
+          <a:p>
+            <a:pPr lvl="1">
+              <a:spcAft>
+                <a:spcPts val="0"/>
+              </a:spcAft>
+              <a:buClr>
+                <a:schemeClr val="tx2">
+                  <a:lumMod val="50000"/>
+                </a:schemeClr>
+              </a:buClr>
+            </a:pPr>
+            <a:r>
+              <a:rPr lang="en-US" sz="1400" dirty="0">
+                <a:latin typeface="Courier New" panose="02070309020205020404" pitchFamily="49" charset="0"/>
+                <a:cs typeface="Courier New" panose="02070309020205020404" pitchFamily="49" charset="0"/>
+              </a:rPr>
+              <a:t>		return `${this.name} is a ${color} ${breed}`;</a:t>
+            </a:r>
+          </a:p>
+          <a:p>
+            <a:pPr lvl="1">
+              <a:spcAft>
+                <a:spcPts val="0"/>
+              </a:spcAft>
+              <a:buClr>
+                <a:schemeClr val="tx2">
+                  <a:lumMod val="50000"/>
+                </a:schemeClr>
+              </a:buClr>
+            </a:pPr>
+            <a:r>
+              <a:rPr lang="en-US" sz="1400" dirty="0">
+                <a:latin typeface="Courier New" panose="02070309020205020404" pitchFamily="49" charset="0"/>
+                <a:cs typeface="Courier New" panose="02070309020205020404" pitchFamily="49" charset="0"/>
+              </a:rPr>
+              <a:t>	}</a:t>
+            </a:r>
+          </a:p>
+          <a:p>
+            <a:pPr lvl="1">
+              <a:spcAft>
+                <a:spcPts val="0"/>
+              </a:spcAft>
+              <a:buClr>
+                <a:schemeClr val="tx2">
+                  <a:lumMod val="50000"/>
+                </a:schemeClr>
+              </a:buClr>
+            </a:pPr>
+            <a:r>
+              <a:rPr lang="en-US" sz="1400" dirty="0">
+                <a:latin typeface="Courier New" panose="02070309020205020404" pitchFamily="49" charset="0"/>
+                <a:cs typeface="Courier New" panose="02070309020205020404" pitchFamily="49" charset="0"/>
+              </a:rPr>
+              <a:t>};</a:t>
+            </a:r>
+          </a:p>
+          <a:p>
+            <a:pPr lvl="1">
+              <a:spcAft>
+                <a:spcPts val="0"/>
+              </a:spcAft>
+              <a:buClr>
+                <a:schemeClr val="tx2">
+                  <a:lumMod val="50000"/>
+                </a:schemeClr>
+              </a:buClr>
+            </a:pPr>
+            <a:r>
+              <a:rPr lang="en-US" sz="1400" dirty="0">
+                <a:latin typeface="Courier New" panose="02070309020205020404" pitchFamily="49" charset="0"/>
+                <a:cs typeface="Courier New" panose="02070309020205020404" pitchFamily="49" charset="0"/>
+              </a:rPr>
+              <a:t>const Cat = </a:t>
+            </a:r>
+            <a:r>
+              <a:rPr lang="en-US" sz="1400" dirty="0" err="1">
+                <a:latin typeface="Courier New" panose="02070309020205020404" pitchFamily="49" charset="0"/>
+                <a:cs typeface="Courier New" panose="02070309020205020404" pitchFamily="49" charset="0"/>
+              </a:rPr>
+              <a:t>Object.create</a:t>
+            </a:r>
+            <a:r>
+              <a:rPr lang="en-US" sz="1400" dirty="0">
+                <a:latin typeface="Courier New" panose="02070309020205020404" pitchFamily="49" charset="0"/>
+                <a:cs typeface="Courier New" panose="02070309020205020404" pitchFamily="49" charset="0"/>
+              </a:rPr>
+              <a:t>(Animal, {</a:t>
+            </a:r>
+          </a:p>
+          <a:p>
+            <a:pPr lvl="1">
+              <a:spcAft>
+                <a:spcPts val="0"/>
+              </a:spcAft>
+              <a:buClr>
+                <a:schemeClr val="tx2">
+                  <a:lumMod val="50000"/>
+                </a:schemeClr>
+              </a:buClr>
+            </a:pPr>
+            <a:r>
+              <a:rPr lang="en-US" sz="1400" dirty="0">
+                <a:latin typeface="Courier New" panose="02070309020205020404" pitchFamily="49" charset="0"/>
+                <a:cs typeface="Courier New" panose="02070309020205020404" pitchFamily="49" charset="0"/>
+              </a:rPr>
+              <a:t>	name: {value: 'Reagan'}</a:t>
+            </a:r>
+          </a:p>
+          <a:p>
+            <a:pPr lvl="1">
+              <a:spcAft>
+                <a:spcPts val="0"/>
+              </a:spcAft>
+              <a:buClr>
+                <a:schemeClr val="tx2">
+                  <a:lumMod val="50000"/>
+                </a:schemeClr>
+              </a:buClr>
+            </a:pPr>
+            <a:r>
+              <a:rPr lang="en-US" sz="1400" dirty="0">
+                <a:latin typeface="Courier New" panose="02070309020205020404" pitchFamily="49" charset="0"/>
+                <a:cs typeface="Courier New" panose="02070309020205020404" pitchFamily="49" charset="0"/>
+              </a:rPr>
+              <a:t>});</a:t>
+            </a:r>
+            <a:br>
+              <a:rPr lang="en-US" sz="1400" dirty="0">
+                <a:latin typeface="Courier New" panose="02070309020205020404" pitchFamily="49" charset="0"/>
+                <a:cs typeface="Courier New" panose="02070309020205020404" pitchFamily="49" charset="0"/>
+              </a:rPr>
+            </a:br>
+            <a:r>
+              <a:rPr lang="en-US" sz="1400" dirty="0">
+                <a:latin typeface="Courier New" panose="02070309020205020404" pitchFamily="49" charset="0"/>
+                <a:cs typeface="Courier New" panose="02070309020205020404" pitchFamily="49" charset="0"/>
+              </a:rPr>
+              <a:t>console.log(</a:t>
+            </a:r>
+            <a:r>
+              <a:rPr lang="en-US" sz="1400" dirty="0" err="1">
+                <a:latin typeface="Courier New" panose="02070309020205020404" pitchFamily="49" charset="0"/>
+                <a:cs typeface="Courier New" panose="02070309020205020404" pitchFamily="49" charset="0"/>
+              </a:rPr>
+              <a:t>Cat.displayCatInfo</a:t>
+            </a:r>
+            <a:r>
+              <a:rPr lang="en-US" sz="1400" dirty="0">
+                <a:latin typeface="Courier New" panose="02070309020205020404" pitchFamily="49" charset="0"/>
+                <a:cs typeface="Courier New" panose="02070309020205020404" pitchFamily="49" charset="0"/>
+              </a:rPr>
+              <a:t>('Siamese', 'White'));</a:t>
+            </a:r>
+            <a:br>
+              <a:rPr lang="en-US" sz="1400" dirty="0">
+                <a:latin typeface="Courier New" panose="02070309020205020404" pitchFamily="49" charset="0"/>
+                <a:cs typeface="Courier New" panose="02070309020205020404" pitchFamily="49" charset="0"/>
+              </a:rPr>
+            </a:br>
+            <a:r>
+              <a:rPr lang="en-US" sz="1400" dirty="0">
+                <a:latin typeface="Courier New" panose="02070309020205020404" pitchFamily="49" charset="0"/>
+                <a:cs typeface="Courier New" panose="02070309020205020404" pitchFamily="49" charset="0"/>
+              </a:rPr>
+              <a:t>console.log(Cat.name);</a:t>
+            </a:r>
+            <a:br>
+              <a:rPr lang="en-US" sz="1400" dirty="0">
+                <a:latin typeface="Courier New" panose="02070309020205020404" pitchFamily="49" charset="0"/>
+                <a:cs typeface="Courier New" panose="02070309020205020404" pitchFamily="49" charset="0"/>
+              </a:rPr>
+            </a:br>
+            <a:r>
+              <a:rPr lang="en-US" sz="1400" dirty="0">
+                <a:latin typeface="Courier New" panose="02070309020205020404" pitchFamily="49" charset="0"/>
+                <a:cs typeface="Courier New" panose="02070309020205020404" pitchFamily="49" charset="0"/>
+              </a:rPr>
+              <a:t>console.log(</a:t>
+            </a:r>
+            <a:r>
+              <a:rPr lang="en-US" sz="1400" dirty="0" err="1">
+                <a:latin typeface="Courier New" panose="02070309020205020404" pitchFamily="49" charset="0"/>
+                <a:cs typeface="Courier New" panose="02070309020205020404" pitchFamily="49" charset="0"/>
+              </a:rPr>
+              <a:t>Cat.breed</a:t>
+            </a:r>
+            <a:r>
+              <a:rPr lang="en-US" sz="1400" dirty="0">
+                <a:latin typeface="Courier New" panose="02070309020205020404" pitchFamily="49" charset="0"/>
+                <a:cs typeface="Courier New" panose="02070309020205020404" pitchFamily="49" charset="0"/>
+              </a:rPr>
+              <a:t>);</a:t>
+            </a:r>
+          </a:p>
+        </p:txBody>
+      </p:sp>
+      <p:sp>
+        <p:nvSpPr>
+          <p:cNvPr id="2" name="Text Placeholder 1"/>
+          <p:cNvSpPr>
+            <a:spLocks noGrp="1"/>
+          </p:cNvSpPr>
+          <p:nvPr>
+            <p:ph type="body" sz="quarter" idx="11"/>
+          </p:nvPr>
+        </p:nvSpPr>
+        <p:spPr/>
+        <p:txBody>
+          <a:bodyPr/>
+          <a:lstStyle/>
+          <a:p>
+            <a:r>
+              <a:rPr lang="en-US" dirty="0"/>
               <a:t>Inheritance</a:t>
             </a:r>
           </a:p>
@@ -30469,7 +31308,7 @@
 </p:sld>
 </file>
 
-<file path=ppt/slides/slide51.xml><?xml version="1.0" encoding="utf-8"?>
+<file path=ppt/slides/slide53.xml><?xml version="1.0" encoding="utf-8"?>
 <p:sld xmlns:a="http://schemas.openxmlformats.org/drawingml/2006/main" xmlns:r="http://schemas.openxmlformats.org/officeDocument/2006/relationships" xmlns:p="http://schemas.openxmlformats.org/presentationml/2006/main">
   <p:cSld>
     <p:spTree>
@@ -30534,7 +31373,7 @@
 </p:sld>
 </file>
 
-<file path=ppt/slides/slide52.xml><?xml version="1.0" encoding="utf-8"?>
+<file path=ppt/slides/slide54.xml><?xml version="1.0" encoding="utf-8"?>
 <p:sld xmlns:a="http://schemas.openxmlformats.org/drawingml/2006/main" xmlns:r="http://schemas.openxmlformats.org/officeDocument/2006/relationships" xmlns:p="http://schemas.openxmlformats.org/presentationml/2006/main">
   <p:cSld>
     <p:spTree>
@@ -30720,7 +31559,7 @@
           <p:cNvPr id="3" name="Right Brace 2">
             <a:extLst>
               <a:ext uri="{FF2B5EF4-FFF2-40B4-BE49-F238E27FC236}">
-                <a16:creationId xmlns:a16="http://schemas.microsoft.com/office/drawing/2014/main" id="{C95293F0-C221-483F-8CA9-5EABC72A336D}"/>
+                <a16:creationId xmlns:a16="http://schemas.microsoft.com/office/drawing/2014/main" xmlns="" id="{C95293F0-C221-483F-8CA9-5EABC72A336D}"/>
               </a:ext>
             </a:extLst>
           </p:cNvPr>
@@ -30772,7 +31611,7 @@
           <p:cNvPr id="8" name="Text Placeholder 6">
             <a:extLst>
               <a:ext uri="{FF2B5EF4-FFF2-40B4-BE49-F238E27FC236}">
-                <a16:creationId xmlns:a16="http://schemas.microsoft.com/office/drawing/2014/main" id="{05A51822-7278-4997-A3BF-9B5065D366E2}"/>
+                <a16:creationId xmlns:a16="http://schemas.microsoft.com/office/drawing/2014/main" xmlns="" id="{05A51822-7278-4997-A3BF-9B5065D366E2}"/>
               </a:ext>
             </a:extLst>
           </p:cNvPr>
@@ -31239,6 +32078,10 @@
               <a:rPr lang="en-US" sz="1600" b="1" dirty="0"/>
               <a:t>Class</a:t>
             </a:r>
+            <a:r>
+              <a:rPr lang="en-US" sz="1600" dirty="0"/>
+              <a:t/>
+            </a:r>
             <a:br>
               <a:rPr lang="en-US" sz="1600" dirty="0"/>
             </a:br>
@@ -31620,7 +32463,7 @@
           <p:cNvPr id="8" name="TextBox 7">
             <a:extLst>
               <a:ext uri="{FF2B5EF4-FFF2-40B4-BE49-F238E27FC236}">
-                <a16:creationId xmlns:a16="http://schemas.microsoft.com/office/drawing/2014/main" id="{AF989EBB-14CB-476F-8B4E-1AD34C753C71}"/>
+                <a16:creationId xmlns:a16="http://schemas.microsoft.com/office/drawing/2014/main" xmlns="" id="{AF989EBB-14CB-476F-8B4E-1AD34C753C71}"/>
               </a:ext>
             </a:extLst>
           </p:cNvPr>
